--- a/Demonstration/Smartwall.pptx
+++ b/Demonstration/Smartwall.pptx
@@ -2,7 +2,7 @@
 <file path=ppt/presentation.xml><?xml version="1.0" encoding="utf-8"?>
 <p:presentation xmlns:a="http://schemas.openxmlformats.org/drawingml/2006/main" xmlns:r="http://schemas.openxmlformats.org/officeDocument/2006/relationships" xmlns:p="http://schemas.openxmlformats.org/presentationml/2006/main" saveSubsetFonts="1">
   <p:sldMasterIdLst>
-    <p:sldMasterId id="2147483648" r:id="rId1"/>
+    <p:sldMasterId id="2147483660" r:id="rId1"/>
   </p:sldMasterIdLst>
   <p:sldIdLst>
     <p:sldId id="256" r:id="rId2"/>
@@ -13,7 +13,7 @@
     <a:defPPr>
       <a:defRPr lang="en-US"/>
     </a:defPPr>
-    <a:lvl1pPr marL="0" algn="l" defTabSz="914400" rtl="0" eaLnBrk="1" latinLnBrk="0" hangingPunct="1">
+    <a:lvl1pPr marL="0" algn="l" defTabSz="457200" rtl="0" eaLnBrk="1" latinLnBrk="0" hangingPunct="1">
       <a:defRPr sz="1800" kern="1200">
         <a:solidFill>
           <a:schemeClr val="tx1"/>
@@ -23,7 +23,7 @@
         <a:cs typeface="+mn-cs"/>
       </a:defRPr>
     </a:lvl1pPr>
-    <a:lvl2pPr marL="457200" algn="l" defTabSz="914400" rtl="0" eaLnBrk="1" latinLnBrk="0" hangingPunct="1">
+    <a:lvl2pPr marL="457200" algn="l" defTabSz="457200" rtl="0" eaLnBrk="1" latinLnBrk="0" hangingPunct="1">
       <a:defRPr sz="1800" kern="1200">
         <a:solidFill>
           <a:schemeClr val="tx1"/>
@@ -33,7 +33,7 @@
         <a:cs typeface="+mn-cs"/>
       </a:defRPr>
     </a:lvl2pPr>
-    <a:lvl3pPr marL="914400" algn="l" defTabSz="914400" rtl="0" eaLnBrk="1" latinLnBrk="0" hangingPunct="1">
+    <a:lvl3pPr marL="914400" algn="l" defTabSz="457200" rtl="0" eaLnBrk="1" latinLnBrk="0" hangingPunct="1">
       <a:defRPr sz="1800" kern="1200">
         <a:solidFill>
           <a:schemeClr val="tx1"/>
@@ -43,7 +43,7 @@
         <a:cs typeface="+mn-cs"/>
       </a:defRPr>
     </a:lvl3pPr>
-    <a:lvl4pPr marL="1371600" algn="l" defTabSz="914400" rtl="0" eaLnBrk="1" latinLnBrk="0" hangingPunct="1">
+    <a:lvl4pPr marL="1371600" algn="l" defTabSz="457200" rtl="0" eaLnBrk="1" latinLnBrk="0" hangingPunct="1">
       <a:defRPr sz="1800" kern="1200">
         <a:solidFill>
           <a:schemeClr val="tx1"/>
@@ -53,7 +53,7 @@
         <a:cs typeface="+mn-cs"/>
       </a:defRPr>
     </a:lvl4pPr>
-    <a:lvl5pPr marL="1828800" algn="l" defTabSz="914400" rtl="0" eaLnBrk="1" latinLnBrk="0" hangingPunct="1">
+    <a:lvl5pPr marL="1828800" algn="l" defTabSz="457200" rtl="0" eaLnBrk="1" latinLnBrk="0" hangingPunct="1">
       <a:defRPr sz="1800" kern="1200">
         <a:solidFill>
           <a:schemeClr val="tx1"/>
@@ -63,7 +63,7 @@
         <a:cs typeface="+mn-cs"/>
       </a:defRPr>
     </a:lvl5pPr>
-    <a:lvl6pPr marL="2286000" algn="l" defTabSz="914400" rtl="0" eaLnBrk="1" latinLnBrk="0" hangingPunct="1">
+    <a:lvl6pPr marL="2286000" algn="l" defTabSz="457200" rtl="0" eaLnBrk="1" latinLnBrk="0" hangingPunct="1">
       <a:defRPr sz="1800" kern="1200">
         <a:solidFill>
           <a:schemeClr val="tx1"/>
@@ -73,7 +73,7 @@
         <a:cs typeface="+mn-cs"/>
       </a:defRPr>
     </a:lvl6pPr>
-    <a:lvl7pPr marL="2743200" algn="l" defTabSz="914400" rtl="0" eaLnBrk="1" latinLnBrk="0" hangingPunct="1">
+    <a:lvl7pPr marL="2743200" algn="l" defTabSz="457200" rtl="0" eaLnBrk="1" latinLnBrk="0" hangingPunct="1">
       <a:defRPr sz="1800" kern="1200">
         <a:solidFill>
           <a:schemeClr val="tx1"/>
@@ -83,7 +83,7 @@
         <a:cs typeface="+mn-cs"/>
       </a:defRPr>
     </a:lvl7pPr>
-    <a:lvl8pPr marL="3200400" algn="l" defTabSz="914400" rtl="0" eaLnBrk="1" latinLnBrk="0" hangingPunct="1">
+    <a:lvl8pPr marL="3200400" algn="l" defTabSz="457200" rtl="0" eaLnBrk="1" latinLnBrk="0" hangingPunct="1">
       <a:defRPr sz="1800" kern="1200">
         <a:solidFill>
           <a:schemeClr val="tx1"/>
@@ -93,7 +93,7 @@
         <a:cs typeface="+mn-cs"/>
       </a:defRPr>
     </a:lvl8pPr>
-    <a:lvl9pPr marL="3657600" algn="l" defTabSz="914400" rtl="0" eaLnBrk="1" latinLnBrk="0" hangingPunct="1">
+    <a:lvl9pPr marL="3657600" algn="l" defTabSz="457200" rtl="0" eaLnBrk="1" latinLnBrk="0" hangingPunct="1">
       <a:defRPr sz="1800" kern="1200">
         <a:solidFill>
           <a:schemeClr val="tx1"/>
@@ -104,6 +104,11 @@
       </a:defRPr>
     </a:lvl9pPr>
   </p:defaultTextStyle>
+  <p:extLst>
+    <p:ext uri="{EFAFB233-063F-42B5-8137-9DF3F51BA10A}">
+      <p15:sldGuideLst xmlns:p15="http://schemas.microsoft.com/office/powerpoint/2012/main"/>
+    </p:ext>
+  </p:extLst>
 </p:presentation>
 </file>
 
@@ -136,15 +141,17 @@
         </p:nvSpPr>
         <p:spPr>
           <a:xfrm>
-            <a:off x="1524000" y="1122363"/>
-            <a:ext cx="9144000" cy="2387600"/>
+            <a:off x="1370693" y="1769540"/>
+            <a:ext cx="9440034" cy="1828801"/>
           </a:xfrm>
         </p:spPr>
         <p:txBody>
-          <a:bodyPr anchor="b"/>
+          <a:bodyPr anchor="b">
+            <a:normAutofit/>
+          </a:bodyPr>
           <a:lstStyle>
             <a:lvl1pPr algn="ctr">
-              <a:defRPr sz="6000"/>
+              <a:defRPr sz="5400"/>
             </a:lvl1pPr>
           </a:lstStyle>
           <a:p>
@@ -152,7 +159,7 @@
               <a:rPr lang="en-US"/>
               <a:t>Click to edit Master title style</a:t>
             </a:r>
-            <a:endParaRPr lang="en-GB"/>
+            <a:endParaRPr lang="en-US" dirty="0"/>
           </a:p>
         </p:txBody>
       </p:sp>
@@ -168,48 +175,100 @@
         </p:nvSpPr>
         <p:spPr>
           <a:xfrm>
-            <a:off x="1524000" y="3602038"/>
-            <a:ext cx="9144000" cy="1655762"/>
+            <a:off x="1370693" y="3598339"/>
+            <a:ext cx="9440034" cy="1049867"/>
           </a:xfrm>
         </p:spPr>
         <p:txBody>
-          <a:bodyPr/>
+          <a:bodyPr anchor="t"/>
           <a:lstStyle>
             <a:lvl1pPr marL="0" indent="0" algn="ctr">
               <a:buNone/>
-              <a:defRPr sz="2400"/>
+              <a:defRPr>
+                <a:solidFill>
+                  <a:schemeClr val="tx1"/>
+                </a:solidFill>
+              </a:defRPr>
             </a:lvl1pPr>
             <a:lvl2pPr marL="457200" indent="0" algn="ctr">
               <a:buNone/>
-              <a:defRPr sz="2000"/>
+              <a:defRPr>
+                <a:solidFill>
+                  <a:schemeClr val="tx1">
+                    <a:tint val="75000"/>
+                  </a:schemeClr>
+                </a:solidFill>
+              </a:defRPr>
             </a:lvl2pPr>
             <a:lvl3pPr marL="914400" indent="0" algn="ctr">
               <a:buNone/>
-              <a:defRPr sz="1800"/>
+              <a:defRPr>
+                <a:solidFill>
+                  <a:schemeClr val="tx1">
+                    <a:tint val="75000"/>
+                  </a:schemeClr>
+                </a:solidFill>
+              </a:defRPr>
             </a:lvl3pPr>
             <a:lvl4pPr marL="1371600" indent="0" algn="ctr">
               <a:buNone/>
-              <a:defRPr sz="1600"/>
+              <a:defRPr>
+                <a:solidFill>
+                  <a:schemeClr val="tx1">
+                    <a:tint val="75000"/>
+                  </a:schemeClr>
+                </a:solidFill>
+              </a:defRPr>
             </a:lvl4pPr>
             <a:lvl5pPr marL="1828800" indent="0" algn="ctr">
               <a:buNone/>
-              <a:defRPr sz="1600"/>
+              <a:defRPr>
+                <a:solidFill>
+                  <a:schemeClr val="tx1">
+                    <a:tint val="75000"/>
+                  </a:schemeClr>
+                </a:solidFill>
+              </a:defRPr>
             </a:lvl5pPr>
             <a:lvl6pPr marL="2286000" indent="0" algn="ctr">
               <a:buNone/>
-              <a:defRPr sz="1600"/>
+              <a:defRPr>
+                <a:solidFill>
+                  <a:schemeClr val="tx1">
+                    <a:tint val="75000"/>
+                  </a:schemeClr>
+                </a:solidFill>
+              </a:defRPr>
             </a:lvl6pPr>
             <a:lvl7pPr marL="2743200" indent="0" algn="ctr">
               <a:buNone/>
-              <a:defRPr sz="1600"/>
+              <a:defRPr>
+                <a:solidFill>
+                  <a:schemeClr val="tx1">
+                    <a:tint val="75000"/>
+                  </a:schemeClr>
+                </a:solidFill>
+              </a:defRPr>
             </a:lvl7pPr>
             <a:lvl8pPr marL="3200400" indent="0" algn="ctr">
               <a:buNone/>
-              <a:defRPr sz="1600"/>
+              <a:defRPr>
+                <a:solidFill>
+                  <a:schemeClr val="tx1">
+                    <a:tint val="75000"/>
+                  </a:schemeClr>
+                </a:solidFill>
+              </a:defRPr>
             </a:lvl8pPr>
             <a:lvl9pPr marL="3657600" indent="0" algn="ctr">
               <a:buNone/>
-              <a:defRPr sz="1600"/>
+              <a:defRPr>
+                <a:solidFill>
+                  <a:schemeClr val="tx1">
+                    <a:tint val="75000"/>
+                  </a:schemeClr>
+                </a:solidFill>
+              </a:defRPr>
             </a:lvl9pPr>
           </a:lstStyle>
           <a:p>
@@ -217,7 +276,7 @@
               <a:rPr lang="en-US"/>
               <a:t>Click to edit Master subtitle style</a:t>
             </a:r>
-            <a:endParaRPr lang="en-GB"/>
+            <a:endParaRPr lang="en-US" dirty="0"/>
           </a:p>
         </p:txBody>
       </p:sp>
@@ -289,7 +348,7 @@
     </p:spTree>
     <p:extLst>
       <p:ext uri="{BB962C8B-B14F-4D97-AF65-F5344CB8AC3E}">
-        <p14:creationId xmlns:p14="http://schemas.microsoft.com/office/powerpoint/2010/main" val="3675345385"/>
+        <p14:creationId xmlns:p14="http://schemas.microsoft.com/office/powerpoint/2010/main" val="2711447289"/>
       </p:ext>
     </p:extLst>
   </p:cSld>
@@ -300,6 +359,2582 @@
 </file>
 
 <file path=ppt/slideLayouts/slideLayout10.xml><?xml version="1.0" encoding="utf-8"?>
+<p:sldLayout xmlns:a="http://schemas.openxmlformats.org/drawingml/2006/main" xmlns:r="http://schemas.openxmlformats.org/officeDocument/2006/relationships" xmlns:p="http://schemas.openxmlformats.org/presentationml/2006/main" preserve="1">
+  <p:cSld name="Panoramic Picture with Caption">
+    <p:spTree>
+      <p:nvGrpSpPr>
+        <p:cNvPr id="1" name=""/>
+        <p:cNvGrpSpPr/>
+        <p:nvPr/>
+      </p:nvGrpSpPr>
+      <p:grpSpPr>
+        <a:xfrm>
+          <a:off x="0" y="0"/>
+          <a:ext cx="0" cy="0"/>
+          <a:chOff x="0" y="0"/>
+          <a:chExt cx="0" cy="0"/>
+        </a:xfrm>
+      </p:grpSpPr>
+      <p:pic>
+        <p:nvPicPr>
+          <p:cNvPr id="16" name="Picture 15" descr="Slate-V2-HD-panoPhotoInset.png"/>
+          <p:cNvPicPr>
+            <a:picLocks noChangeAspect="1"/>
+          </p:cNvPicPr>
+          <p:nvPr/>
+        </p:nvPicPr>
+        <p:blipFill>
+          <a:blip r:embed="rId2">
+            <a:extLst>
+              <a:ext uri="{28A0092B-C50C-407E-A947-70E740481C1C}">
+                <a14:useLocalDpi xmlns:a14="http://schemas.microsoft.com/office/drawing/2010/main" val="0"/>
+              </a:ext>
+            </a:extLst>
+          </a:blip>
+          <a:stretch>
+            <a:fillRect/>
+          </a:stretch>
+        </p:blipFill>
+        <p:spPr>
+          <a:xfrm>
+            <a:off x="1013883" y="547807"/>
+            <a:ext cx="10141799" cy="3816806"/>
+          </a:xfrm>
+          <a:prstGeom prst="rect">
+            <a:avLst/>
+          </a:prstGeom>
+        </p:spPr>
+      </p:pic>
+      <p:sp>
+        <p:nvSpPr>
+          <p:cNvPr id="2" name="Title 1"/>
+          <p:cNvSpPr>
+            <a:spLocks noGrp="1"/>
+          </p:cNvSpPr>
+          <p:nvPr>
+            <p:ph type="title"/>
+          </p:nvPr>
+        </p:nvSpPr>
+        <p:spPr>
+          <a:xfrm>
+            <a:off x="913806" y="4565255"/>
+            <a:ext cx="10355326" cy="543472"/>
+          </a:xfrm>
+        </p:spPr>
+        <p:txBody>
+          <a:bodyPr anchor="b">
+            <a:normAutofit/>
+          </a:bodyPr>
+          <a:lstStyle>
+            <a:lvl1pPr algn="ctr">
+              <a:defRPr sz="2800"/>
+            </a:lvl1pPr>
+          </a:lstStyle>
+          <a:p>
+            <a:r>
+              <a:rPr lang="en-US"/>
+              <a:t>Click to edit Master title style</a:t>
+            </a:r>
+            <a:endParaRPr lang="en-US" dirty="0"/>
+          </a:p>
+        </p:txBody>
+      </p:sp>
+      <p:sp>
+        <p:nvSpPr>
+          <p:cNvPr id="3" name="Picture Placeholder 2"/>
+          <p:cNvSpPr>
+            <a:spLocks noGrp="1" noChangeAspect="1"/>
+          </p:cNvSpPr>
+          <p:nvPr>
+            <p:ph type="pic" idx="1"/>
+          </p:nvPr>
+        </p:nvSpPr>
+        <p:spPr>
+          <a:xfrm>
+            <a:off x="1169349" y="695009"/>
+            <a:ext cx="9845346" cy="3525671"/>
+          </a:xfrm>
+          <a:effectLst>
+            <a:outerShdw blurRad="38100" dist="25400" dir="4440000">
+              <a:srgbClr val="000000">
+                <a:alpha val="36000"/>
+              </a:srgbClr>
+            </a:outerShdw>
+          </a:effectLst>
+        </p:spPr>
+        <p:txBody>
+          <a:bodyPr anchor="t">
+            <a:normAutofit/>
+          </a:bodyPr>
+          <a:lstStyle>
+            <a:lvl1pPr marL="0" indent="0" algn="ctr">
+              <a:buNone/>
+              <a:defRPr sz="2000"/>
+            </a:lvl1pPr>
+            <a:lvl2pPr marL="457200" indent="0">
+              <a:buNone/>
+              <a:defRPr sz="2000"/>
+            </a:lvl2pPr>
+            <a:lvl3pPr marL="914400" indent="0">
+              <a:buNone/>
+              <a:defRPr sz="2000"/>
+            </a:lvl3pPr>
+            <a:lvl4pPr marL="1371600" indent="0">
+              <a:buNone/>
+              <a:defRPr sz="2000"/>
+            </a:lvl4pPr>
+            <a:lvl5pPr marL="1828800" indent="0">
+              <a:buNone/>
+              <a:defRPr sz="2000"/>
+            </a:lvl5pPr>
+            <a:lvl6pPr marL="2286000" indent="0">
+              <a:buNone/>
+              <a:defRPr sz="2000"/>
+            </a:lvl6pPr>
+            <a:lvl7pPr marL="2743200" indent="0">
+              <a:buNone/>
+              <a:defRPr sz="2000"/>
+            </a:lvl7pPr>
+            <a:lvl8pPr marL="3200400" indent="0">
+              <a:buNone/>
+              <a:defRPr sz="2000"/>
+            </a:lvl8pPr>
+            <a:lvl9pPr marL="3657600" indent="0">
+              <a:buNone/>
+              <a:defRPr sz="2000"/>
+            </a:lvl9pPr>
+          </a:lstStyle>
+          <a:p>
+            <a:r>
+              <a:rPr lang="en-US"/>
+              <a:t>Click icon to add picture</a:t>
+            </a:r>
+            <a:endParaRPr lang="en-US" dirty="0"/>
+          </a:p>
+        </p:txBody>
+      </p:sp>
+      <p:sp>
+        <p:nvSpPr>
+          <p:cNvPr id="4" name="Text Placeholder 3"/>
+          <p:cNvSpPr>
+            <a:spLocks noGrp="1"/>
+          </p:cNvSpPr>
+          <p:nvPr>
+            <p:ph type="body" sz="half" idx="2"/>
+          </p:nvPr>
+        </p:nvSpPr>
+        <p:spPr>
+          <a:xfrm>
+            <a:off x="913795" y="5108728"/>
+            <a:ext cx="10353762" cy="682472"/>
+          </a:xfrm>
+        </p:spPr>
+        <p:txBody>
+          <a:bodyPr anchor="t"/>
+          <a:lstStyle>
+            <a:lvl1pPr marL="0" indent="0" algn="ctr">
+              <a:buNone/>
+              <a:defRPr sz="1600"/>
+            </a:lvl1pPr>
+            <a:lvl2pPr marL="457200" indent="0">
+              <a:buNone/>
+              <a:defRPr sz="1400"/>
+            </a:lvl2pPr>
+            <a:lvl3pPr marL="914400" indent="0">
+              <a:buNone/>
+              <a:defRPr sz="1200"/>
+            </a:lvl3pPr>
+            <a:lvl4pPr marL="1371600" indent="0">
+              <a:buNone/>
+              <a:defRPr sz="1000"/>
+            </a:lvl4pPr>
+            <a:lvl5pPr marL="1828800" indent="0">
+              <a:buNone/>
+              <a:defRPr sz="1000"/>
+            </a:lvl5pPr>
+            <a:lvl6pPr marL="2286000" indent="0">
+              <a:buNone/>
+              <a:defRPr sz="1000"/>
+            </a:lvl6pPr>
+            <a:lvl7pPr marL="2743200" indent="0">
+              <a:buNone/>
+              <a:defRPr sz="1000"/>
+            </a:lvl7pPr>
+            <a:lvl8pPr marL="3200400" indent="0">
+              <a:buNone/>
+              <a:defRPr sz="1000"/>
+            </a:lvl8pPr>
+            <a:lvl9pPr marL="3657600" indent="0">
+              <a:buNone/>
+              <a:defRPr sz="1000"/>
+            </a:lvl9pPr>
+          </a:lstStyle>
+          <a:p>
+            <a:pPr lvl="0"/>
+            <a:r>
+              <a:rPr lang="en-US"/>
+              <a:t>Edit Master text styles</a:t>
+            </a:r>
+          </a:p>
+        </p:txBody>
+      </p:sp>
+      <p:sp>
+        <p:nvSpPr>
+          <p:cNvPr id="5" name="Date Placeholder 4"/>
+          <p:cNvSpPr>
+            <a:spLocks noGrp="1"/>
+          </p:cNvSpPr>
+          <p:nvPr>
+            <p:ph type="dt" sz="half" idx="10"/>
+          </p:nvPr>
+        </p:nvSpPr>
+        <p:spPr/>
+        <p:txBody>
+          <a:bodyPr/>
+          <a:lstStyle/>
+          <a:p>
+            <a:fld id="{642C1C30-35AD-4A8C-B716-82046E9CDDFC}" type="datetimeFigureOut">
+              <a:rPr lang="en-GB" smtClean="0"/>
+              <a:t>13/03/2017</a:t>
+            </a:fld>
+            <a:endParaRPr lang="en-GB"/>
+          </a:p>
+        </p:txBody>
+      </p:sp>
+      <p:sp>
+        <p:nvSpPr>
+          <p:cNvPr id="6" name="Footer Placeholder 5"/>
+          <p:cNvSpPr>
+            <a:spLocks noGrp="1"/>
+          </p:cNvSpPr>
+          <p:nvPr>
+            <p:ph type="ftr" sz="quarter" idx="11"/>
+          </p:nvPr>
+        </p:nvSpPr>
+        <p:spPr/>
+        <p:txBody>
+          <a:bodyPr/>
+          <a:lstStyle/>
+          <a:p>
+            <a:endParaRPr lang="en-GB"/>
+          </a:p>
+        </p:txBody>
+      </p:sp>
+      <p:sp>
+        <p:nvSpPr>
+          <p:cNvPr id="7" name="Slide Number Placeholder 6"/>
+          <p:cNvSpPr>
+            <a:spLocks noGrp="1"/>
+          </p:cNvSpPr>
+          <p:nvPr>
+            <p:ph type="sldNum" sz="quarter" idx="12"/>
+          </p:nvPr>
+        </p:nvSpPr>
+        <p:spPr/>
+        <p:txBody>
+          <a:bodyPr/>
+          <a:lstStyle/>
+          <a:p>
+            <a:fld id="{5A976CFA-9C82-4EEC-953A-3FF48E068D3B}" type="slidenum">
+              <a:rPr lang="en-GB" smtClean="0"/>
+              <a:t>‹#›</a:t>
+            </a:fld>
+            <a:endParaRPr lang="en-GB"/>
+          </a:p>
+        </p:txBody>
+      </p:sp>
+    </p:spTree>
+    <p:extLst>
+      <p:ext uri="{BB962C8B-B14F-4D97-AF65-F5344CB8AC3E}">
+        <p14:creationId xmlns:p14="http://schemas.microsoft.com/office/powerpoint/2010/main" val="208148608"/>
+      </p:ext>
+    </p:extLst>
+  </p:cSld>
+  <p:clrMapOvr>
+    <a:masterClrMapping/>
+  </p:clrMapOvr>
+</p:sldLayout>
+</file>
+
+<file path=ppt/slideLayouts/slideLayout11.xml><?xml version="1.0" encoding="utf-8"?>
+<p:sldLayout xmlns:a="http://schemas.openxmlformats.org/drawingml/2006/main" xmlns:r="http://schemas.openxmlformats.org/officeDocument/2006/relationships" xmlns:p="http://schemas.openxmlformats.org/presentationml/2006/main" preserve="1">
+  <p:cSld name="Title and Caption">
+    <p:spTree>
+      <p:nvGrpSpPr>
+        <p:cNvPr id="1" name=""/>
+        <p:cNvGrpSpPr/>
+        <p:nvPr/>
+      </p:nvGrpSpPr>
+      <p:grpSpPr>
+        <a:xfrm>
+          <a:off x="0" y="0"/>
+          <a:ext cx="0" cy="0"/>
+          <a:chOff x="0" y="0"/>
+          <a:chExt cx="0" cy="0"/>
+        </a:xfrm>
+      </p:grpSpPr>
+      <p:sp>
+        <p:nvSpPr>
+          <p:cNvPr id="2" name="Title 1"/>
+          <p:cNvSpPr>
+            <a:spLocks noGrp="1"/>
+          </p:cNvSpPr>
+          <p:nvPr>
+            <p:ph type="title"/>
+          </p:nvPr>
+        </p:nvSpPr>
+        <p:spPr>
+          <a:xfrm>
+            <a:off x="913795" y="608437"/>
+            <a:ext cx="10353762" cy="3534344"/>
+          </a:xfrm>
+        </p:spPr>
+        <p:txBody>
+          <a:bodyPr anchor="ctr"/>
+          <a:lstStyle>
+            <a:lvl1pPr>
+              <a:defRPr sz="3200"/>
+            </a:lvl1pPr>
+          </a:lstStyle>
+          <a:p>
+            <a:r>
+              <a:rPr lang="en-US"/>
+              <a:t>Click to edit Master title style</a:t>
+            </a:r>
+            <a:endParaRPr lang="en-US" dirty="0"/>
+          </a:p>
+        </p:txBody>
+      </p:sp>
+      <p:sp>
+        <p:nvSpPr>
+          <p:cNvPr id="4" name="Text Placeholder 3"/>
+          <p:cNvSpPr>
+            <a:spLocks noGrp="1"/>
+          </p:cNvSpPr>
+          <p:nvPr>
+            <p:ph type="body" sz="half" idx="2"/>
+          </p:nvPr>
+        </p:nvSpPr>
+        <p:spPr>
+          <a:xfrm>
+            <a:off x="913794" y="4295180"/>
+            <a:ext cx="10353763" cy="1501826"/>
+          </a:xfrm>
+        </p:spPr>
+        <p:txBody>
+          <a:bodyPr anchor="ctr"/>
+          <a:lstStyle>
+            <a:lvl1pPr marL="0" indent="0" algn="ctr">
+              <a:buNone/>
+              <a:defRPr sz="1600"/>
+            </a:lvl1pPr>
+            <a:lvl2pPr marL="457200" indent="0">
+              <a:buNone/>
+              <a:defRPr sz="1400"/>
+            </a:lvl2pPr>
+            <a:lvl3pPr marL="914400" indent="0">
+              <a:buNone/>
+              <a:defRPr sz="1200"/>
+            </a:lvl3pPr>
+            <a:lvl4pPr marL="1371600" indent="0">
+              <a:buNone/>
+              <a:defRPr sz="1000"/>
+            </a:lvl4pPr>
+            <a:lvl5pPr marL="1828800" indent="0">
+              <a:buNone/>
+              <a:defRPr sz="1000"/>
+            </a:lvl5pPr>
+            <a:lvl6pPr marL="2286000" indent="0">
+              <a:buNone/>
+              <a:defRPr sz="1000"/>
+            </a:lvl6pPr>
+            <a:lvl7pPr marL="2743200" indent="0">
+              <a:buNone/>
+              <a:defRPr sz="1000"/>
+            </a:lvl7pPr>
+            <a:lvl8pPr marL="3200400" indent="0">
+              <a:buNone/>
+              <a:defRPr sz="1000"/>
+            </a:lvl8pPr>
+            <a:lvl9pPr marL="3657600" indent="0">
+              <a:buNone/>
+              <a:defRPr sz="1000"/>
+            </a:lvl9pPr>
+          </a:lstStyle>
+          <a:p>
+            <a:pPr lvl="0"/>
+            <a:r>
+              <a:rPr lang="en-US"/>
+              <a:t>Edit Master text styles</a:t>
+            </a:r>
+          </a:p>
+        </p:txBody>
+      </p:sp>
+      <p:sp>
+        <p:nvSpPr>
+          <p:cNvPr id="5" name="Date Placeholder 4"/>
+          <p:cNvSpPr>
+            <a:spLocks noGrp="1"/>
+          </p:cNvSpPr>
+          <p:nvPr>
+            <p:ph type="dt" sz="half" idx="10"/>
+          </p:nvPr>
+        </p:nvSpPr>
+        <p:spPr/>
+        <p:txBody>
+          <a:bodyPr/>
+          <a:lstStyle/>
+          <a:p>
+            <a:fld id="{642C1C30-35AD-4A8C-B716-82046E9CDDFC}" type="datetimeFigureOut">
+              <a:rPr lang="en-GB" smtClean="0"/>
+              <a:t>13/03/2017</a:t>
+            </a:fld>
+            <a:endParaRPr lang="en-GB"/>
+          </a:p>
+        </p:txBody>
+      </p:sp>
+      <p:sp>
+        <p:nvSpPr>
+          <p:cNvPr id="6" name="Footer Placeholder 5"/>
+          <p:cNvSpPr>
+            <a:spLocks noGrp="1"/>
+          </p:cNvSpPr>
+          <p:nvPr>
+            <p:ph type="ftr" sz="quarter" idx="11"/>
+          </p:nvPr>
+        </p:nvSpPr>
+        <p:spPr/>
+        <p:txBody>
+          <a:bodyPr/>
+          <a:lstStyle/>
+          <a:p>
+            <a:endParaRPr lang="en-GB"/>
+          </a:p>
+        </p:txBody>
+      </p:sp>
+      <p:sp>
+        <p:nvSpPr>
+          <p:cNvPr id="7" name="Slide Number Placeholder 6"/>
+          <p:cNvSpPr>
+            <a:spLocks noGrp="1"/>
+          </p:cNvSpPr>
+          <p:nvPr>
+            <p:ph type="sldNum" sz="quarter" idx="12"/>
+          </p:nvPr>
+        </p:nvSpPr>
+        <p:spPr/>
+        <p:txBody>
+          <a:bodyPr/>
+          <a:lstStyle/>
+          <a:p>
+            <a:fld id="{5A976CFA-9C82-4EEC-953A-3FF48E068D3B}" type="slidenum">
+              <a:rPr lang="en-GB" smtClean="0"/>
+              <a:t>‹#›</a:t>
+            </a:fld>
+            <a:endParaRPr lang="en-GB"/>
+          </a:p>
+        </p:txBody>
+      </p:sp>
+    </p:spTree>
+    <p:extLst>
+      <p:ext uri="{BB962C8B-B14F-4D97-AF65-F5344CB8AC3E}">
+        <p14:creationId xmlns:p14="http://schemas.microsoft.com/office/powerpoint/2010/main" val="2072356444"/>
+      </p:ext>
+    </p:extLst>
+  </p:cSld>
+  <p:clrMapOvr>
+    <a:masterClrMapping/>
+  </p:clrMapOvr>
+</p:sldLayout>
+</file>
+
+<file path=ppt/slideLayouts/slideLayout12.xml><?xml version="1.0" encoding="utf-8"?>
+<p:sldLayout xmlns:a="http://schemas.openxmlformats.org/drawingml/2006/main" xmlns:r="http://schemas.openxmlformats.org/officeDocument/2006/relationships" xmlns:p="http://schemas.openxmlformats.org/presentationml/2006/main" preserve="1">
+  <p:cSld name="Quote with Caption">
+    <p:spTree>
+      <p:nvGrpSpPr>
+        <p:cNvPr id="1" name=""/>
+        <p:cNvGrpSpPr/>
+        <p:nvPr/>
+      </p:nvGrpSpPr>
+      <p:grpSpPr>
+        <a:xfrm>
+          <a:off x="0" y="0"/>
+          <a:ext cx="0" cy="0"/>
+          <a:chOff x="0" y="0"/>
+          <a:chExt cx="0" cy="0"/>
+        </a:xfrm>
+      </p:grpSpPr>
+      <p:sp>
+        <p:nvSpPr>
+          <p:cNvPr id="2" name="Title 1"/>
+          <p:cNvSpPr>
+            <a:spLocks noGrp="1"/>
+          </p:cNvSpPr>
+          <p:nvPr>
+            <p:ph type="title"/>
+          </p:nvPr>
+        </p:nvSpPr>
+        <p:spPr>
+          <a:xfrm>
+            <a:off x="1446212" y="609600"/>
+            <a:ext cx="9302752" cy="2992904"/>
+          </a:xfrm>
+        </p:spPr>
+        <p:txBody>
+          <a:bodyPr anchor="ctr"/>
+          <a:lstStyle>
+            <a:lvl1pPr>
+              <a:defRPr sz="3200"/>
+            </a:lvl1pPr>
+          </a:lstStyle>
+          <a:p>
+            <a:r>
+              <a:rPr lang="en-US"/>
+              <a:t>Click to edit Master title style</a:t>
+            </a:r>
+            <a:endParaRPr lang="en-US" dirty="0"/>
+          </a:p>
+        </p:txBody>
+      </p:sp>
+      <p:sp>
+        <p:nvSpPr>
+          <p:cNvPr id="12" name="Text Placeholder 3"/>
+          <p:cNvSpPr>
+            <a:spLocks noGrp="1"/>
+          </p:cNvSpPr>
+          <p:nvPr>
+            <p:ph type="body" sz="half" idx="13"/>
+          </p:nvPr>
+        </p:nvSpPr>
+        <p:spPr>
+          <a:xfrm>
+            <a:off x="1720644" y="3610032"/>
+            <a:ext cx="8752299" cy="532749"/>
+          </a:xfrm>
+        </p:spPr>
+        <p:txBody>
+          <a:bodyPr anchor="t">
+            <a:normAutofit/>
+          </a:bodyPr>
+          <a:lstStyle>
+            <a:lvl1pPr marL="0" indent="0" algn="r">
+              <a:buNone/>
+              <a:defRPr sz="1400"/>
+            </a:lvl1pPr>
+            <a:lvl2pPr marL="457200" indent="0">
+              <a:buNone/>
+              <a:defRPr sz="1400"/>
+            </a:lvl2pPr>
+            <a:lvl3pPr marL="914400" indent="0">
+              <a:buNone/>
+              <a:defRPr sz="1200"/>
+            </a:lvl3pPr>
+            <a:lvl4pPr marL="1371600" indent="0">
+              <a:buNone/>
+              <a:defRPr sz="1000"/>
+            </a:lvl4pPr>
+            <a:lvl5pPr marL="1828800" indent="0">
+              <a:buNone/>
+              <a:defRPr sz="1000"/>
+            </a:lvl5pPr>
+            <a:lvl6pPr marL="2286000" indent="0">
+              <a:buNone/>
+              <a:defRPr sz="1000"/>
+            </a:lvl6pPr>
+            <a:lvl7pPr marL="2743200" indent="0">
+              <a:buNone/>
+              <a:defRPr sz="1000"/>
+            </a:lvl7pPr>
+            <a:lvl8pPr marL="3200400" indent="0">
+              <a:buNone/>
+              <a:defRPr sz="1000"/>
+            </a:lvl8pPr>
+            <a:lvl9pPr marL="3657600" indent="0">
+              <a:buNone/>
+              <a:defRPr sz="1000"/>
+            </a:lvl9pPr>
+          </a:lstStyle>
+          <a:p>
+            <a:pPr lvl="0"/>
+            <a:r>
+              <a:rPr lang="en-US"/>
+              <a:t>Edit Master text styles</a:t>
+            </a:r>
+          </a:p>
+        </p:txBody>
+      </p:sp>
+      <p:sp>
+        <p:nvSpPr>
+          <p:cNvPr id="4" name="Text Placeholder 3"/>
+          <p:cNvSpPr>
+            <a:spLocks noGrp="1"/>
+          </p:cNvSpPr>
+          <p:nvPr>
+            <p:ph type="body" sz="half" idx="2"/>
+          </p:nvPr>
+        </p:nvSpPr>
+        <p:spPr>
+          <a:xfrm>
+            <a:off x="913794" y="4304353"/>
+            <a:ext cx="10353763" cy="1489496"/>
+          </a:xfrm>
+        </p:spPr>
+        <p:txBody>
+          <a:bodyPr anchor="ctr">
+            <a:normAutofit/>
+          </a:bodyPr>
+          <a:lstStyle>
+            <a:lvl1pPr marL="0" indent="0" algn="ctr">
+              <a:buNone/>
+              <a:defRPr sz="1600"/>
+            </a:lvl1pPr>
+            <a:lvl2pPr marL="457200" indent="0">
+              <a:buNone/>
+              <a:defRPr sz="1400"/>
+            </a:lvl2pPr>
+            <a:lvl3pPr marL="914400" indent="0">
+              <a:buNone/>
+              <a:defRPr sz="1200"/>
+            </a:lvl3pPr>
+            <a:lvl4pPr marL="1371600" indent="0">
+              <a:buNone/>
+              <a:defRPr sz="1000"/>
+            </a:lvl4pPr>
+            <a:lvl5pPr marL="1828800" indent="0">
+              <a:buNone/>
+              <a:defRPr sz="1000"/>
+            </a:lvl5pPr>
+            <a:lvl6pPr marL="2286000" indent="0">
+              <a:buNone/>
+              <a:defRPr sz="1000"/>
+            </a:lvl6pPr>
+            <a:lvl7pPr marL="2743200" indent="0">
+              <a:buNone/>
+              <a:defRPr sz="1000"/>
+            </a:lvl7pPr>
+            <a:lvl8pPr marL="3200400" indent="0">
+              <a:buNone/>
+              <a:defRPr sz="1000"/>
+            </a:lvl8pPr>
+            <a:lvl9pPr marL="3657600" indent="0">
+              <a:buNone/>
+              <a:defRPr sz="1000"/>
+            </a:lvl9pPr>
+          </a:lstStyle>
+          <a:p>
+            <a:pPr lvl="0"/>
+            <a:r>
+              <a:rPr lang="en-US"/>
+              <a:t>Edit Master text styles</a:t>
+            </a:r>
+          </a:p>
+        </p:txBody>
+      </p:sp>
+      <p:sp>
+        <p:nvSpPr>
+          <p:cNvPr id="5" name="Date Placeholder 4"/>
+          <p:cNvSpPr>
+            <a:spLocks noGrp="1"/>
+          </p:cNvSpPr>
+          <p:nvPr>
+            <p:ph type="dt" sz="half" idx="10"/>
+          </p:nvPr>
+        </p:nvSpPr>
+        <p:spPr/>
+        <p:txBody>
+          <a:bodyPr/>
+          <a:lstStyle/>
+          <a:p>
+            <a:fld id="{642C1C30-35AD-4A8C-B716-82046E9CDDFC}" type="datetimeFigureOut">
+              <a:rPr lang="en-GB" smtClean="0"/>
+              <a:t>13/03/2017</a:t>
+            </a:fld>
+            <a:endParaRPr lang="en-GB"/>
+          </a:p>
+        </p:txBody>
+      </p:sp>
+      <p:sp>
+        <p:nvSpPr>
+          <p:cNvPr id="6" name="Footer Placeholder 5"/>
+          <p:cNvSpPr>
+            <a:spLocks noGrp="1"/>
+          </p:cNvSpPr>
+          <p:nvPr>
+            <p:ph type="ftr" sz="quarter" idx="11"/>
+          </p:nvPr>
+        </p:nvSpPr>
+        <p:spPr/>
+        <p:txBody>
+          <a:bodyPr/>
+          <a:lstStyle/>
+          <a:p>
+            <a:endParaRPr lang="en-GB"/>
+          </a:p>
+        </p:txBody>
+      </p:sp>
+      <p:sp>
+        <p:nvSpPr>
+          <p:cNvPr id="7" name="Slide Number Placeholder 6"/>
+          <p:cNvSpPr>
+            <a:spLocks noGrp="1"/>
+          </p:cNvSpPr>
+          <p:nvPr>
+            <p:ph type="sldNum" sz="quarter" idx="12"/>
+          </p:nvPr>
+        </p:nvSpPr>
+        <p:spPr/>
+        <p:txBody>
+          <a:bodyPr/>
+          <a:lstStyle/>
+          <a:p>
+            <a:fld id="{5A976CFA-9C82-4EEC-953A-3FF48E068D3B}" type="slidenum">
+              <a:rPr lang="en-GB" smtClean="0"/>
+              <a:t>‹#›</a:t>
+            </a:fld>
+            <a:endParaRPr lang="en-GB"/>
+          </a:p>
+        </p:txBody>
+      </p:sp>
+      <p:sp>
+        <p:nvSpPr>
+          <p:cNvPr id="11" name="TextBox 10"/>
+          <p:cNvSpPr txBox="1"/>
+          <p:nvPr/>
+        </p:nvSpPr>
+        <p:spPr>
+          <a:xfrm>
+            <a:off x="990600" y="884796"/>
+            <a:ext cx="609600" cy="584776"/>
+          </a:xfrm>
+          <a:prstGeom prst="rect">
+            <a:avLst/>
+          </a:prstGeom>
+        </p:spPr>
+        <p:txBody>
+          <a:bodyPr vert="horz" lIns="91440" tIns="45720" rIns="91440" bIns="45720" rtlCol="0" anchor="ctr">
+            <a:noAutofit/>
+          </a:bodyPr>
+          <a:lstStyle>
+            <a:lvl1pPr>
+              <a:spcBef>
+                <a:spcPct val="0"/>
+              </a:spcBef>
+              <a:buNone/>
+              <a:defRPr sz="3200" b="0" cap="all">
+                <a:ln w="3175" cmpd="sng">
+                  <a:noFill/>
+                </a:ln>
+                <a:effectLst>
+                  <a:glow rad="38100">
+                    <a:schemeClr val="bg1">
+                      <a:lumMod val="65000"/>
+                      <a:lumOff val="35000"/>
+                      <a:alpha val="40000"/>
+                    </a:schemeClr>
+                  </a:glow>
+                  <a:outerShdw blurRad="28575" dist="38100" dir="14040000" algn="tl" rotWithShape="0">
+                    <a:srgbClr val="000000">
+                      <a:alpha val="25000"/>
+                    </a:srgbClr>
+                  </a:outerShdw>
+                </a:effectLst>
+              </a:defRPr>
+            </a:lvl1pPr>
+            <a:lvl2pPr>
+              <a:defRPr>
+                <a:solidFill>
+                  <a:schemeClr val="tx2"/>
+                </a:solidFill>
+              </a:defRPr>
+            </a:lvl2pPr>
+            <a:lvl3pPr>
+              <a:defRPr>
+                <a:solidFill>
+                  <a:schemeClr val="tx2"/>
+                </a:solidFill>
+              </a:defRPr>
+            </a:lvl3pPr>
+            <a:lvl4pPr>
+              <a:defRPr>
+                <a:solidFill>
+                  <a:schemeClr val="tx2"/>
+                </a:solidFill>
+              </a:defRPr>
+            </a:lvl4pPr>
+            <a:lvl5pPr>
+              <a:defRPr>
+                <a:solidFill>
+                  <a:schemeClr val="tx2"/>
+                </a:solidFill>
+              </a:defRPr>
+            </a:lvl5pPr>
+            <a:lvl6pPr>
+              <a:defRPr>
+                <a:solidFill>
+                  <a:schemeClr val="tx2"/>
+                </a:solidFill>
+              </a:defRPr>
+            </a:lvl6pPr>
+            <a:lvl7pPr>
+              <a:defRPr>
+                <a:solidFill>
+                  <a:schemeClr val="tx2"/>
+                </a:solidFill>
+              </a:defRPr>
+            </a:lvl7pPr>
+            <a:lvl8pPr>
+              <a:defRPr>
+                <a:solidFill>
+                  <a:schemeClr val="tx2"/>
+                </a:solidFill>
+              </a:defRPr>
+            </a:lvl8pPr>
+            <a:lvl9pPr>
+              <a:defRPr>
+                <a:solidFill>
+                  <a:schemeClr val="tx2"/>
+                </a:solidFill>
+              </a:defRPr>
+            </a:lvl9pPr>
+          </a:lstStyle>
+          <a:p>
+            <a:pPr lvl="0"/>
+            <a:r>
+              <a:rPr lang="en-US" sz="8000" dirty="0">
+                <a:solidFill>
+                  <a:schemeClr val="tx1"/>
+                </a:solidFill>
+                <a:effectLst/>
+              </a:rPr>
+              <a:t>“</a:t>
+            </a:r>
+          </a:p>
+        </p:txBody>
+      </p:sp>
+      <p:sp>
+        <p:nvSpPr>
+          <p:cNvPr id="13" name="TextBox 12"/>
+          <p:cNvSpPr txBox="1"/>
+          <p:nvPr/>
+        </p:nvSpPr>
+        <p:spPr>
+          <a:xfrm>
+            <a:off x="10504716" y="2928258"/>
+            <a:ext cx="609600" cy="584776"/>
+          </a:xfrm>
+          <a:prstGeom prst="rect">
+            <a:avLst/>
+          </a:prstGeom>
+        </p:spPr>
+        <p:txBody>
+          <a:bodyPr vert="horz" lIns="91440" tIns="45720" rIns="91440" bIns="45720" rtlCol="0" anchor="ctr">
+            <a:noAutofit/>
+          </a:bodyPr>
+          <a:lstStyle>
+            <a:lvl1pPr>
+              <a:spcBef>
+                <a:spcPct val="0"/>
+              </a:spcBef>
+              <a:buNone/>
+              <a:defRPr sz="3200" b="0" cap="all">
+                <a:ln w="3175" cmpd="sng">
+                  <a:noFill/>
+                </a:ln>
+                <a:effectLst>
+                  <a:glow rad="38100">
+                    <a:schemeClr val="bg1">
+                      <a:lumMod val="65000"/>
+                      <a:lumOff val="35000"/>
+                      <a:alpha val="40000"/>
+                    </a:schemeClr>
+                  </a:glow>
+                  <a:outerShdw blurRad="28575" dist="38100" dir="14040000" algn="tl" rotWithShape="0">
+                    <a:srgbClr val="000000">
+                      <a:alpha val="25000"/>
+                    </a:srgbClr>
+                  </a:outerShdw>
+                </a:effectLst>
+              </a:defRPr>
+            </a:lvl1pPr>
+            <a:lvl2pPr>
+              <a:defRPr>
+                <a:solidFill>
+                  <a:schemeClr val="tx2"/>
+                </a:solidFill>
+              </a:defRPr>
+            </a:lvl2pPr>
+            <a:lvl3pPr>
+              <a:defRPr>
+                <a:solidFill>
+                  <a:schemeClr val="tx2"/>
+                </a:solidFill>
+              </a:defRPr>
+            </a:lvl3pPr>
+            <a:lvl4pPr>
+              <a:defRPr>
+                <a:solidFill>
+                  <a:schemeClr val="tx2"/>
+                </a:solidFill>
+              </a:defRPr>
+            </a:lvl4pPr>
+            <a:lvl5pPr>
+              <a:defRPr>
+                <a:solidFill>
+                  <a:schemeClr val="tx2"/>
+                </a:solidFill>
+              </a:defRPr>
+            </a:lvl5pPr>
+            <a:lvl6pPr>
+              <a:defRPr>
+                <a:solidFill>
+                  <a:schemeClr val="tx2"/>
+                </a:solidFill>
+              </a:defRPr>
+            </a:lvl6pPr>
+            <a:lvl7pPr>
+              <a:defRPr>
+                <a:solidFill>
+                  <a:schemeClr val="tx2"/>
+                </a:solidFill>
+              </a:defRPr>
+            </a:lvl7pPr>
+            <a:lvl8pPr>
+              <a:defRPr>
+                <a:solidFill>
+                  <a:schemeClr val="tx2"/>
+                </a:solidFill>
+              </a:defRPr>
+            </a:lvl8pPr>
+            <a:lvl9pPr>
+              <a:defRPr>
+                <a:solidFill>
+                  <a:schemeClr val="tx2"/>
+                </a:solidFill>
+              </a:defRPr>
+            </a:lvl9pPr>
+          </a:lstStyle>
+          <a:p>
+            <a:pPr lvl="0" algn="r"/>
+            <a:r>
+              <a:rPr lang="en-US" sz="8000" dirty="0">
+                <a:solidFill>
+                  <a:schemeClr val="tx1"/>
+                </a:solidFill>
+                <a:effectLst/>
+              </a:rPr>
+              <a:t>”</a:t>
+            </a:r>
+          </a:p>
+        </p:txBody>
+      </p:sp>
+    </p:spTree>
+    <p:extLst>
+      <p:ext uri="{BB962C8B-B14F-4D97-AF65-F5344CB8AC3E}">
+        <p14:creationId xmlns:p14="http://schemas.microsoft.com/office/powerpoint/2010/main" val="4230261259"/>
+      </p:ext>
+    </p:extLst>
+  </p:cSld>
+  <p:clrMapOvr>
+    <a:masterClrMapping/>
+  </p:clrMapOvr>
+</p:sldLayout>
+</file>
+
+<file path=ppt/slideLayouts/slideLayout13.xml><?xml version="1.0" encoding="utf-8"?>
+<p:sldLayout xmlns:a="http://schemas.openxmlformats.org/drawingml/2006/main" xmlns:r="http://schemas.openxmlformats.org/officeDocument/2006/relationships" xmlns:p="http://schemas.openxmlformats.org/presentationml/2006/main" preserve="1">
+  <p:cSld name="Name Card">
+    <p:spTree>
+      <p:nvGrpSpPr>
+        <p:cNvPr id="1" name=""/>
+        <p:cNvGrpSpPr/>
+        <p:nvPr/>
+      </p:nvGrpSpPr>
+      <p:grpSpPr>
+        <a:xfrm>
+          <a:off x="0" y="0"/>
+          <a:ext cx="0" cy="0"/>
+          <a:chOff x="0" y="0"/>
+          <a:chExt cx="0" cy="0"/>
+        </a:xfrm>
+      </p:grpSpPr>
+      <p:sp>
+        <p:nvSpPr>
+          <p:cNvPr id="2" name="Title 1"/>
+          <p:cNvSpPr>
+            <a:spLocks noGrp="1"/>
+          </p:cNvSpPr>
+          <p:nvPr>
+            <p:ph type="title"/>
+          </p:nvPr>
+        </p:nvSpPr>
+        <p:spPr>
+          <a:xfrm>
+            <a:off x="913794" y="2126942"/>
+            <a:ext cx="10353763" cy="2511835"/>
+          </a:xfrm>
+        </p:spPr>
+        <p:txBody>
+          <a:bodyPr anchor="b"/>
+          <a:lstStyle>
+            <a:lvl1pPr>
+              <a:defRPr sz="3200"/>
+            </a:lvl1pPr>
+          </a:lstStyle>
+          <a:p>
+            <a:r>
+              <a:rPr lang="en-US"/>
+              <a:t>Click to edit Master title style</a:t>
+            </a:r>
+            <a:endParaRPr lang="en-US" dirty="0"/>
+          </a:p>
+        </p:txBody>
+      </p:sp>
+      <p:sp>
+        <p:nvSpPr>
+          <p:cNvPr id="4" name="Text Placeholder 3"/>
+          <p:cNvSpPr>
+            <a:spLocks noGrp="1"/>
+          </p:cNvSpPr>
+          <p:nvPr>
+            <p:ph type="body" sz="half" idx="2"/>
+          </p:nvPr>
+        </p:nvSpPr>
+        <p:spPr>
+          <a:xfrm>
+            <a:off x="913784" y="4650556"/>
+            <a:ext cx="10352199" cy="1140644"/>
+          </a:xfrm>
+        </p:spPr>
+        <p:txBody>
+          <a:bodyPr anchor="t"/>
+          <a:lstStyle>
+            <a:lvl1pPr marL="0" indent="0" algn="ctr">
+              <a:buNone/>
+              <a:defRPr sz="1600"/>
+            </a:lvl1pPr>
+            <a:lvl2pPr marL="457200" indent="0">
+              <a:buNone/>
+              <a:defRPr sz="1400"/>
+            </a:lvl2pPr>
+            <a:lvl3pPr marL="914400" indent="0">
+              <a:buNone/>
+              <a:defRPr sz="1200"/>
+            </a:lvl3pPr>
+            <a:lvl4pPr marL="1371600" indent="0">
+              <a:buNone/>
+              <a:defRPr sz="1000"/>
+            </a:lvl4pPr>
+            <a:lvl5pPr marL="1828800" indent="0">
+              <a:buNone/>
+              <a:defRPr sz="1000"/>
+            </a:lvl5pPr>
+            <a:lvl6pPr marL="2286000" indent="0">
+              <a:buNone/>
+              <a:defRPr sz="1000"/>
+            </a:lvl6pPr>
+            <a:lvl7pPr marL="2743200" indent="0">
+              <a:buNone/>
+              <a:defRPr sz="1000"/>
+            </a:lvl7pPr>
+            <a:lvl8pPr marL="3200400" indent="0">
+              <a:buNone/>
+              <a:defRPr sz="1000"/>
+            </a:lvl8pPr>
+            <a:lvl9pPr marL="3657600" indent="0">
+              <a:buNone/>
+              <a:defRPr sz="1000"/>
+            </a:lvl9pPr>
+          </a:lstStyle>
+          <a:p>
+            <a:pPr lvl="0"/>
+            <a:r>
+              <a:rPr lang="en-US"/>
+              <a:t>Edit Master text styles</a:t>
+            </a:r>
+          </a:p>
+        </p:txBody>
+      </p:sp>
+      <p:sp>
+        <p:nvSpPr>
+          <p:cNvPr id="5" name="Date Placeholder 4"/>
+          <p:cNvSpPr>
+            <a:spLocks noGrp="1"/>
+          </p:cNvSpPr>
+          <p:nvPr>
+            <p:ph type="dt" sz="half" idx="10"/>
+          </p:nvPr>
+        </p:nvSpPr>
+        <p:spPr/>
+        <p:txBody>
+          <a:bodyPr/>
+          <a:lstStyle/>
+          <a:p>
+            <a:fld id="{642C1C30-35AD-4A8C-B716-82046E9CDDFC}" type="datetimeFigureOut">
+              <a:rPr lang="en-GB" smtClean="0"/>
+              <a:t>13/03/2017</a:t>
+            </a:fld>
+            <a:endParaRPr lang="en-GB"/>
+          </a:p>
+        </p:txBody>
+      </p:sp>
+      <p:sp>
+        <p:nvSpPr>
+          <p:cNvPr id="6" name="Footer Placeholder 5"/>
+          <p:cNvSpPr>
+            <a:spLocks noGrp="1"/>
+          </p:cNvSpPr>
+          <p:nvPr>
+            <p:ph type="ftr" sz="quarter" idx="11"/>
+          </p:nvPr>
+        </p:nvSpPr>
+        <p:spPr/>
+        <p:txBody>
+          <a:bodyPr/>
+          <a:lstStyle/>
+          <a:p>
+            <a:endParaRPr lang="en-GB"/>
+          </a:p>
+        </p:txBody>
+      </p:sp>
+      <p:sp>
+        <p:nvSpPr>
+          <p:cNvPr id="7" name="Slide Number Placeholder 6"/>
+          <p:cNvSpPr>
+            <a:spLocks noGrp="1"/>
+          </p:cNvSpPr>
+          <p:nvPr>
+            <p:ph type="sldNum" sz="quarter" idx="12"/>
+          </p:nvPr>
+        </p:nvSpPr>
+        <p:spPr/>
+        <p:txBody>
+          <a:bodyPr/>
+          <a:lstStyle/>
+          <a:p>
+            <a:fld id="{5A976CFA-9C82-4EEC-953A-3FF48E068D3B}" type="slidenum">
+              <a:rPr lang="en-GB" smtClean="0"/>
+              <a:t>‹#›</a:t>
+            </a:fld>
+            <a:endParaRPr lang="en-GB"/>
+          </a:p>
+        </p:txBody>
+      </p:sp>
+    </p:spTree>
+    <p:extLst>
+      <p:ext uri="{BB962C8B-B14F-4D97-AF65-F5344CB8AC3E}">
+        <p14:creationId xmlns:p14="http://schemas.microsoft.com/office/powerpoint/2010/main" val="975724848"/>
+      </p:ext>
+    </p:extLst>
+  </p:cSld>
+  <p:clrMapOvr>
+    <a:masterClrMapping/>
+  </p:clrMapOvr>
+</p:sldLayout>
+</file>
+
+<file path=ppt/slideLayouts/slideLayout14.xml><?xml version="1.0" encoding="utf-8"?>
+<p:sldLayout xmlns:a="http://schemas.openxmlformats.org/drawingml/2006/main" xmlns:r="http://schemas.openxmlformats.org/officeDocument/2006/relationships" xmlns:p="http://schemas.openxmlformats.org/presentationml/2006/main" preserve="1">
+  <p:cSld name="3 Column">
+    <p:spTree>
+      <p:nvGrpSpPr>
+        <p:cNvPr id="1" name=""/>
+        <p:cNvGrpSpPr/>
+        <p:nvPr/>
+      </p:nvGrpSpPr>
+      <p:grpSpPr>
+        <a:xfrm>
+          <a:off x="0" y="0"/>
+          <a:ext cx="0" cy="0"/>
+          <a:chOff x="0" y="0"/>
+          <a:chExt cx="0" cy="0"/>
+        </a:xfrm>
+      </p:grpSpPr>
+      <p:sp>
+        <p:nvSpPr>
+          <p:cNvPr id="15" name="Title 1"/>
+          <p:cNvSpPr>
+            <a:spLocks noGrp="1"/>
+          </p:cNvSpPr>
+          <p:nvPr>
+            <p:ph type="title"/>
+          </p:nvPr>
+        </p:nvSpPr>
+        <p:spPr>
+          <a:xfrm>
+            <a:off x="913795" y="609600"/>
+            <a:ext cx="10353762" cy="970450"/>
+          </a:xfrm>
+        </p:spPr>
+        <p:txBody>
+          <a:bodyPr/>
+          <a:lstStyle/>
+          <a:p>
+            <a:r>
+              <a:rPr lang="en-US"/>
+              <a:t>Click to edit Master title style</a:t>
+            </a:r>
+            <a:endParaRPr lang="en-US" dirty="0"/>
+          </a:p>
+        </p:txBody>
+      </p:sp>
+      <p:sp>
+        <p:nvSpPr>
+          <p:cNvPr id="7" name="Text Placeholder 2"/>
+          <p:cNvSpPr>
+            <a:spLocks noGrp="1"/>
+          </p:cNvSpPr>
+          <p:nvPr>
+            <p:ph type="body" idx="1"/>
+          </p:nvPr>
+        </p:nvSpPr>
+        <p:spPr>
+          <a:xfrm>
+            <a:off x="913795" y="1885950"/>
+            <a:ext cx="3300984" cy="576262"/>
+          </a:xfrm>
+        </p:spPr>
+        <p:txBody>
+          <a:bodyPr anchor="b">
+            <a:noAutofit/>
+          </a:bodyPr>
+          <a:lstStyle>
+            <a:lvl1pPr marL="0" indent="0" algn="ctr">
+              <a:buNone/>
+              <a:defRPr sz="2400" b="0">
+                <a:solidFill>
+                  <a:schemeClr val="tx1"/>
+                </a:solidFill>
+              </a:defRPr>
+            </a:lvl1pPr>
+            <a:lvl2pPr marL="457200" indent="0">
+              <a:buNone/>
+              <a:defRPr sz="2000" b="1"/>
+            </a:lvl2pPr>
+            <a:lvl3pPr marL="914400" indent="0">
+              <a:buNone/>
+              <a:defRPr sz="1800" b="1"/>
+            </a:lvl3pPr>
+            <a:lvl4pPr marL="1371600" indent="0">
+              <a:buNone/>
+              <a:defRPr sz="1600" b="1"/>
+            </a:lvl4pPr>
+            <a:lvl5pPr marL="1828800" indent="0">
+              <a:buNone/>
+              <a:defRPr sz="1600" b="1"/>
+            </a:lvl5pPr>
+            <a:lvl6pPr marL="2286000" indent="0">
+              <a:buNone/>
+              <a:defRPr sz="1600" b="1"/>
+            </a:lvl6pPr>
+            <a:lvl7pPr marL="2743200" indent="0">
+              <a:buNone/>
+              <a:defRPr sz="1600" b="1"/>
+            </a:lvl7pPr>
+            <a:lvl8pPr marL="3200400" indent="0">
+              <a:buNone/>
+              <a:defRPr sz="1600" b="1"/>
+            </a:lvl8pPr>
+            <a:lvl9pPr marL="3657600" indent="0">
+              <a:buNone/>
+              <a:defRPr sz="1600" b="1"/>
+            </a:lvl9pPr>
+          </a:lstStyle>
+          <a:p>
+            <a:pPr lvl="0"/>
+            <a:r>
+              <a:rPr lang="en-US"/>
+              <a:t>Edit Master text styles</a:t>
+            </a:r>
+          </a:p>
+        </p:txBody>
+      </p:sp>
+      <p:sp>
+        <p:nvSpPr>
+          <p:cNvPr id="8" name="Text Placeholder 3"/>
+          <p:cNvSpPr>
+            <a:spLocks noGrp="1"/>
+          </p:cNvSpPr>
+          <p:nvPr>
+            <p:ph type="body" sz="half" idx="15"/>
+          </p:nvPr>
+        </p:nvSpPr>
+        <p:spPr>
+          <a:xfrm>
+            <a:off x="913795" y="2571750"/>
+            <a:ext cx="3300984" cy="3219450"/>
+          </a:xfrm>
+        </p:spPr>
+        <p:txBody>
+          <a:bodyPr anchor="t">
+            <a:normAutofit/>
+          </a:bodyPr>
+          <a:lstStyle>
+            <a:lvl1pPr marL="0" indent="0" algn="ctr">
+              <a:buNone/>
+              <a:defRPr sz="1400"/>
+            </a:lvl1pPr>
+            <a:lvl2pPr marL="457200" indent="0">
+              <a:buNone/>
+              <a:defRPr sz="1200"/>
+            </a:lvl2pPr>
+            <a:lvl3pPr marL="914400" indent="0">
+              <a:buNone/>
+              <a:defRPr sz="1000"/>
+            </a:lvl3pPr>
+            <a:lvl4pPr marL="1371600" indent="0">
+              <a:buNone/>
+              <a:defRPr sz="900"/>
+            </a:lvl4pPr>
+            <a:lvl5pPr marL="1828800" indent="0">
+              <a:buNone/>
+              <a:defRPr sz="900"/>
+            </a:lvl5pPr>
+            <a:lvl6pPr marL="2286000" indent="0">
+              <a:buNone/>
+              <a:defRPr sz="900"/>
+            </a:lvl6pPr>
+            <a:lvl7pPr marL="2743200" indent="0">
+              <a:buNone/>
+              <a:defRPr sz="900"/>
+            </a:lvl7pPr>
+            <a:lvl8pPr marL="3200400" indent="0">
+              <a:buNone/>
+              <a:defRPr sz="900"/>
+            </a:lvl8pPr>
+            <a:lvl9pPr marL="3657600" indent="0">
+              <a:buNone/>
+              <a:defRPr sz="900"/>
+            </a:lvl9pPr>
+          </a:lstStyle>
+          <a:p>
+            <a:pPr lvl="0"/>
+            <a:r>
+              <a:rPr lang="en-US"/>
+              <a:t>Edit Master text styles</a:t>
+            </a:r>
+          </a:p>
+        </p:txBody>
+      </p:sp>
+      <p:sp>
+        <p:nvSpPr>
+          <p:cNvPr id="9" name="Text Placeholder 4"/>
+          <p:cNvSpPr>
+            <a:spLocks noGrp="1"/>
+          </p:cNvSpPr>
+          <p:nvPr>
+            <p:ph type="body" sz="quarter" idx="3"/>
+          </p:nvPr>
+        </p:nvSpPr>
+        <p:spPr>
+          <a:xfrm>
+            <a:off x="4446711" y="1885950"/>
+            <a:ext cx="3300984" cy="576262"/>
+          </a:xfrm>
+        </p:spPr>
+        <p:txBody>
+          <a:bodyPr anchor="b">
+            <a:noAutofit/>
+          </a:bodyPr>
+          <a:lstStyle>
+            <a:lvl1pPr marL="0" indent="0" algn="ctr">
+              <a:buNone/>
+              <a:defRPr sz="2400" b="0">
+                <a:solidFill>
+                  <a:schemeClr val="tx1"/>
+                </a:solidFill>
+              </a:defRPr>
+            </a:lvl1pPr>
+            <a:lvl2pPr marL="457200" indent="0">
+              <a:buNone/>
+              <a:defRPr sz="2000" b="1"/>
+            </a:lvl2pPr>
+            <a:lvl3pPr marL="914400" indent="0">
+              <a:buNone/>
+              <a:defRPr sz="1800" b="1"/>
+            </a:lvl3pPr>
+            <a:lvl4pPr marL="1371600" indent="0">
+              <a:buNone/>
+              <a:defRPr sz="1600" b="1"/>
+            </a:lvl4pPr>
+            <a:lvl5pPr marL="1828800" indent="0">
+              <a:buNone/>
+              <a:defRPr sz="1600" b="1"/>
+            </a:lvl5pPr>
+            <a:lvl6pPr marL="2286000" indent="0">
+              <a:buNone/>
+              <a:defRPr sz="1600" b="1"/>
+            </a:lvl6pPr>
+            <a:lvl7pPr marL="2743200" indent="0">
+              <a:buNone/>
+              <a:defRPr sz="1600" b="1"/>
+            </a:lvl7pPr>
+            <a:lvl8pPr marL="3200400" indent="0">
+              <a:buNone/>
+              <a:defRPr sz="1600" b="1"/>
+            </a:lvl8pPr>
+            <a:lvl9pPr marL="3657600" indent="0">
+              <a:buNone/>
+              <a:defRPr sz="1600" b="1"/>
+            </a:lvl9pPr>
+          </a:lstStyle>
+          <a:p>
+            <a:pPr lvl="0"/>
+            <a:r>
+              <a:rPr lang="en-US"/>
+              <a:t>Edit Master text styles</a:t>
+            </a:r>
+          </a:p>
+        </p:txBody>
+      </p:sp>
+      <p:sp>
+        <p:nvSpPr>
+          <p:cNvPr id="10" name="Text Placeholder 3"/>
+          <p:cNvSpPr>
+            <a:spLocks noGrp="1"/>
+          </p:cNvSpPr>
+          <p:nvPr>
+            <p:ph type="body" sz="half" idx="16"/>
+          </p:nvPr>
+        </p:nvSpPr>
+        <p:spPr>
+          <a:xfrm>
+            <a:off x="4441435" y="2571750"/>
+            <a:ext cx="3300984" cy="3219450"/>
+          </a:xfrm>
+        </p:spPr>
+        <p:txBody>
+          <a:bodyPr anchor="t">
+            <a:normAutofit/>
+          </a:bodyPr>
+          <a:lstStyle>
+            <a:lvl1pPr marL="0" indent="0" algn="ctr">
+              <a:buNone/>
+              <a:defRPr sz="1400"/>
+            </a:lvl1pPr>
+            <a:lvl2pPr marL="457200" indent="0">
+              <a:buNone/>
+              <a:defRPr sz="1200"/>
+            </a:lvl2pPr>
+            <a:lvl3pPr marL="914400" indent="0">
+              <a:buNone/>
+              <a:defRPr sz="1000"/>
+            </a:lvl3pPr>
+            <a:lvl4pPr marL="1371600" indent="0">
+              <a:buNone/>
+              <a:defRPr sz="900"/>
+            </a:lvl4pPr>
+            <a:lvl5pPr marL="1828800" indent="0">
+              <a:buNone/>
+              <a:defRPr sz="900"/>
+            </a:lvl5pPr>
+            <a:lvl6pPr marL="2286000" indent="0">
+              <a:buNone/>
+              <a:defRPr sz="900"/>
+            </a:lvl6pPr>
+            <a:lvl7pPr marL="2743200" indent="0">
+              <a:buNone/>
+              <a:defRPr sz="900"/>
+            </a:lvl7pPr>
+            <a:lvl8pPr marL="3200400" indent="0">
+              <a:buNone/>
+              <a:defRPr sz="900"/>
+            </a:lvl8pPr>
+            <a:lvl9pPr marL="3657600" indent="0">
+              <a:buNone/>
+              <a:defRPr sz="900"/>
+            </a:lvl9pPr>
+          </a:lstStyle>
+          <a:p>
+            <a:pPr lvl="0"/>
+            <a:r>
+              <a:rPr lang="en-US"/>
+              <a:t>Edit Master text styles</a:t>
+            </a:r>
+          </a:p>
+        </p:txBody>
+      </p:sp>
+      <p:sp>
+        <p:nvSpPr>
+          <p:cNvPr id="11" name="Text Placeholder 4"/>
+          <p:cNvSpPr>
+            <a:spLocks noGrp="1"/>
+          </p:cNvSpPr>
+          <p:nvPr>
+            <p:ph type="body" sz="quarter" idx="13"/>
+          </p:nvPr>
+        </p:nvSpPr>
+        <p:spPr>
+          <a:xfrm>
+            <a:off x="7966572" y="1885950"/>
+            <a:ext cx="3300984" cy="576262"/>
+          </a:xfrm>
+        </p:spPr>
+        <p:txBody>
+          <a:bodyPr anchor="b">
+            <a:noAutofit/>
+          </a:bodyPr>
+          <a:lstStyle>
+            <a:lvl1pPr marL="0" indent="0" algn="ctr">
+              <a:buNone/>
+              <a:defRPr sz="2400" b="0">
+                <a:solidFill>
+                  <a:schemeClr val="tx1"/>
+                </a:solidFill>
+              </a:defRPr>
+            </a:lvl1pPr>
+            <a:lvl2pPr marL="457200" indent="0">
+              <a:buNone/>
+              <a:defRPr sz="2000" b="1"/>
+            </a:lvl2pPr>
+            <a:lvl3pPr marL="914400" indent="0">
+              <a:buNone/>
+              <a:defRPr sz="1800" b="1"/>
+            </a:lvl3pPr>
+            <a:lvl4pPr marL="1371600" indent="0">
+              <a:buNone/>
+              <a:defRPr sz="1600" b="1"/>
+            </a:lvl4pPr>
+            <a:lvl5pPr marL="1828800" indent="0">
+              <a:buNone/>
+              <a:defRPr sz="1600" b="1"/>
+            </a:lvl5pPr>
+            <a:lvl6pPr marL="2286000" indent="0">
+              <a:buNone/>
+              <a:defRPr sz="1600" b="1"/>
+            </a:lvl6pPr>
+            <a:lvl7pPr marL="2743200" indent="0">
+              <a:buNone/>
+              <a:defRPr sz="1600" b="1"/>
+            </a:lvl7pPr>
+            <a:lvl8pPr marL="3200400" indent="0">
+              <a:buNone/>
+              <a:defRPr sz="1600" b="1"/>
+            </a:lvl8pPr>
+            <a:lvl9pPr marL="3657600" indent="0">
+              <a:buNone/>
+              <a:defRPr sz="1600" b="1"/>
+            </a:lvl9pPr>
+          </a:lstStyle>
+          <a:p>
+            <a:pPr lvl="0"/>
+            <a:r>
+              <a:rPr lang="en-US"/>
+              <a:t>Edit Master text styles</a:t>
+            </a:r>
+          </a:p>
+        </p:txBody>
+      </p:sp>
+      <p:sp>
+        <p:nvSpPr>
+          <p:cNvPr id="12" name="Text Placeholder 3"/>
+          <p:cNvSpPr>
+            <a:spLocks noGrp="1"/>
+          </p:cNvSpPr>
+          <p:nvPr>
+            <p:ph type="body" sz="half" idx="17"/>
+          </p:nvPr>
+        </p:nvSpPr>
+        <p:spPr>
+          <a:xfrm>
+            <a:off x="7966572" y="2571750"/>
+            <a:ext cx="3300984" cy="3219450"/>
+          </a:xfrm>
+        </p:spPr>
+        <p:txBody>
+          <a:bodyPr anchor="t">
+            <a:normAutofit/>
+          </a:bodyPr>
+          <a:lstStyle>
+            <a:lvl1pPr marL="0" indent="0" algn="ctr">
+              <a:buNone/>
+              <a:defRPr sz="1400"/>
+            </a:lvl1pPr>
+            <a:lvl2pPr marL="457200" indent="0">
+              <a:buNone/>
+              <a:defRPr sz="1200"/>
+            </a:lvl2pPr>
+            <a:lvl3pPr marL="914400" indent="0">
+              <a:buNone/>
+              <a:defRPr sz="1000"/>
+            </a:lvl3pPr>
+            <a:lvl4pPr marL="1371600" indent="0">
+              <a:buNone/>
+              <a:defRPr sz="900"/>
+            </a:lvl4pPr>
+            <a:lvl5pPr marL="1828800" indent="0">
+              <a:buNone/>
+              <a:defRPr sz="900"/>
+            </a:lvl5pPr>
+            <a:lvl6pPr marL="2286000" indent="0">
+              <a:buNone/>
+              <a:defRPr sz="900"/>
+            </a:lvl6pPr>
+            <a:lvl7pPr marL="2743200" indent="0">
+              <a:buNone/>
+              <a:defRPr sz="900"/>
+            </a:lvl7pPr>
+            <a:lvl8pPr marL="3200400" indent="0">
+              <a:buNone/>
+              <a:defRPr sz="900"/>
+            </a:lvl8pPr>
+            <a:lvl9pPr marL="3657600" indent="0">
+              <a:buNone/>
+              <a:defRPr sz="900"/>
+            </a:lvl9pPr>
+          </a:lstStyle>
+          <a:p>
+            <a:pPr lvl="0"/>
+            <a:r>
+              <a:rPr lang="en-US"/>
+              <a:t>Edit Master text styles</a:t>
+            </a:r>
+          </a:p>
+        </p:txBody>
+      </p:sp>
+      <p:sp>
+        <p:nvSpPr>
+          <p:cNvPr id="3" name="Date Placeholder 2"/>
+          <p:cNvSpPr>
+            <a:spLocks noGrp="1"/>
+          </p:cNvSpPr>
+          <p:nvPr>
+            <p:ph type="dt" sz="half" idx="10"/>
+          </p:nvPr>
+        </p:nvSpPr>
+        <p:spPr/>
+        <p:txBody>
+          <a:bodyPr/>
+          <a:lstStyle/>
+          <a:p>
+            <a:fld id="{642C1C30-35AD-4A8C-B716-82046E9CDDFC}" type="datetimeFigureOut">
+              <a:rPr lang="en-GB" smtClean="0"/>
+              <a:t>13/03/2017</a:t>
+            </a:fld>
+            <a:endParaRPr lang="en-GB"/>
+          </a:p>
+        </p:txBody>
+      </p:sp>
+      <p:sp>
+        <p:nvSpPr>
+          <p:cNvPr id="4" name="Footer Placeholder 3"/>
+          <p:cNvSpPr>
+            <a:spLocks noGrp="1"/>
+          </p:cNvSpPr>
+          <p:nvPr>
+            <p:ph type="ftr" sz="quarter" idx="11"/>
+          </p:nvPr>
+        </p:nvSpPr>
+        <p:spPr/>
+        <p:txBody>
+          <a:bodyPr/>
+          <a:lstStyle/>
+          <a:p>
+            <a:endParaRPr lang="en-GB"/>
+          </a:p>
+        </p:txBody>
+      </p:sp>
+      <p:sp>
+        <p:nvSpPr>
+          <p:cNvPr id="5" name="Slide Number Placeholder 4"/>
+          <p:cNvSpPr>
+            <a:spLocks noGrp="1"/>
+          </p:cNvSpPr>
+          <p:nvPr>
+            <p:ph type="sldNum" sz="quarter" idx="12"/>
+          </p:nvPr>
+        </p:nvSpPr>
+        <p:spPr/>
+        <p:txBody>
+          <a:bodyPr/>
+          <a:lstStyle/>
+          <a:p>
+            <a:fld id="{5A976CFA-9C82-4EEC-953A-3FF48E068D3B}" type="slidenum">
+              <a:rPr lang="en-GB" smtClean="0"/>
+              <a:t>‹#›</a:t>
+            </a:fld>
+            <a:endParaRPr lang="en-GB"/>
+          </a:p>
+        </p:txBody>
+      </p:sp>
+    </p:spTree>
+    <p:extLst>
+      <p:ext uri="{BB962C8B-B14F-4D97-AF65-F5344CB8AC3E}">
+        <p14:creationId xmlns:p14="http://schemas.microsoft.com/office/powerpoint/2010/main" val="47727933"/>
+      </p:ext>
+    </p:extLst>
+  </p:cSld>
+  <p:clrMapOvr>
+    <a:masterClrMapping/>
+  </p:clrMapOvr>
+</p:sldLayout>
+</file>
+
+<file path=ppt/slideLayouts/slideLayout15.xml><?xml version="1.0" encoding="utf-8"?>
+<p:sldLayout xmlns:a="http://schemas.openxmlformats.org/drawingml/2006/main" xmlns:r="http://schemas.openxmlformats.org/officeDocument/2006/relationships" xmlns:p="http://schemas.openxmlformats.org/presentationml/2006/main" preserve="1">
+  <p:cSld name="3 Picture Column">
+    <p:spTree>
+      <p:nvGrpSpPr>
+        <p:cNvPr id="1" name=""/>
+        <p:cNvGrpSpPr/>
+        <p:nvPr/>
+      </p:nvGrpSpPr>
+      <p:grpSpPr>
+        <a:xfrm>
+          <a:off x="0" y="0"/>
+          <a:ext cx="0" cy="0"/>
+          <a:chOff x="0" y="0"/>
+          <a:chExt cx="0" cy="0"/>
+        </a:xfrm>
+      </p:grpSpPr>
+      <p:pic>
+        <p:nvPicPr>
+          <p:cNvPr id="2" name="Picture 1" descr="Slate-V2-HD-3colPhotoInset.png"/>
+          <p:cNvPicPr>
+            <a:picLocks noChangeAspect="1"/>
+          </p:cNvPicPr>
+          <p:nvPr/>
+        </p:nvPicPr>
+        <p:blipFill>
+          <a:blip r:embed="rId2">
+            <a:extLst>
+              <a:ext uri="{28A0092B-C50C-407E-A947-70E740481C1C}">
+                <a14:useLocalDpi xmlns:a14="http://schemas.microsoft.com/office/drawing/2010/main" val="0"/>
+              </a:ext>
+            </a:extLst>
+          </a:blip>
+          <a:stretch>
+            <a:fillRect/>
+          </a:stretch>
+        </p:blipFill>
+        <p:spPr>
+          <a:xfrm>
+            <a:off x="897962" y="1818214"/>
+            <a:ext cx="3339972" cy="1847851"/>
+          </a:xfrm>
+          <a:prstGeom prst="rect">
+            <a:avLst/>
+          </a:prstGeom>
+        </p:spPr>
+      </p:pic>
+      <p:pic>
+        <p:nvPicPr>
+          <p:cNvPr id="36" name="Picture 35" descr="Slate-V2-HD-3colPhotoInset.png"/>
+          <p:cNvPicPr>
+            <a:picLocks noChangeAspect="1"/>
+          </p:cNvPicPr>
+          <p:nvPr/>
+        </p:nvPicPr>
+        <p:blipFill>
+          <a:blip r:embed="rId2">
+            <a:extLst>
+              <a:ext uri="{28A0092B-C50C-407E-A947-70E740481C1C}">
+                <a14:useLocalDpi xmlns:a14="http://schemas.microsoft.com/office/drawing/2010/main" val="0"/>
+              </a:ext>
+            </a:extLst>
+          </a:blip>
+          <a:stretch>
+            <a:fillRect/>
+          </a:stretch>
+        </p:blipFill>
+        <p:spPr>
+          <a:xfrm>
+            <a:off x="4403800" y="1818214"/>
+            <a:ext cx="3339972" cy="1847851"/>
+          </a:xfrm>
+          <a:prstGeom prst="rect">
+            <a:avLst/>
+          </a:prstGeom>
+        </p:spPr>
+      </p:pic>
+      <p:pic>
+        <p:nvPicPr>
+          <p:cNvPr id="37" name="Picture 36" descr="Slate-V2-HD-3colPhotoInset.png"/>
+          <p:cNvPicPr>
+            <a:picLocks noChangeAspect="1"/>
+          </p:cNvPicPr>
+          <p:nvPr/>
+        </p:nvPicPr>
+        <p:blipFill>
+          <a:blip r:embed="rId2">
+            <a:extLst>
+              <a:ext uri="{28A0092B-C50C-407E-A947-70E740481C1C}">
+                <a14:useLocalDpi xmlns:a14="http://schemas.microsoft.com/office/drawing/2010/main" val="0"/>
+              </a:ext>
+            </a:extLst>
+          </a:blip>
+          <a:stretch>
+            <a:fillRect/>
+          </a:stretch>
+        </p:blipFill>
+        <p:spPr>
+          <a:xfrm>
+            <a:off x="7936051" y="1818214"/>
+            <a:ext cx="3339972" cy="1847851"/>
+          </a:xfrm>
+          <a:prstGeom prst="rect">
+            <a:avLst/>
+          </a:prstGeom>
+        </p:spPr>
+      </p:pic>
+      <p:sp>
+        <p:nvSpPr>
+          <p:cNvPr id="30" name="Title 1"/>
+          <p:cNvSpPr>
+            <a:spLocks noGrp="1"/>
+          </p:cNvSpPr>
+          <p:nvPr>
+            <p:ph type="title"/>
+          </p:nvPr>
+        </p:nvSpPr>
+        <p:spPr>
+          <a:xfrm>
+            <a:off x="913794" y="609600"/>
+            <a:ext cx="10353763" cy="970450"/>
+          </a:xfrm>
+        </p:spPr>
+        <p:txBody>
+          <a:bodyPr/>
+          <a:lstStyle/>
+          <a:p>
+            <a:r>
+              <a:rPr lang="en-US"/>
+              <a:t>Click to edit Master title style</a:t>
+            </a:r>
+            <a:endParaRPr lang="en-US" dirty="0"/>
+          </a:p>
+        </p:txBody>
+      </p:sp>
+      <p:sp>
+        <p:nvSpPr>
+          <p:cNvPr id="19" name="Text Placeholder 2"/>
+          <p:cNvSpPr>
+            <a:spLocks noGrp="1"/>
+          </p:cNvSpPr>
+          <p:nvPr>
+            <p:ph type="body" idx="1"/>
+          </p:nvPr>
+        </p:nvSpPr>
+        <p:spPr>
+          <a:xfrm>
+            <a:off x="913795" y="3904106"/>
+            <a:ext cx="3300984" cy="576262"/>
+          </a:xfrm>
+        </p:spPr>
+        <p:txBody>
+          <a:bodyPr anchor="b">
+            <a:noAutofit/>
+          </a:bodyPr>
+          <a:lstStyle>
+            <a:lvl1pPr marL="0" indent="0" algn="ctr">
+              <a:buNone/>
+              <a:defRPr sz="2000" b="0">
+                <a:solidFill>
+                  <a:schemeClr val="tx1"/>
+                </a:solidFill>
+              </a:defRPr>
+            </a:lvl1pPr>
+            <a:lvl2pPr marL="457200" indent="0">
+              <a:buNone/>
+              <a:defRPr sz="2000" b="1"/>
+            </a:lvl2pPr>
+            <a:lvl3pPr marL="914400" indent="0">
+              <a:buNone/>
+              <a:defRPr sz="1800" b="1"/>
+            </a:lvl3pPr>
+            <a:lvl4pPr marL="1371600" indent="0">
+              <a:buNone/>
+              <a:defRPr sz="1600" b="1"/>
+            </a:lvl4pPr>
+            <a:lvl5pPr marL="1828800" indent="0">
+              <a:buNone/>
+              <a:defRPr sz="1600" b="1"/>
+            </a:lvl5pPr>
+            <a:lvl6pPr marL="2286000" indent="0">
+              <a:buNone/>
+              <a:defRPr sz="1600" b="1"/>
+            </a:lvl6pPr>
+            <a:lvl7pPr marL="2743200" indent="0">
+              <a:buNone/>
+              <a:defRPr sz="1600" b="1"/>
+            </a:lvl7pPr>
+            <a:lvl8pPr marL="3200400" indent="0">
+              <a:buNone/>
+              <a:defRPr sz="1600" b="1"/>
+            </a:lvl8pPr>
+            <a:lvl9pPr marL="3657600" indent="0">
+              <a:buNone/>
+              <a:defRPr sz="1600" b="1"/>
+            </a:lvl9pPr>
+          </a:lstStyle>
+          <a:p>
+            <a:pPr lvl="0"/>
+            <a:r>
+              <a:rPr lang="en-US"/>
+              <a:t>Edit Master text styles</a:t>
+            </a:r>
+          </a:p>
+        </p:txBody>
+      </p:sp>
+      <p:sp>
+        <p:nvSpPr>
+          <p:cNvPr id="20" name="Picture Placeholder 2"/>
+          <p:cNvSpPr>
+            <a:spLocks noGrp="1" noChangeAspect="1"/>
+          </p:cNvSpPr>
+          <p:nvPr>
+            <p:ph type="pic" idx="15"/>
+          </p:nvPr>
+        </p:nvSpPr>
+        <p:spPr>
+          <a:xfrm>
+            <a:off x="1018102" y="1938918"/>
+            <a:ext cx="3092368" cy="1602954"/>
+          </a:xfrm>
+          <a:prstGeom prst="roundRect">
+            <a:avLst>
+              <a:gd name="adj" fmla="val 1858"/>
+            </a:avLst>
+          </a:prstGeom>
+          <a:effectLst>
+            <a:outerShdw blurRad="38100" dist="25400" dir="4440000">
+              <a:srgbClr val="000000">
+                <a:alpha val="36000"/>
+              </a:srgbClr>
+            </a:outerShdw>
+          </a:effectLst>
+        </p:spPr>
+        <p:txBody>
+          <a:bodyPr anchor="t">
+            <a:normAutofit/>
+          </a:bodyPr>
+          <a:lstStyle>
+            <a:lvl1pPr marL="0" indent="0" algn="ctr">
+              <a:buNone/>
+              <a:defRPr sz="1600"/>
+            </a:lvl1pPr>
+            <a:lvl2pPr marL="457200" indent="0">
+              <a:buNone/>
+              <a:defRPr sz="1600"/>
+            </a:lvl2pPr>
+            <a:lvl3pPr marL="914400" indent="0">
+              <a:buNone/>
+              <a:defRPr sz="1600"/>
+            </a:lvl3pPr>
+            <a:lvl4pPr marL="1371600" indent="0">
+              <a:buNone/>
+              <a:defRPr sz="1600"/>
+            </a:lvl4pPr>
+            <a:lvl5pPr marL="1828800" indent="0">
+              <a:buNone/>
+              <a:defRPr sz="1600"/>
+            </a:lvl5pPr>
+            <a:lvl6pPr marL="2286000" indent="0">
+              <a:buNone/>
+              <a:defRPr sz="1600"/>
+            </a:lvl6pPr>
+            <a:lvl7pPr marL="2743200" indent="0">
+              <a:buNone/>
+              <a:defRPr sz="1600"/>
+            </a:lvl7pPr>
+            <a:lvl8pPr marL="3200400" indent="0">
+              <a:buNone/>
+              <a:defRPr sz="1600"/>
+            </a:lvl8pPr>
+            <a:lvl9pPr marL="3657600" indent="0">
+              <a:buNone/>
+              <a:defRPr sz="1600"/>
+            </a:lvl9pPr>
+          </a:lstStyle>
+          <a:p>
+            <a:r>
+              <a:rPr lang="en-US"/>
+              <a:t>Click icon to add picture</a:t>
+            </a:r>
+            <a:endParaRPr lang="en-US" dirty="0"/>
+          </a:p>
+        </p:txBody>
+      </p:sp>
+      <p:sp>
+        <p:nvSpPr>
+          <p:cNvPr id="21" name="Text Placeholder 3"/>
+          <p:cNvSpPr>
+            <a:spLocks noGrp="1"/>
+          </p:cNvSpPr>
+          <p:nvPr>
+            <p:ph type="body" sz="half" idx="18"/>
+          </p:nvPr>
+        </p:nvSpPr>
+        <p:spPr>
+          <a:xfrm>
+            <a:off x="913795" y="4480368"/>
+            <a:ext cx="3300984" cy="1310833"/>
+          </a:xfrm>
+        </p:spPr>
+        <p:txBody>
+          <a:bodyPr anchor="t">
+            <a:normAutofit/>
+          </a:bodyPr>
+          <a:lstStyle>
+            <a:lvl1pPr marL="0" indent="0" algn="ctr">
+              <a:buNone/>
+              <a:defRPr sz="1400"/>
+            </a:lvl1pPr>
+            <a:lvl2pPr marL="457200" indent="0">
+              <a:buNone/>
+              <a:defRPr sz="1200"/>
+            </a:lvl2pPr>
+            <a:lvl3pPr marL="914400" indent="0">
+              <a:buNone/>
+              <a:defRPr sz="1000"/>
+            </a:lvl3pPr>
+            <a:lvl4pPr marL="1371600" indent="0">
+              <a:buNone/>
+              <a:defRPr sz="900"/>
+            </a:lvl4pPr>
+            <a:lvl5pPr marL="1828800" indent="0">
+              <a:buNone/>
+              <a:defRPr sz="900"/>
+            </a:lvl5pPr>
+            <a:lvl6pPr marL="2286000" indent="0">
+              <a:buNone/>
+              <a:defRPr sz="900"/>
+            </a:lvl6pPr>
+            <a:lvl7pPr marL="2743200" indent="0">
+              <a:buNone/>
+              <a:defRPr sz="900"/>
+            </a:lvl7pPr>
+            <a:lvl8pPr marL="3200400" indent="0">
+              <a:buNone/>
+              <a:defRPr sz="900"/>
+            </a:lvl8pPr>
+            <a:lvl9pPr marL="3657600" indent="0">
+              <a:buNone/>
+              <a:defRPr sz="900"/>
+            </a:lvl9pPr>
+          </a:lstStyle>
+          <a:p>
+            <a:pPr lvl="0"/>
+            <a:r>
+              <a:rPr lang="en-US"/>
+              <a:t>Edit Master text styles</a:t>
+            </a:r>
+          </a:p>
+        </p:txBody>
+      </p:sp>
+      <p:sp>
+        <p:nvSpPr>
+          <p:cNvPr id="22" name="Text Placeholder 4"/>
+          <p:cNvSpPr>
+            <a:spLocks noGrp="1"/>
+          </p:cNvSpPr>
+          <p:nvPr>
+            <p:ph type="body" sz="quarter" idx="3"/>
+          </p:nvPr>
+        </p:nvSpPr>
+        <p:spPr>
+          <a:xfrm>
+            <a:off x="4442788" y="3904106"/>
+            <a:ext cx="3300984" cy="576262"/>
+          </a:xfrm>
+        </p:spPr>
+        <p:txBody>
+          <a:bodyPr anchor="b">
+            <a:noAutofit/>
+          </a:bodyPr>
+          <a:lstStyle>
+            <a:lvl1pPr marL="0" indent="0" algn="ctr">
+              <a:buNone/>
+              <a:defRPr sz="2000" b="0">
+                <a:solidFill>
+                  <a:schemeClr val="tx1"/>
+                </a:solidFill>
+              </a:defRPr>
+            </a:lvl1pPr>
+            <a:lvl2pPr marL="457200" indent="0">
+              <a:buNone/>
+              <a:defRPr sz="2000" b="1"/>
+            </a:lvl2pPr>
+            <a:lvl3pPr marL="914400" indent="0">
+              <a:buNone/>
+              <a:defRPr sz="1800" b="1"/>
+            </a:lvl3pPr>
+            <a:lvl4pPr marL="1371600" indent="0">
+              <a:buNone/>
+              <a:defRPr sz="1600" b="1"/>
+            </a:lvl4pPr>
+            <a:lvl5pPr marL="1828800" indent="0">
+              <a:buNone/>
+              <a:defRPr sz="1600" b="1"/>
+            </a:lvl5pPr>
+            <a:lvl6pPr marL="2286000" indent="0">
+              <a:buNone/>
+              <a:defRPr sz="1600" b="1"/>
+            </a:lvl6pPr>
+            <a:lvl7pPr marL="2743200" indent="0">
+              <a:buNone/>
+              <a:defRPr sz="1600" b="1"/>
+            </a:lvl7pPr>
+            <a:lvl8pPr marL="3200400" indent="0">
+              <a:buNone/>
+              <a:defRPr sz="1600" b="1"/>
+            </a:lvl8pPr>
+            <a:lvl9pPr marL="3657600" indent="0">
+              <a:buNone/>
+              <a:defRPr sz="1600" b="1"/>
+            </a:lvl9pPr>
+          </a:lstStyle>
+          <a:p>
+            <a:pPr lvl="0"/>
+            <a:r>
+              <a:rPr lang="en-US"/>
+              <a:t>Edit Master text styles</a:t>
+            </a:r>
+          </a:p>
+        </p:txBody>
+      </p:sp>
+      <p:sp>
+        <p:nvSpPr>
+          <p:cNvPr id="23" name="Picture Placeholder 2"/>
+          <p:cNvSpPr>
+            <a:spLocks noGrp="1" noChangeAspect="1"/>
+          </p:cNvSpPr>
+          <p:nvPr>
+            <p:ph type="pic" idx="21"/>
+          </p:nvPr>
+        </p:nvSpPr>
+        <p:spPr>
+          <a:xfrm>
+            <a:off x="4545743" y="1939094"/>
+            <a:ext cx="3092368" cy="1608164"/>
+          </a:xfrm>
+          <a:prstGeom prst="roundRect">
+            <a:avLst>
+              <a:gd name="adj" fmla="val 1858"/>
+            </a:avLst>
+          </a:prstGeom>
+          <a:effectLst>
+            <a:outerShdw blurRad="38100" dist="25400" dir="4440000">
+              <a:srgbClr val="000000">
+                <a:alpha val="36000"/>
+              </a:srgbClr>
+            </a:outerShdw>
+          </a:effectLst>
+        </p:spPr>
+        <p:txBody>
+          <a:bodyPr anchor="t">
+            <a:normAutofit/>
+          </a:bodyPr>
+          <a:lstStyle>
+            <a:lvl1pPr marL="0" indent="0" algn="ctr">
+              <a:buNone/>
+              <a:defRPr sz="1600"/>
+            </a:lvl1pPr>
+            <a:lvl2pPr marL="457200" indent="0">
+              <a:buNone/>
+              <a:defRPr sz="1600"/>
+            </a:lvl2pPr>
+            <a:lvl3pPr marL="914400" indent="0">
+              <a:buNone/>
+              <a:defRPr sz="1600"/>
+            </a:lvl3pPr>
+            <a:lvl4pPr marL="1371600" indent="0">
+              <a:buNone/>
+              <a:defRPr sz="1600"/>
+            </a:lvl4pPr>
+            <a:lvl5pPr marL="1828800" indent="0">
+              <a:buNone/>
+              <a:defRPr sz="1600"/>
+            </a:lvl5pPr>
+            <a:lvl6pPr marL="2286000" indent="0">
+              <a:buNone/>
+              <a:defRPr sz="1600"/>
+            </a:lvl6pPr>
+            <a:lvl7pPr marL="2743200" indent="0">
+              <a:buNone/>
+              <a:defRPr sz="1600"/>
+            </a:lvl7pPr>
+            <a:lvl8pPr marL="3200400" indent="0">
+              <a:buNone/>
+              <a:defRPr sz="1600"/>
+            </a:lvl8pPr>
+            <a:lvl9pPr marL="3657600" indent="0">
+              <a:buNone/>
+              <a:defRPr sz="1600"/>
+            </a:lvl9pPr>
+          </a:lstStyle>
+          <a:p>
+            <a:r>
+              <a:rPr lang="en-US"/>
+              <a:t>Click icon to add picture</a:t>
+            </a:r>
+            <a:endParaRPr lang="en-US" dirty="0"/>
+          </a:p>
+        </p:txBody>
+      </p:sp>
+      <p:sp>
+        <p:nvSpPr>
+          <p:cNvPr id="24" name="Text Placeholder 3"/>
+          <p:cNvSpPr>
+            <a:spLocks noGrp="1"/>
+          </p:cNvSpPr>
+          <p:nvPr>
+            <p:ph type="body" sz="half" idx="19"/>
+          </p:nvPr>
+        </p:nvSpPr>
+        <p:spPr>
+          <a:xfrm>
+            <a:off x="4441435" y="4480367"/>
+            <a:ext cx="3300984" cy="1310833"/>
+          </a:xfrm>
+        </p:spPr>
+        <p:txBody>
+          <a:bodyPr anchor="t">
+            <a:normAutofit/>
+          </a:bodyPr>
+          <a:lstStyle>
+            <a:lvl1pPr marL="0" indent="0" algn="ctr">
+              <a:buNone/>
+              <a:defRPr sz="1400"/>
+            </a:lvl1pPr>
+            <a:lvl2pPr marL="457200" indent="0">
+              <a:buNone/>
+              <a:defRPr sz="1200"/>
+            </a:lvl2pPr>
+            <a:lvl3pPr marL="914400" indent="0">
+              <a:buNone/>
+              <a:defRPr sz="1000"/>
+            </a:lvl3pPr>
+            <a:lvl4pPr marL="1371600" indent="0">
+              <a:buNone/>
+              <a:defRPr sz="900"/>
+            </a:lvl4pPr>
+            <a:lvl5pPr marL="1828800" indent="0">
+              <a:buNone/>
+              <a:defRPr sz="900"/>
+            </a:lvl5pPr>
+            <a:lvl6pPr marL="2286000" indent="0">
+              <a:buNone/>
+              <a:defRPr sz="900"/>
+            </a:lvl6pPr>
+            <a:lvl7pPr marL="2743200" indent="0">
+              <a:buNone/>
+              <a:defRPr sz="900"/>
+            </a:lvl7pPr>
+            <a:lvl8pPr marL="3200400" indent="0">
+              <a:buNone/>
+              <a:defRPr sz="900"/>
+            </a:lvl8pPr>
+            <a:lvl9pPr marL="3657600" indent="0">
+              <a:buNone/>
+              <a:defRPr sz="900"/>
+            </a:lvl9pPr>
+          </a:lstStyle>
+          <a:p>
+            <a:pPr lvl="0"/>
+            <a:r>
+              <a:rPr lang="en-US"/>
+              <a:t>Edit Master text styles</a:t>
+            </a:r>
+          </a:p>
+        </p:txBody>
+      </p:sp>
+      <p:sp>
+        <p:nvSpPr>
+          <p:cNvPr id="25" name="Text Placeholder 4"/>
+          <p:cNvSpPr>
+            <a:spLocks noGrp="1"/>
+          </p:cNvSpPr>
+          <p:nvPr>
+            <p:ph type="body" sz="quarter" idx="13"/>
+          </p:nvPr>
+        </p:nvSpPr>
+        <p:spPr>
+          <a:xfrm>
+            <a:off x="7966697" y="3904106"/>
+            <a:ext cx="3300984" cy="576262"/>
+          </a:xfrm>
+        </p:spPr>
+        <p:txBody>
+          <a:bodyPr anchor="b">
+            <a:noAutofit/>
+          </a:bodyPr>
+          <a:lstStyle>
+            <a:lvl1pPr marL="0" indent="0" algn="ctr">
+              <a:buNone/>
+              <a:defRPr sz="2000" b="0">
+                <a:solidFill>
+                  <a:schemeClr val="tx1"/>
+                </a:solidFill>
+              </a:defRPr>
+            </a:lvl1pPr>
+            <a:lvl2pPr marL="457200" indent="0">
+              <a:buNone/>
+              <a:defRPr sz="2000" b="1"/>
+            </a:lvl2pPr>
+            <a:lvl3pPr marL="914400" indent="0">
+              <a:buNone/>
+              <a:defRPr sz="1800" b="1"/>
+            </a:lvl3pPr>
+            <a:lvl4pPr marL="1371600" indent="0">
+              <a:buNone/>
+              <a:defRPr sz="1600" b="1"/>
+            </a:lvl4pPr>
+            <a:lvl5pPr marL="1828800" indent="0">
+              <a:buNone/>
+              <a:defRPr sz="1600" b="1"/>
+            </a:lvl5pPr>
+            <a:lvl6pPr marL="2286000" indent="0">
+              <a:buNone/>
+              <a:defRPr sz="1600" b="1"/>
+            </a:lvl6pPr>
+            <a:lvl7pPr marL="2743200" indent="0">
+              <a:buNone/>
+              <a:defRPr sz="1600" b="1"/>
+            </a:lvl7pPr>
+            <a:lvl8pPr marL="3200400" indent="0">
+              <a:buNone/>
+              <a:defRPr sz="1600" b="1"/>
+            </a:lvl8pPr>
+            <a:lvl9pPr marL="3657600" indent="0">
+              <a:buNone/>
+              <a:defRPr sz="1600" b="1"/>
+            </a:lvl9pPr>
+          </a:lstStyle>
+          <a:p>
+            <a:pPr lvl="0"/>
+            <a:r>
+              <a:rPr lang="en-US"/>
+              <a:t>Edit Master text styles</a:t>
+            </a:r>
+          </a:p>
+        </p:txBody>
+      </p:sp>
+      <p:sp>
+        <p:nvSpPr>
+          <p:cNvPr id="26" name="Picture Placeholder 2"/>
+          <p:cNvSpPr>
+            <a:spLocks noGrp="1" noChangeAspect="1"/>
+          </p:cNvSpPr>
+          <p:nvPr>
+            <p:ph type="pic" idx="22"/>
+          </p:nvPr>
+        </p:nvSpPr>
+        <p:spPr>
+          <a:xfrm>
+            <a:off x="8075698" y="1934432"/>
+            <a:ext cx="3092368" cy="1607294"/>
+          </a:xfrm>
+          <a:prstGeom prst="roundRect">
+            <a:avLst>
+              <a:gd name="adj" fmla="val 1858"/>
+            </a:avLst>
+          </a:prstGeom>
+          <a:effectLst>
+            <a:outerShdw blurRad="38100" dist="25400" dir="4440000">
+              <a:srgbClr val="000000">
+                <a:alpha val="36000"/>
+              </a:srgbClr>
+            </a:outerShdw>
+          </a:effectLst>
+        </p:spPr>
+        <p:txBody>
+          <a:bodyPr anchor="t">
+            <a:normAutofit/>
+          </a:bodyPr>
+          <a:lstStyle>
+            <a:lvl1pPr marL="0" indent="0" algn="ctr">
+              <a:buNone/>
+              <a:defRPr sz="1600"/>
+            </a:lvl1pPr>
+            <a:lvl2pPr marL="457200" indent="0">
+              <a:buNone/>
+              <a:defRPr sz="1600"/>
+            </a:lvl2pPr>
+            <a:lvl3pPr marL="914400" indent="0">
+              <a:buNone/>
+              <a:defRPr sz="1600"/>
+            </a:lvl3pPr>
+            <a:lvl4pPr marL="1371600" indent="0">
+              <a:buNone/>
+              <a:defRPr sz="1600"/>
+            </a:lvl4pPr>
+            <a:lvl5pPr marL="1828800" indent="0">
+              <a:buNone/>
+              <a:defRPr sz="1600"/>
+            </a:lvl5pPr>
+            <a:lvl6pPr marL="2286000" indent="0">
+              <a:buNone/>
+              <a:defRPr sz="1600"/>
+            </a:lvl6pPr>
+            <a:lvl7pPr marL="2743200" indent="0">
+              <a:buNone/>
+              <a:defRPr sz="1600"/>
+            </a:lvl7pPr>
+            <a:lvl8pPr marL="3200400" indent="0">
+              <a:buNone/>
+              <a:defRPr sz="1600"/>
+            </a:lvl8pPr>
+            <a:lvl9pPr marL="3657600" indent="0">
+              <a:buNone/>
+              <a:defRPr sz="1600"/>
+            </a:lvl9pPr>
+          </a:lstStyle>
+          <a:p>
+            <a:r>
+              <a:rPr lang="en-US"/>
+              <a:t>Click icon to add picture</a:t>
+            </a:r>
+            <a:endParaRPr lang="en-US" dirty="0"/>
+          </a:p>
+        </p:txBody>
+      </p:sp>
+      <p:sp>
+        <p:nvSpPr>
+          <p:cNvPr id="27" name="Text Placeholder 3"/>
+          <p:cNvSpPr>
+            <a:spLocks noGrp="1"/>
+          </p:cNvSpPr>
+          <p:nvPr>
+            <p:ph type="body" sz="half" idx="20"/>
+          </p:nvPr>
+        </p:nvSpPr>
+        <p:spPr>
+          <a:xfrm>
+            <a:off x="7966572" y="4480365"/>
+            <a:ext cx="3300984" cy="1310835"/>
+          </a:xfrm>
+        </p:spPr>
+        <p:txBody>
+          <a:bodyPr anchor="t">
+            <a:normAutofit/>
+          </a:bodyPr>
+          <a:lstStyle>
+            <a:lvl1pPr marL="0" indent="0" algn="ctr">
+              <a:buNone/>
+              <a:defRPr sz="1400"/>
+            </a:lvl1pPr>
+            <a:lvl2pPr marL="457200" indent="0">
+              <a:buNone/>
+              <a:defRPr sz="1200"/>
+            </a:lvl2pPr>
+            <a:lvl3pPr marL="914400" indent="0">
+              <a:buNone/>
+              <a:defRPr sz="1000"/>
+            </a:lvl3pPr>
+            <a:lvl4pPr marL="1371600" indent="0">
+              <a:buNone/>
+              <a:defRPr sz="900"/>
+            </a:lvl4pPr>
+            <a:lvl5pPr marL="1828800" indent="0">
+              <a:buNone/>
+              <a:defRPr sz="900"/>
+            </a:lvl5pPr>
+            <a:lvl6pPr marL="2286000" indent="0">
+              <a:buNone/>
+              <a:defRPr sz="900"/>
+            </a:lvl6pPr>
+            <a:lvl7pPr marL="2743200" indent="0">
+              <a:buNone/>
+              <a:defRPr sz="900"/>
+            </a:lvl7pPr>
+            <a:lvl8pPr marL="3200400" indent="0">
+              <a:buNone/>
+              <a:defRPr sz="900"/>
+            </a:lvl8pPr>
+            <a:lvl9pPr marL="3657600" indent="0">
+              <a:buNone/>
+              <a:defRPr sz="900"/>
+            </a:lvl9pPr>
+          </a:lstStyle>
+          <a:p>
+            <a:pPr lvl="0"/>
+            <a:r>
+              <a:rPr lang="en-US"/>
+              <a:t>Edit Master text styles</a:t>
+            </a:r>
+          </a:p>
+        </p:txBody>
+      </p:sp>
+      <p:sp>
+        <p:nvSpPr>
+          <p:cNvPr id="3" name="Date Placeholder 2"/>
+          <p:cNvSpPr>
+            <a:spLocks noGrp="1"/>
+          </p:cNvSpPr>
+          <p:nvPr>
+            <p:ph type="dt" sz="half" idx="10"/>
+          </p:nvPr>
+        </p:nvSpPr>
+        <p:spPr/>
+        <p:txBody>
+          <a:bodyPr/>
+          <a:lstStyle/>
+          <a:p>
+            <a:fld id="{642C1C30-35AD-4A8C-B716-82046E9CDDFC}" type="datetimeFigureOut">
+              <a:rPr lang="en-GB" smtClean="0"/>
+              <a:t>13/03/2017</a:t>
+            </a:fld>
+            <a:endParaRPr lang="en-GB"/>
+          </a:p>
+        </p:txBody>
+      </p:sp>
+      <p:sp>
+        <p:nvSpPr>
+          <p:cNvPr id="4" name="Footer Placeholder 3"/>
+          <p:cNvSpPr>
+            <a:spLocks noGrp="1"/>
+          </p:cNvSpPr>
+          <p:nvPr>
+            <p:ph type="ftr" sz="quarter" idx="11"/>
+          </p:nvPr>
+        </p:nvSpPr>
+        <p:spPr/>
+        <p:txBody>
+          <a:bodyPr/>
+          <a:lstStyle/>
+          <a:p>
+            <a:endParaRPr lang="en-GB"/>
+          </a:p>
+        </p:txBody>
+      </p:sp>
+      <p:sp>
+        <p:nvSpPr>
+          <p:cNvPr id="5" name="Slide Number Placeholder 4"/>
+          <p:cNvSpPr>
+            <a:spLocks noGrp="1"/>
+          </p:cNvSpPr>
+          <p:nvPr>
+            <p:ph type="sldNum" sz="quarter" idx="12"/>
+          </p:nvPr>
+        </p:nvSpPr>
+        <p:spPr/>
+        <p:txBody>
+          <a:bodyPr/>
+          <a:lstStyle/>
+          <a:p>
+            <a:fld id="{5A976CFA-9C82-4EEC-953A-3FF48E068D3B}" type="slidenum">
+              <a:rPr lang="en-GB" smtClean="0"/>
+              <a:t>‹#›</a:t>
+            </a:fld>
+            <a:endParaRPr lang="en-GB"/>
+          </a:p>
+        </p:txBody>
+      </p:sp>
+    </p:spTree>
+    <p:extLst>
+      <p:ext uri="{BB962C8B-B14F-4D97-AF65-F5344CB8AC3E}">
+        <p14:creationId xmlns:p14="http://schemas.microsoft.com/office/powerpoint/2010/main" val="4142803041"/>
+      </p:ext>
+    </p:extLst>
+  </p:cSld>
+  <p:clrMapOvr>
+    <a:masterClrMapping/>
+  </p:clrMapOvr>
+</p:sldLayout>
+</file>
+
+<file path=ppt/slideLayouts/slideLayout16.xml><?xml version="1.0" encoding="utf-8"?>
 <p:sldLayout xmlns:a="http://schemas.openxmlformats.org/drawingml/2006/main" xmlns:r="http://schemas.openxmlformats.org/officeDocument/2006/relationships" xmlns:p="http://schemas.openxmlformats.org/presentationml/2006/main" type="vertTx" preserve="1">
   <p:cSld name="Title and Vertical Text">
     <p:spTree>
@@ -335,7 +2970,7 @@
               <a:rPr lang="en-US"/>
               <a:t>Click to edit Master title style</a:t>
             </a:r>
-            <a:endParaRPr lang="en-GB"/>
+            <a:endParaRPr lang="en-US" dirty="0"/>
           </a:p>
         </p:txBody>
       </p:sp>
@@ -351,7 +2986,7 @@
         </p:nvSpPr>
         <p:spPr/>
         <p:txBody>
-          <a:bodyPr vert="eaVert"/>
+          <a:bodyPr vert="eaVert" anchor="t"/>
           <a:lstStyle/>
           <a:p>
             <a:pPr lvl="0"/>
@@ -387,7 +3022,7 @@
               <a:rPr lang="en-US"/>
               <a:t>Fifth level</a:t>
             </a:r>
-            <a:endParaRPr lang="en-GB"/>
+            <a:endParaRPr lang="en-US" dirty="0"/>
           </a:p>
         </p:txBody>
       </p:sp>
@@ -459,7 +3094,7 @@
     </p:spTree>
     <p:extLst>
       <p:ext uri="{BB962C8B-B14F-4D97-AF65-F5344CB8AC3E}">
-        <p14:creationId xmlns:p14="http://schemas.microsoft.com/office/powerpoint/2010/main" val="3473573950"/>
+        <p14:creationId xmlns:p14="http://schemas.microsoft.com/office/powerpoint/2010/main" val="469364554"/>
       </p:ext>
     </p:extLst>
   </p:cSld>
@@ -469,7 +3104,7 @@
 </p:sldLayout>
 </file>
 
-<file path=ppt/slideLayouts/slideLayout11.xml><?xml version="1.0" encoding="utf-8"?>
+<file path=ppt/slideLayouts/slideLayout17.xml><?xml version="1.0" encoding="utf-8"?>
 <p:sldLayout xmlns:a="http://schemas.openxmlformats.org/drawingml/2006/main" xmlns:r="http://schemas.openxmlformats.org/officeDocument/2006/relationships" xmlns:p="http://schemas.openxmlformats.org/presentationml/2006/main" type="vertTitleAndTx" preserve="1">
   <p:cSld name="Vertical Title and Text">
     <p:spTree>
@@ -498,19 +3133,23 @@
         </p:nvSpPr>
         <p:spPr>
           <a:xfrm>
-            <a:off x="8724900" y="365125"/>
-            <a:ext cx="2628900" cy="5811838"/>
+            <a:off x="8983068" y="609599"/>
+            <a:ext cx="2284487" cy="5181601"/>
           </a:xfrm>
         </p:spPr>
         <p:txBody>
           <a:bodyPr vert="eaVert"/>
-          <a:lstStyle/>
+          <a:lstStyle>
+            <a:lvl1pPr algn="l">
+              <a:defRPr/>
+            </a:lvl1pPr>
+          </a:lstStyle>
           <a:p>
             <a:r>
               <a:rPr lang="en-US"/>
               <a:t>Click to edit Master title style</a:t>
             </a:r>
-            <a:endParaRPr lang="en-GB"/>
+            <a:endParaRPr lang="en-US" dirty="0"/>
           </a:p>
         </p:txBody>
       </p:sp>
@@ -526,12 +3165,12 @@
         </p:nvSpPr>
         <p:spPr>
           <a:xfrm>
-            <a:off x="838200" y="365125"/>
-            <a:ext cx="7734300" cy="5811838"/>
+            <a:off x="913796" y="609599"/>
+            <a:ext cx="7916872" cy="5181601"/>
           </a:xfrm>
         </p:spPr>
         <p:txBody>
-          <a:bodyPr vert="eaVert"/>
+          <a:bodyPr vert="eaVert" anchor="t"/>
           <a:lstStyle/>
           <a:p>
             <a:pPr lvl="0"/>
@@ -567,7 +3206,7 @@
               <a:rPr lang="en-US"/>
               <a:t>Fifth level</a:t>
             </a:r>
-            <a:endParaRPr lang="en-GB"/>
+            <a:endParaRPr lang="en-US" dirty="0"/>
           </a:p>
         </p:txBody>
       </p:sp>
@@ -639,7 +3278,7 @@
     </p:spTree>
     <p:extLst>
       <p:ext uri="{BB962C8B-B14F-4D97-AF65-F5344CB8AC3E}">
-        <p14:creationId xmlns:p14="http://schemas.microsoft.com/office/powerpoint/2010/main" val="3257435392"/>
+        <p14:creationId xmlns:p14="http://schemas.microsoft.com/office/powerpoint/2010/main" val="423655272"/>
       </p:ext>
     </p:extLst>
   </p:cSld>
@@ -685,7 +3324,7 @@
               <a:rPr lang="en-US"/>
               <a:t>Click to edit Master title style</a:t>
             </a:r>
-            <a:endParaRPr lang="en-GB"/>
+            <a:endParaRPr lang="en-US" dirty="0"/>
           </a:p>
         </p:txBody>
       </p:sp>
@@ -737,7 +3376,7 @@
               <a:rPr lang="en-US"/>
               <a:t>Fifth level</a:t>
             </a:r>
-            <a:endParaRPr lang="en-GB"/>
+            <a:endParaRPr lang="en-US" dirty="0"/>
           </a:p>
         </p:txBody>
       </p:sp>
@@ -809,7 +3448,7 @@
     </p:spTree>
     <p:extLst>
       <p:ext uri="{BB962C8B-B14F-4D97-AF65-F5344CB8AC3E}">
-        <p14:creationId xmlns:p14="http://schemas.microsoft.com/office/powerpoint/2010/main" val="389017864"/>
+        <p14:creationId xmlns:p14="http://schemas.microsoft.com/office/powerpoint/2010/main" val="4086247608"/>
       </p:ext>
     </p:extLst>
   </p:cSld>
@@ -848,15 +3487,15 @@
         </p:nvSpPr>
         <p:spPr>
           <a:xfrm>
-            <a:off x="831850" y="1709738"/>
-            <a:ext cx="10515600" cy="2852737"/>
+            <a:off x="1295401" y="1761067"/>
+            <a:ext cx="9590550" cy="1828813"/>
           </a:xfrm>
         </p:spPr>
         <p:txBody>
           <a:bodyPr anchor="b"/>
           <a:lstStyle>
-            <a:lvl1pPr>
-              <a:defRPr sz="6000"/>
+            <a:lvl1pPr algn="ctr">
+              <a:defRPr sz="4000" b="0" cap="none"/>
             </a:lvl1pPr>
           </a:lstStyle>
           <a:p>
@@ -864,7 +3503,7 @@
               <a:rPr lang="en-US"/>
               <a:t>Click to edit Master title style</a:t>
             </a:r>
-            <a:endParaRPr lang="en-GB"/>
+            <a:endParaRPr lang="en-US" dirty="0"/>
           </a:p>
         </p:txBody>
       </p:sp>
@@ -880,26 +3519,24 @@
         </p:nvSpPr>
         <p:spPr>
           <a:xfrm>
-            <a:off x="831850" y="4589463"/>
-            <a:ext cx="10515600" cy="1500187"/>
+            <a:off x="1295401" y="3589879"/>
+            <a:ext cx="9590550" cy="1507054"/>
           </a:xfrm>
         </p:spPr>
         <p:txBody>
-          <a:bodyPr/>
+          <a:bodyPr anchor="t"/>
           <a:lstStyle>
-            <a:lvl1pPr marL="0" indent="0">
-              <a:buNone/>
-              <a:defRPr sz="2400">
+            <a:lvl1pPr marL="0" indent="0" algn="ctr">
+              <a:buNone/>
+              <a:defRPr sz="2000">
                 <a:solidFill>
-                  <a:schemeClr val="tx1">
-                    <a:tint val="75000"/>
-                  </a:schemeClr>
+                  <a:schemeClr val="tx1"/>
                 </a:solidFill>
               </a:defRPr>
             </a:lvl1pPr>
             <a:lvl2pPr marL="457200" indent="0">
               <a:buNone/>
-              <a:defRPr sz="2000">
+              <a:defRPr sz="1800">
                 <a:solidFill>
                   <a:schemeClr val="tx1">
                     <a:tint val="75000"/>
@@ -909,7 +3546,7 @@
             </a:lvl2pPr>
             <a:lvl3pPr marL="914400" indent="0">
               <a:buNone/>
-              <a:defRPr sz="1800">
+              <a:defRPr sz="1600">
                 <a:solidFill>
                   <a:schemeClr val="tx1">
                     <a:tint val="75000"/>
@@ -919,7 +3556,7 @@
             </a:lvl3pPr>
             <a:lvl4pPr marL="1371600" indent="0">
               <a:buNone/>
-              <a:defRPr sz="1600">
+              <a:defRPr sz="1400">
                 <a:solidFill>
                   <a:schemeClr val="tx1">
                     <a:tint val="75000"/>
@@ -929,7 +3566,7 @@
             </a:lvl4pPr>
             <a:lvl5pPr marL="1828800" indent="0">
               <a:buNone/>
-              <a:defRPr sz="1600">
+              <a:defRPr sz="1400">
                 <a:solidFill>
                   <a:schemeClr val="tx1">
                     <a:tint val="75000"/>
@@ -939,7 +3576,7 @@
             </a:lvl5pPr>
             <a:lvl6pPr marL="2286000" indent="0">
               <a:buNone/>
-              <a:defRPr sz="1600">
+              <a:defRPr sz="1400">
                 <a:solidFill>
                   <a:schemeClr val="tx1">
                     <a:tint val="75000"/>
@@ -949,7 +3586,7 @@
             </a:lvl6pPr>
             <a:lvl7pPr marL="2743200" indent="0">
               <a:buNone/>
-              <a:defRPr sz="1600">
+              <a:defRPr sz="1400">
                 <a:solidFill>
                   <a:schemeClr val="tx1">
                     <a:tint val="75000"/>
@@ -959,7 +3596,7 @@
             </a:lvl7pPr>
             <a:lvl8pPr marL="3200400" indent="0">
               <a:buNone/>
-              <a:defRPr sz="1600">
+              <a:defRPr sz="1400">
                 <a:solidFill>
                   <a:schemeClr val="tx1">
                     <a:tint val="75000"/>
@@ -969,7 +3606,7 @@
             </a:lvl8pPr>
             <a:lvl9pPr marL="3657600" indent="0">
               <a:buNone/>
-              <a:defRPr sz="1600">
+              <a:defRPr sz="1400">
                 <a:solidFill>
                   <a:schemeClr val="tx1">
                     <a:tint val="75000"/>
@@ -1055,7 +3692,7 @@
     </p:spTree>
     <p:extLst>
       <p:ext uri="{BB962C8B-B14F-4D97-AF65-F5344CB8AC3E}">
-        <p14:creationId xmlns:p14="http://schemas.microsoft.com/office/powerpoint/2010/main" val="2960122752"/>
+        <p14:creationId xmlns:p14="http://schemas.microsoft.com/office/powerpoint/2010/main" val="2522562858"/>
       </p:ext>
     </p:extLst>
   </p:cSld>
@@ -1101,7 +3738,7 @@
               <a:rPr lang="en-US"/>
               <a:t>Click to edit Master title style</a:t>
             </a:r>
-            <a:endParaRPr lang="en-GB"/>
+            <a:endParaRPr lang="en-US" dirty="0"/>
           </a:p>
         </p:txBody>
       </p:sp>
@@ -1117,12 +3754,14 @@
         </p:nvSpPr>
         <p:spPr>
           <a:xfrm>
-            <a:off x="838200" y="1825625"/>
-            <a:ext cx="5181600" cy="4351338"/>
+            <a:off x="913795" y="1732449"/>
+            <a:ext cx="5060497" cy="4058750"/>
           </a:xfrm>
         </p:spPr>
         <p:txBody>
-          <a:bodyPr/>
+          <a:bodyPr anchor="t">
+            <a:normAutofit/>
+          </a:bodyPr>
           <a:lstStyle/>
           <a:p>
             <a:pPr lvl="0"/>
@@ -1158,7 +3797,7 @@
               <a:rPr lang="en-US"/>
               <a:t>Fifth level</a:t>
             </a:r>
-            <a:endParaRPr lang="en-GB"/>
+            <a:endParaRPr lang="en-US" dirty="0"/>
           </a:p>
         </p:txBody>
       </p:sp>
@@ -1174,12 +3813,14 @@
         </p:nvSpPr>
         <p:spPr>
           <a:xfrm>
-            <a:off x="6172200" y="1825625"/>
-            <a:ext cx="5181600" cy="4351338"/>
+            <a:off x="6202892" y="1732449"/>
+            <a:ext cx="5064665" cy="4058751"/>
           </a:xfrm>
         </p:spPr>
         <p:txBody>
-          <a:bodyPr/>
+          <a:bodyPr anchor="t">
+            <a:normAutofit/>
+          </a:bodyPr>
           <a:lstStyle/>
           <a:p>
             <a:pPr lvl="0"/>
@@ -1215,7 +3856,7 @@
               <a:rPr lang="en-US"/>
               <a:t>Fifth level</a:t>
             </a:r>
-            <a:endParaRPr lang="en-GB"/>
+            <a:endParaRPr lang="en-US" dirty="0"/>
           </a:p>
         </p:txBody>
       </p:sp>
@@ -1287,7 +3928,7 @@
     </p:spTree>
     <p:extLst>
       <p:ext uri="{BB962C8B-B14F-4D97-AF65-F5344CB8AC3E}">
-        <p14:creationId xmlns:p14="http://schemas.microsoft.com/office/powerpoint/2010/main" val="1309134275"/>
+        <p14:creationId xmlns:p14="http://schemas.microsoft.com/office/powerpoint/2010/main" val="2132402868"/>
       </p:ext>
     </p:extLst>
   </p:cSld>
@@ -1314,56 +3955,117 @@
           <a:chExt cx="0" cy="0"/>
         </a:xfrm>
       </p:grpSpPr>
-      <p:sp>
-        <p:nvSpPr>
-          <p:cNvPr id="2" name="Title 1"/>
-          <p:cNvSpPr>
-            <a:spLocks noGrp="1"/>
-          </p:cNvSpPr>
-          <p:nvPr>
-            <p:ph type="title"/>
-          </p:nvPr>
-        </p:nvSpPr>
+      <p:pic>
+        <p:nvPicPr>
+          <p:cNvPr id="20" name="Picture 19" descr="Slate-V2-HD-compPhotoInset.png"/>
+          <p:cNvPicPr>
+            <a:picLocks noChangeAspect="1"/>
+          </p:cNvPicPr>
+          <p:nvPr/>
+        </p:nvPicPr>
+        <p:blipFill>
+          <a:blip r:embed="rId2">
+            <a:extLst>
+              <a:ext uri="{28A0092B-C50C-407E-A947-70E740481C1C}">
+                <a14:useLocalDpi xmlns:a14="http://schemas.microsoft.com/office/drawing/2010/main" val="0"/>
+              </a:ext>
+            </a:extLst>
+          </a:blip>
+          <a:stretch>
+            <a:fillRect/>
+          </a:stretch>
+        </p:blipFill>
         <p:spPr>
           <a:xfrm>
-            <a:off x="839788" y="365125"/>
-            <a:ext cx="10515600" cy="1325563"/>
+            <a:off x="913795" y="1734506"/>
+            <a:ext cx="5089072" cy="4148769"/>
+          </a:xfrm>
+          <a:prstGeom prst="rect">
+            <a:avLst/>
+          </a:prstGeom>
+        </p:spPr>
+      </p:pic>
+      <p:pic>
+        <p:nvPicPr>
+          <p:cNvPr id="21" name="Picture 20" descr="Slate-V2-HD-compPhotoInset.png"/>
+          <p:cNvPicPr>
+            <a:picLocks noChangeAspect="1"/>
+          </p:cNvPicPr>
+          <p:nvPr/>
+        </p:nvPicPr>
+        <p:blipFill>
+          <a:blip r:embed="rId2">
+            <a:extLst>
+              <a:ext uri="{28A0092B-C50C-407E-A947-70E740481C1C}">
+                <a14:useLocalDpi xmlns:a14="http://schemas.microsoft.com/office/drawing/2010/main" val="0"/>
+              </a:ext>
+            </a:extLst>
+          </a:blip>
+          <a:stretch>
+            <a:fillRect/>
+          </a:stretch>
+        </p:blipFill>
+        <p:spPr>
+          <a:xfrm>
+            <a:off x="6178485" y="1734506"/>
+            <a:ext cx="5089072" cy="4148769"/>
+          </a:xfrm>
+          <a:prstGeom prst="rect">
+            <a:avLst/>
+          </a:prstGeom>
+        </p:spPr>
+      </p:pic>
+      <p:sp>
+        <p:nvSpPr>
+          <p:cNvPr id="2" name="Title 1"/>
+          <p:cNvSpPr>
+            <a:spLocks noGrp="1"/>
+          </p:cNvSpPr>
+          <p:nvPr>
+            <p:ph type="title"/>
+          </p:nvPr>
+        </p:nvSpPr>
+        <p:spPr/>
+        <p:txBody>
+          <a:bodyPr/>
+          <a:lstStyle>
+            <a:lvl1pPr>
+              <a:defRPr/>
+            </a:lvl1pPr>
+          </a:lstStyle>
+          <a:p>
+            <a:r>
+              <a:rPr lang="en-US"/>
+              <a:t>Click to edit Master title style</a:t>
+            </a:r>
+            <a:endParaRPr lang="en-US" dirty="0"/>
+          </a:p>
+        </p:txBody>
+      </p:sp>
+      <p:sp>
+        <p:nvSpPr>
+          <p:cNvPr id="3" name="Text Placeholder 2"/>
+          <p:cNvSpPr>
+            <a:spLocks noGrp="1"/>
+          </p:cNvSpPr>
+          <p:nvPr>
+            <p:ph type="body" idx="1"/>
+          </p:nvPr>
+        </p:nvSpPr>
+        <p:spPr>
+          <a:xfrm>
+            <a:off x="1005872" y="1835254"/>
+            <a:ext cx="4876344" cy="544884"/>
           </a:xfrm>
         </p:spPr>
         <p:txBody>
-          <a:bodyPr/>
-          <a:lstStyle/>
-          <a:p>
-            <a:r>
-              <a:rPr lang="en-US"/>
-              <a:t>Click to edit Master title style</a:t>
-            </a:r>
-            <a:endParaRPr lang="en-GB"/>
-          </a:p>
-        </p:txBody>
-      </p:sp>
-      <p:sp>
-        <p:nvSpPr>
-          <p:cNvPr id="3" name="Text Placeholder 2"/>
-          <p:cNvSpPr>
-            <a:spLocks noGrp="1"/>
-          </p:cNvSpPr>
-          <p:nvPr>
-            <p:ph type="body" idx="1"/>
-          </p:nvPr>
-        </p:nvSpPr>
-        <p:spPr>
-          <a:xfrm>
-            <a:off x="839788" y="1681163"/>
-            <a:ext cx="5157787" cy="823912"/>
-          </a:xfrm>
-        </p:spPr>
-        <p:txBody>
-          <a:bodyPr anchor="b"/>
+          <a:bodyPr anchor="b">
+            <a:noAutofit/>
+          </a:bodyPr>
           <a:lstStyle>
-            <a:lvl1pPr marL="0" indent="0">
-              <a:buNone/>
-              <a:defRPr sz="2400" b="1"/>
+            <a:lvl1pPr marL="0" indent="0" algn="ctr">
+              <a:buNone/>
+              <a:defRPr sz="2400" b="0"/>
             </a:lvl1pPr>
             <a:lvl2pPr marL="457200" indent="0">
               <a:buNone/>
@@ -1419,13 +4121,31 @@
         </p:nvSpPr>
         <p:spPr>
           <a:xfrm>
-            <a:off x="839788" y="2505075"/>
-            <a:ext cx="5157787" cy="3684588"/>
+            <a:off x="1005872" y="2380137"/>
+            <a:ext cx="4876344" cy="3411063"/>
           </a:xfrm>
         </p:spPr>
         <p:txBody>
-          <a:bodyPr/>
-          <a:lstStyle/>
+          <a:bodyPr anchor="t">
+            <a:normAutofit/>
+          </a:bodyPr>
+          <a:lstStyle>
+            <a:lvl1pPr>
+              <a:defRPr sz="1800"/>
+            </a:lvl1pPr>
+            <a:lvl2pPr>
+              <a:defRPr sz="1600"/>
+            </a:lvl2pPr>
+            <a:lvl3pPr>
+              <a:defRPr sz="1400"/>
+            </a:lvl3pPr>
+            <a:lvl4pPr>
+              <a:defRPr sz="1200"/>
+            </a:lvl4pPr>
+            <a:lvl5pPr>
+              <a:defRPr sz="1200"/>
+            </a:lvl5pPr>
+          </a:lstStyle>
           <a:p>
             <a:pPr lvl="0"/>
             <a:r>
@@ -1460,7 +4180,7 @@
               <a:rPr lang="en-US"/>
               <a:t>Fifth level</a:t>
             </a:r>
-            <a:endParaRPr lang="en-GB"/>
+            <a:endParaRPr lang="en-US" dirty="0"/>
           </a:p>
         </p:txBody>
       </p:sp>
@@ -1476,16 +4196,18 @@
         </p:nvSpPr>
         <p:spPr>
           <a:xfrm>
-            <a:off x="6172200" y="1681163"/>
-            <a:ext cx="5183188" cy="823912"/>
+            <a:off x="6294967" y="1835254"/>
+            <a:ext cx="4895330" cy="544883"/>
           </a:xfrm>
         </p:spPr>
         <p:txBody>
-          <a:bodyPr anchor="b"/>
+          <a:bodyPr anchor="b">
+            <a:noAutofit/>
+          </a:bodyPr>
           <a:lstStyle>
-            <a:lvl1pPr marL="0" indent="0">
-              <a:buNone/>
-              <a:defRPr sz="2400" b="1"/>
+            <a:lvl1pPr marL="0" indent="0" algn="ctr">
+              <a:buNone/>
+              <a:defRPr sz="2400" b="0"/>
             </a:lvl1pPr>
             <a:lvl2pPr marL="457200" indent="0">
               <a:buNone/>
@@ -1541,13 +4263,31 @@
         </p:nvSpPr>
         <p:spPr>
           <a:xfrm>
-            <a:off x="6172200" y="2505075"/>
-            <a:ext cx="5183188" cy="3684588"/>
+            <a:off x="6294967" y="2380137"/>
+            <a:ext cx="4895330" cy="3411063"/>
           </a:xfrm>
         </p:spPr>
         <p:txBody>
-          <a:bodyPr/>
-          <a:lstStyle/>
+          <a:bodyPr anchor="t">
+            <a:normAutofit/>
+          </a:bodyPr>
+          <a:lstStyle>
+            <a:lvl1pPr>
+              <a:defRPr sz="1800"/>
+            </a:lvl1pPr>
+            <a:lvl2pPr>
+              <a:defRPr sz="1600"/>
+            </a:lvl2pPr>
+            <a:lvl3pPr>
+              <a:defRPr sz="1400"/>
+            </a:lvl3pPr>
+            <a:lvl4pPr>
+              <a:defRPr sz="1200"/>
+            </a:lvl4pPr>
+            <a:lvl5pPr>
+              <a:defRPr sz="1200"/>
+            </a:lvl5pPr>
+          </a:lstStyle>
           <a:p>
             <a:pPr lvl="0"/>
             <a:r>
@@ -1582,7 +4322,7 @@
               <a:rPr lang="en-US"/>
               <a:t>Fifth level</a:t>
             </a:r>
-            <a:endParaRPr lang="en-GB"/>
+            <a:endParaRPr lang="en-US" dirty="0"/>
           </a:p>
         </p:txBody>
       </p:sp>
@@ -1654,7 +4394,7 @@
     </p:spTree>
     <p:extLst>
       <p:ext uri="{BB962C8B-B14F-4D97-AF65-F5344CB8AC3E}">
-        <p14:creationId xmlns:p14="http://schemas.microsoft.com/office/powerpoint/2010/main" val="701903171"/>
+        <p14:creationId xmlns:p14="http://schemas.microsoft.com/office/powerpoint/2010/main" val="2051069591"/>
       </p:ext>
     </p:extLst>
   </p:cSld>
@@ -1700,7 +4440,7 @@
               <a:rPr lang="en-US"/>
               <a:t>Click to edit Master title style</a:t>
             </a:r>
-            <a:endParaRPr lang="en-GB"/>
+            <a:endParaRPr lang="en-US" dirty="0"/>
           </a:p>
         </p:txBody>
       </p:sp>
@@ -1772,7 +4512,7 @@
     </p:spTree>
     <p:extLst>
       <p:ext uri="{BB962C8B-B14F-4D97-AF65-F5344CB8AC3E}">
-        <p14:creationId xmlns:p14="http://schemas.microsoft.com/office/powerpoint/2010/main" val="1593242522"/>
+        <p14:creationId xmlns:p14="http://schemas.microsoft.com/office/powerpoint/2010/main" val="567324204"/>
       </p:ext>
     </p:extLst>
   </p:cSld>
@@ -1867,7 +4607,7 @@
     </p:spTree>
     <p:extLst>
       <p:ext uri="{BB962C8B-B14F-4D97-AF65-F5344CB8AC3E}">
-        <p14:creationId xmlns:p14="http://schemas.microsoft.com/office/powerpoint/2010/main" val="2184779036"/>
+        <p14:creationId xmlns:p14="http://schemas.microsoft.com/office/powerpoint/2010/main" val="925766668"/>
       </p:ext>
     </p:extLst>
   </p:cSld>
@@ -1906,15 +4646,17 @@
         </p:nvSpPr>
         <p:spPr>
           <a:xfrm>
-            <a:off x="839788" y="457200"/>
-            <a:ext cx="3932237" cy="1600200"/>
+            <a:off x="913795" y="609600"/>
+            <a:ext cx="3706889" cy="1821918"/>
           </a:xfrm>
         </p:spPr>
         <p:txBody>
-          <a:bodyPr anchor="b"/>
+          <a:bodyPr anchor="b">
+            <a:normAutofit/>
+          </a:bodyPr>
           <a:lstStyle>
-            <a:lvl1pPr>
-              <a:defRPr sz="3200"/>
+            <a:lvl1pPr algn="ctr">
+              <a:defRPr sz="2400" b="0"/>
             </a:lvl1pPr>
           </a:lstStyle>
           <a:p>
@@ -1922,7 +4664,7 @@
               <a:rPr lang="en-US"/>
               <a:t>Click to edit Master title style</a:t>
             </a:r>
-            <a:endParaRPr lang="en-GB"/>
+            <a:endParaRPr lang="en-US" dirty="0"/>
           </a:p>
         </p:txBody>
       </p:sp>
@@ -1938,41 +4680,15 @@
         </p:nvSpPr>
         <p:spPr>
           <a:xfrm>
-            <a:off x="5183188" y="987425"/>
-            <a:ext cx="6172200" cy="4873625"/>
+            <a:off x="4855633" y="609600"/>
+            <a:ext cx="6411924" cy="5181600"/>
           </a:xfrm>
         </p:spPr>
         <p:txBody>
-          <a:bodyPr/>
-          <a:lstStyle>
-            <a:lvl1pPr>
-              <a:defRPr sz="3200"/>
-            </a:lvl1pPr>
-            <a:lvl2pPr>
-              <a:defRPr sz="2800"/>
-            </a:lvl2pPr>
-            <a:lvl3pPr>
-              <a:defRPr sz="2400"/>
-            </a:lvl3pPr>
-            <a:lvl4pPr>
-              <a:defRPr sz="2000"/>
-            </a:lvl4pPr>
-            <a:lvl5pPr>
-              <a:defRPr sz="2000"/>
-            </a:lvl5pPr>
-            <a:lvl6pPr>
-              <a:defRPr sz="2000"/>
-            </a:lvl6pPr>
-            <a:lvl7pPr>
-              <a:defRPr sz="2000"/>
-            </a:lvl7pPr>
-            <a:lvl8pPr>
-              <a:defRPr sz="2000"/>
-            </a:lvl8pPr>
-            <a:lvl9pPr>
-              <a:defRPr sz="2000"/>
-            </a:lvl9pPr>
-          </a:lstStyle>
+          <a:bodyPr>
+            <a:normAutofit/>
+          </a:bodyPr>
+          <a:lstStyle/>
           <a:p>
             <a:pPr lvl="0"/>
             <a:r>
@@ -2007,7 +4723,7 @@
               <a:rPr lang="en-US"/>
               <a:t>Fifth level</a:t>
             </a:r>
-            <a:endParaRPr lang="en-GB"/>
+            <a:endParaRPr lang="en-US" dirty="0"/>
           </a:p>
         </p:txBody>
       </p:sp>
@@ -2023,48 +4739,50 @@
         </p:nvSpPr>
         <p:spPr>
           <a:xfrm>
-            <a:off x="839788" y="2057400"/>
-            <a:ext cx="3932237" cy="3811588"/>
+            <a:off x="913795" y="2431518"/>
+            <a:ext cx="3706889" cy="3359681"/>
           </a:xfrm>
         </p:spPr>
         <p:txBody>
-          <a:bodyPr/>
+          <a:bodyPr anchor="t">
+            <a:normAutofit/>
+          </a:bodyPr>
           <a:lstStyle>
-            <a:lvl1pPr marL="0" indent="0">
+            <a:lvl1pPr marL="0" indent="0" algn="ctr">
               <a:buNone/>
               <a:defRPr sz="1600"/>
             </a:lvl1pPr>
             <a:lvl2pPr marL="457200" indent="0">
               <a:buNone/>
-              <a:defRPr sz="1400"/>
+              <a:defRPr sz="1200"/>
             </a:lvl2pPr>
             <a:lvl3pPr marL="914400" indent="0">
               <a:buNone/>
-              <a:defRPr sz="1200"/>
+              <a:defRPr sz="1000"/>
             </a:lvl3pPr>
             <a:lvl4pPr marL="1371600" indent="0">
               <a:buNone/>
-              <a:defRPr sz="1000"/>
+              <a:defRPr sz="900"/>
             </a:lvl4pPr>
             <a:lvl5pPr marL="1828800" indent="0">
               <a:buNone/>
-              <a:defRPr sz="1000"/>
+              <a:defRPr sz="900"/>
             </a:lvl5pPr>
             <a:lvl6pPr marL="2286000" indent="0">
               <a:buNone/>
-              <a:defRPr sz="1000"/>
+              <a:defRPr sz="900"/>
             </a:lvl6pPr>
             <a:lvl7pPr marL="2743200" indent="0">
               <a:buNone/>
-              <a:defRPr sz="1000"/>
+              <a:defRPr sz="900"/>
             </a:lvl7pPr>
             <a:lvl8pPr marL="3200400" indent="0">
               <a:buNone/>
-              <a:defRPr sz="1000"/>
+              <a:defRPr sz="900"/>
             </a:lvl8pPr>
             <a:lvl9pPr marL="3657600" indent="0">
               <a:buNone/>
-              <a:defRPr sz="1000"/>
+              <a:defRPr sz="900"/>
             </a:lvl9pPr>
           </a:lstStyle>
           <a:p>
@@ -2144,7 +4862,7 @@
     </p:spTree>
     <p:extLst>
       <p:ext uri="{BB962C8B-B14F-4D97-AF65-F5344CB8AC3E}">
-        <p14:creationId xmlns:p14="http://schemas.microsoft.com/office/powerpoint/2010/main" val="1601615117"/>
+        <p14:creationId xmlns:p14="http://schemas.microsoft.com/office/powerpoint/2010/main" val="557679997"/>
       </p:ext>
     </p:extLst>
   </p:cSld>
@@ -2171,27 +4889,59 @@
           <a:chExt cx="0" cy="0"/>
         </a:xfrm>
       </p:grpSpPr>
-      <p:sp>
-        <p:nvSpPr>
-          <p:cNvPr id="2" name="Title 1"/>
-          <p:cNvSpPr>
-            <a:spLocks noGrp="1"/>
-          </p:cNvSpPr>
-          <p:nvPr>
-            <p:ph type="title"/>
-          </p:nvPr>
-        </p:nvSpPr>
+      <p:pic>
+        <p:nvPicPr>
+          <p:cNvPr id="22" name="Picture 21" descr="Slate-V2-HD-vertPhotoInset.png"/>
+          <p:cNvPicPr>
+            <a:picLocks noChangeAspect="1"/>
+          </p:cNvPicPr>
+          <p:nvPr/>
+        </p:nvPicPr>
+        <p:blipFill>
+          <a:blip r:embed="rId2">
+            <a:extLst>
+              <a:ext uri="{28A0092B-C50C-407E-A947-70E740481C1C}">
+                <a14:useLocalDpi xmlns:a14="http://schemas.microsoft.com/office/drawing/2010/main" val="0"/>
+              </a:ext>
+            </a:extLst>
+          </a:blip>
+          <a:stretch>
+            <a:fillRect/>
+          </a:stretch>
+        </p:blipFill>
         <p:spPr>
           <a:xfrm>
-            <a:off x="839788" y="457200"/>
-            <a:ext cx="3932237" cy="1600200"/>
+            <a:off x="7293665" y="609600"/>
+            <a:ext cx="3584166" cy="5204832"/>
+          </a:xfrm>
+          <a:prstGeom prst="rect">
+            <a:avLst/>
+          </a:prstGeom>
+        </p:spPr>
+      </p:pic>
+      <p:sp>
+        <p:nvSpPr>
+          <p:cNvPr id="2" name="Title 1"/>
+          <p:cNvSpPr>
+            <a:spLocks noGrp="1"/>
+          </p:cNvSpPr>
+          <p:nvPr>
+            <p:ph type="title"/>
+          </p:nvPr>
+        </p:nvSpPr>
+        <p:spPr>
+          <a:xfrm>
+            <a:off x="913795" y="609923"/>
+            <a:ext cx="5934949" cy="1829338"/>
           </a:xfrm>
         </p:spPr>
         <p:txBody>
-          <a:bodyPr anchor="b"/>
+          <a:bodyPr anchor="b">
+            <a:noAutofit/>
+          </a:bodyPr>
           <a:lstStyle>
-            <a:lvl1pPr>
-              <a:defRPr sz="3200"/>
+            <a:lvl1pPr algn="ctr">
+              <a:defRPr sz="3200" b="0"/>
             </a:lvl1pPr>
           </a:lstStyle>
           <a:p>
@@ -2199,7 +4949,7 @@
               <a:rPr lang="en-US"/>
               <a:t>Click to edit Master title style</a:t>
             </a:r>
-            <a:endParaRPr lang="en-GB"/>
+            <a:endParaRPr lang="en-US" dirty="0"/>
           </a:p>
         </p:txBody>
       </p:sp>
@@ -2207,7 +4957,7 @@
         <p:nvSpPr>
           <p:cNvPr id="3" name="Picture Placeholder 2"/>
           <p:cNvSpPr>
-            <a:spLocks noGrp="1"/>
+            <a:spLocks noGrp="1" noChangeAspect="1"/>
           </p:cNvSpPr>
           <p:nvPr>
             <p:ph type="pic" idx="1"/>
@@ -2215,109 +4965,124 @@
         </p:nvSpPr>
         <p:spPr>
           <a:xfrm>
-            <a:off x="5183188" y="987425"/>
-            <a:ext cx="6172200" cy="4873625"/>
+            <a:off x="7442551" y="763702"/>
+            <a:ext cx="3275751" cy="4912822"/>
           </a:xfrm>
+          <a:effectLst>
+            <a:outerShdw blurRad="38100" dist="25400" dir="4440000">
+              <a:srgbClr val="000000">
+                <a:alpha val="36000"/>
+              </a:srgbClr>
+            </a:outerShdw>
+          </a:effectLst>
         </p:spPr>
         <p:txBody>
-          <a:bodyPr/>
+          <a:bodyPr anchor="t">
+            <a:normAutofit/>
+          </a:bodyPr>
           <a:lstStyle>
-            <a:lvl1pPr marL="0" indent="0">
-              <a:buNone/>
-              <a:defRPr sz="3200"/>
-            </a:lvl1pPr>
-            <a:lvl2pPr marL="457200" indent="0">
-              <a:buNone/>
-              <a:defRPr sz="2800"/>
-            </a:lvl2pPr>
-            <a:lvl3pPr marL="914400" indent="0">
-              <a:buNone/>
-              <a:defRPr sz="2400"/>
-            </a:lvl3pPr>
-            <a:lvl4pPr marL="1371600" indent="0">
-              <a:buNone/>
-              <a:defRPr sz="2000"/>
-            </a:lvl4pPr>
-            <a:lvl5pPr marL="1828800" indent="0">
-              <a:buNone/>
-              <a:defRPr sz="2000"/>
-            </a:lvl5pPr>
-            <a:lvl6pPr marL="2286000" indent="0">
-              <a:buNone/>
-              <a:defRPr sz="2000"/>
-            </a:lvl6pPr>
-            <a:lvl7pPr marL="2743200" indent="0">
-              <a:buNone/>
-              <a:defRPr sz="2000"/>
-            </a:lvl7pPr>
-            <a:lvl8pPr marL="3200400" indent="0">
-              <a:buNone/>
-              <a:defRPr sz="2000"/>
-            </a:lvl8pPr>
-            <a:lvl9pPr marL="3657600" indent="0">
-              <a:buNone/>
-              <a:defRPr sz="2000"/>
-            </a:lvl9pPr>
-          </a:lstStyle>
-          <a:p>
-            <a:endParaRPr lang="en-GB"/>
-          </a:p>
-        </p:txBody>
-      </p:sp>
-      <p:sp>
-        <p:nvSpPr>
-          <p:cNvPr id="4" name="Text Placeholder 3"/>
-          <p:cNvSpPr>
-            <a:spLocks noGrp="1"/>
-          </p:cNvSpPr>
-          <p:nvPr>
-            <p:ph type="body" sz="half" idx="2"/>
-          </p:nvPr>
-        </p:nvSpPr>
-        <p:spPr>
-          <a:xfrm>
-            <a:off x="839788" y="2057400"/>
-            <a:ext cx="3932237" cy="3811588"/>
-          </a:xfrm>
-        </p:spPr>
-        <p:txBody>
-          <a:bodyPr/>
-          <a:lstStyle>
-            <a:lvl1pPr marL="0" indent="0">
+            <a:lvl1pPr marL="0" indent="0" algn="ctr">
               <a:buNone/>
               <a:defRPr sz="1600"/>
             </a:lvl1pPr>
             <a:lvl2pPr marL="457200" indent="0">
               <a:buNone/>
-              <a:defRPr sz="1400"/>
+              <a:defRPr sz="1600"/>
             </a:lvl2pPr>
             <a:lvl3pPr marL="914400" indent="0">
               <a:buNone/>
-              <a:defRPr sz="1200"/>
+              <a:defRPr sz="1600"/>
             </a:lvl3pPr>
             <a:lvl4pPr marL="1371600" indent="0">
               <a:buNone/>
-              <a:defRPr sz="1000"/>
+              <a:defRPr sz="1600"/>
             </a:lvl4pPr>
             <a:lvl5pPr marL="1828800" indent="0">
               <a:buNone/>
-              <a:defRPr sz="1000"/>
+              <a:defRPr sz="1600"/>
             </a:lvl5pPr>
             <a:lvl6pPr marL="2286000" indent="0">
               <a:buNone/>
-              <a:defRPr sz="1000"/>
+              <a:defRPr sz="1600"/>
             </a:lvl6pPr>
             <a:lvl7pPr marL="2743200" indent="0">
               <a:buNone/>
-              <a:defRPr sz="1000"/>
+              <a:defRPr sz="1600"/>
             </a:lvl7pPr>
             <a:lvl8pPr marL="3200400" indent="0">
               <a:buNone/>
-              <a:defRPr sz="1000"/>
+              <a:defRPr sz="1600"/>
             </a:lvl8pPr>
             <a:lvl9pPr marL="3657600" indent="0">
               <a:buNone/>
+              <a:defRPr sz="1600"/>
+            </a:lvl9pPr>
+          </a:lstStyle>
+          <a:p>
+            <a:r>
+              <a:rPr lang="en-US"/>
+              <a:t>Click icon to add picture</a:t>
+            </a:r>
+            <a:endParaRPr lang="en-US" dirty="0"/>
+          </a:p>
+        </p:txBody>
+      </p:sp>
+      <p:sp>
+        <p:nvSpPr>
+          <p:cNvPr id="4" name="Text Placeholder 3"/>
+          <p:cNvSpPr>
+            <a:spLocks noGrp="1"/>
+          </p:cNvSpPr>
+          <p:nvPr>
+            <p:ph type="body" sz="half" idx="2"/>
+          </p:nvPr>
+        </p:nvSpPr>
+        <p:spPr>
+          <a:xfrm>
+            <a:off x="913795" y="2439261"/>
+            <a:ext cx="5934949" cy="3376134"/>
+          </a:xfrm>
+        </p:spPr>
+        <p:txBody>
+          <a:bodyPr anchor="t">
+            <a:normAutofit/>
+          </a:bodyPr>
+          <a:lstStyle>
+            <a:lvl1pPr marL="0" indent="0" algn="ctr">
+              <a:buNone/>
+              <a:defRPr sz="1600"/>
+            </a:lvl1pPr>
+            <a:lvl2pPr marL="457200" indent="0">
+              <a:buNone/>
+              <a:defRPr sz="1200"/>
+            </a:lvl2pPr>
+            <a:lvl3pPr marL="914400" indent="0">
+              <a:buNone/>
               <a:defRPr sz="1000"/>
+            </a:lvl3pPr>
+            <a:lvl4pPr marL="1371600" indent="0">
+              <a:buNone/>
+              <a:defRPr sz="900"/>
+            </a:lvl4pPr>
+            <a:lvl5pPr marL="1828800" indent="0">
+              <a:buNone/>
+              <a:defRPr sz="900"/>
+            </a:lvl5pPr>
+            <a:lvl6pPr marL="2286000" indent="0">
+              <a:buNone/>
+              <a:defRPr sz="900"/>
+            </a:lvl6pPr>
+            <a:lvl7pPr marL="2743200" indent="0">
+              <a:buNone/>
+              <a:defRPr sz="900"/>
+            </a:lvl7pPr>
+            <a:lvl8pPr marL="3200400" indent="0">
+              <a:buNone/>
+              <a:defRPr sz="900"/>
+            </a:lvl8pPr>
+            <a:lvl9pPr marL="3657600" indent="0">
+              <a:buNone/>
+              <a:defRPr sz="900"/>
             </a:lvl9pPr>
           </a:lstStyle>
           <a:p>
@@ -2397,7 +5162,7 @@
     </p:spTree>
     <p:extLst>
       <p:ext uri="{BB962C8B-B14F-4D97-AF65-F5344CB8AC3E}">
-        <p14:creationId xmlns:p14="http://schemas.microsoft.com/office/powerpoint/2010/main" val="1243776675"/>
+        <p14:creationId xmlns:p14="http://schemas.microsoft.com/office/powerpoint/2010/main" val="867332020"/>
       </p:ext>
     </p:extLst>
   </p:cSld>
@@ -2411,8 +5176,8 @@
 <p:sldMaster xmlns:a="http://schemas.openxmlformats.org/drawingml/2006/main" xmlns:r="http://schemas.openxmlformats.org/officeDocument/2006/relationships" xmlns:p="http://schemas.openxmlformats.org/presentationml/2006/main">
   <p:cSld>
     <p:bg>
-      <p:bgRef idx="1001">
-        <a:schemeClr val="bg1"/>
+      <p:bgRef idx="1003">
+        <a:schemeClr val="bg2"/>
       </p:bgRef>
     </p:bg>
     <p:spTree>
@@ -2441,12 +5206,19 @@
         </p:nvSpPr>
         <p:spPr>
           <a:xfrm>
-            <a:off x="838200" y="365125"/>
-            <a:ext cx="10515600" cy="1325563"/>
+            <a:off x="913795" y="609600"/>
+            <a:ext cx="10353762" cy="970450"/>
           </a:xfrm>
           <a:prstGeom prst="rect">
             <a:avLst/>
           </a:prstGeom>
+          <a:effectLst>
+            <a:outerShdw blurRad="25400" dir="17880000">
+              <a:srgbClr val="000000">
+                <a:alpha val="46000"/>
+              </a:srgbClr>
+            </a:outerShdw>
+          </a:effectLst>
         </p:spPr>
         <p:txBody>
           <a:bodyPr vert="horz" lIns="91440" tIns="45720" rIns="91440" bIns="45720" rtlCol="0" anchor="ctr">
@@ -2458,7 +5230,7 @@
               <a:rPr lang="en-US"/>
               <a:t>Click to edit Master title style</a:t>
             </a:r>
-            <a:endParaRPr lang="en-GB"/>
+            <a:endParaRPr lang="en-US" dirty="0"/>
           </a:p>
         </p:txBody>
       </p:sp>
@@ -2474,15 +5246,22 @@
         </p:nvSpPr>
         <p:spPr>
           <a:xfrm>
-            <a:off x="838200" y="1825625"/>
-            <a:ext cx="10515600" cy="4351338"/>
+            <a:off x="913795" y="1732449"/>
+            <a:ext cx="10353762" cy="4058751"/>
           </a:xfrm>
           <a:prstGeom prst="rect">
             <a:avLst/>
           </a:prstGeom>
+          <a:effectLst>
+            <a:outerShdw blurRad="25400" dir="17880000">
+              <a:srgbClr val="000000">
+                <a:alpha val="46000"/>
+              </a:srgbClr>
+            </a:outerShdw>
+          </a:effectLst>
         </p:spPr>
         <p:txBody>
-          <a:bodyPr vert="horz" lIns="91440" tIns="45720" rIns="91440" bIns="45720" rtlCol="0">
+          <a:bodyPr vert="horz" lIns="91440" tIns="45720" rIns="91440" bIns="45720" rtlCol="0" anchor="t">
             <a:normAutofit/>
           </a:bodyPr>
           <a:lstStyle/>
@@ -2520,7 +5299,7 @@
               <a:rPr lang="en-US"/>
               <a:t>Fifth level</a:t>
             </a:r>
-            <a:endParaRPr lang="en-GB"/>
+            <a:endParaRPr lang="en-US" dirty="0"/>
           </a:p>
         </p:txBody>
       </p:sp>
@@ -2536,7 +5315,7 @@
         </p:nvSpPr>
         <p:spPr>
           <a:xfrm>
-            <a:off x="838200" y="6356350"/>
+            <a:off x="7678736" y="5883275"/>
             <a:ext cx="2743200" cy="365125"/>
           </a:xfrm>
           <a:prstGeom prst="rect">
@@ -2546,13 +5325,20 @@
         <p:txBody>
           <a:bodyPr vert="horz" lIns="91440" tIns="45720" rIns="91440" bIns="45720" rtlCol="0" anchor="ctr"/>
           <a:lstStyle>
-            <a:lvl1pPr algn="l">
-              <a:defRPr sz="1200">
+            <a:lvl1pPr algn="r">
+              <a:defRPr sz="1000">
                 <a:solidFill>
                   <a:schemeClr val="tx1">
-                    <a:tint val="75000"/>
+                    <a:lumMod val="95000"/>
                   </a:schemeClr>
                 </a:solidFill>
+                <a:effectLst>
+                  <a:outerShdw blurRad="50800" dist="38100" dir="2700000" algn="tl" rotWithShape="0">
+                    <a:schemeClr val="bg1">
+                      <a:alpha val="43000"/>
+                    </a:schemeClr>
+                  </a:outerShdw>
+                </a:effectLst>
               </a:defRPr>
             </a:lvl1pPr>
           </a:lstStyle>
@@ -2577,8 +5363,8 @@
         </p:nvSpPr>
         <p:spPr>
           <a:xfrm>
-            <a:off x="4038600" y="6356350"/>
-            <a:ext cx="4114800" cy="365125"/>
+            <a:off x="913795" y="5883275"/>
+            <a:ext cx="6672865" cy="365125"/>
           </a:xfrm>
           <a:prstGeom prst="rect">
             <a:avLst/>
@@ -2587,13 +5373,20 @@
         <p:txBody>
           <a:bodyPr vert="horz" lIns="91440" tIns="45720" rIns="91440" bIns="45720" rtlCol="0" anchor="ctr"/>
           <a:lstStyle>
-            <a:lvl1pPr algn="ctr">
-              <a:defRPr sz="1200">
+            <a:lvl1pPr algn="l">
+              <a:defRPr sz="1000">
                 <a:solidFill>
                   <a:schemeClr val="tx1">
-                    <a:tint val="75000"/>
+                    <a:lumMod val="95000"/>
                   </a:schemeClr>
                 </a:solidFill>
+                <a:effectLst>
+                  <a:outerShdw blurRad="50800" dist="38100" dir="2700000" algn="tl" rotWithShape="0">
+                    <a:schemeClr val="bg1">
+                      <a:alpha val="43000"/>
+                    </a:schemeClr>
+                  </a:outerShdw>
+                </a:effectLst>
               </a:defRPr>
             </a:lvl1pPr>
           </a:lstStyle>
@@ -2614,8 +5407,8 @@
         </p:nvSpPr>
         <p:spPr>
           <a:xfrm>
-            <a:off x="8610600" y="6356350"/>
-            <a:ext cx="2743200" cy="365125"/>
+            <a:off x="10514011" y="5883275"/>
+            <a:ext cx="753545" cy="365125"/>
           </a:xfrm>
           <a:prstGeom prst="rect">
             <a:avLst/>
@@ -2625,12 +5418,19 @@
           <a:bodyPr vert="horz" lIns="91440" tIns="45720" rIns="91440" bIns="45720" rtlCol="0" anchor="ctr"/>
           <a:lstStyle>
             <a:lvl1pPr algn="r">
-              <a:defRPr sz="1200">
+              <a:defRPr sz="1000">
                 <a:solidFill>
                   <a:schemeClr val="tx1">
-                    <a:tint val="75000"/>
+                    <a:lumMod val="95000"/>
                   </a:schemeClr>
                 </a:solidFill>
+                <a:effectLst>
+                  <a:outerShdw blurRad="50800" dist="38100" dir="2700000" algn="tl" rotWithShape="0">
+                    <a:schemeClr val="bg1">
+                      <a:alpha val="43000"/>
+                    </a:schemeClr>
+                  </a:outerShdw>
+                </a:effectLst>
               </a:defRPr>
             </a:lvl1pPr>
           </a:lstStyle>
@@ -2646,202 +5446,457 @@
     </p:spTree>
     <p:extLst>
       <p:ext uri="{BB962C8B-B14F-4D97-AF65-F5344CB8AC3E}">
-        <p14:creationId xmlns:p14="http://schemas.microsoft.com/office/powerpoint/2010/main" val="817519224"/>
+        <p14:creationId xmlns:p14="http://schemas.microsoft.com/office/powerpoint/2010/main" val="693701766"/>
       </p:ext>
     </p:extLst>
   </p:cSld>
-  <p:clrMap bg1="lt1" tx1="dk1" bg2="lt2" tx2="dk2" accent1="accent1" accent2="accent2" accent3="accent3" accent4="accent4" accent5="accent5" accent6="accent6" hlink="hlink" folHlink="folHlink"/>
+  <p:clrMap bg1="dk1" tx1="lt1" bg2="dk2" tx2="lt2" accent1="accent1" accent2="accent2" accent3="accent3" accent4="accent4" accent5="accent5" accent6="accent6" hlink="hlink" folHlink="folHlink"/>
   <p:sldLayoutIdLst>
-    <p:sldLayoutId id="2147483649" r:id="rId1"/>
-    <p:sldLayoutId id="2147483650" r:id="rId2"/>
-    <p:sldLayoutId id="2147483651" r:id="rId3"/>
-    <p:sldLayoutId id="2147483652" r:id="rId4"/>
-    <p:sldLayoutId id="2147483653" r:id="rId5"/>
-    <p:sldLayoutId id="2147483654" r:id="rId6"/>
-    <p:sldLayoutId id="2147483655" r:id="rId7"/>
-    <p:sldLayoutId id="2147483656" r:id="rId8"/>
-    <p:sldLayoutId id="2147483657" r:id="rId9"/>
-    <p:sldLayoutId id="2147483658" r:id="rId10"/>
-    <p:sldLayoutId id="2147483659" r:id="rId11"/>
+    <p:sldLayoutId id="2147483661" r:id="rId1"/>
+    <p:sldLayoutId id="2147483662" r:id="rId2"/>
+    <p:sldLayoutId id="2147483663" r:id="rId3"/>
+    <p:sldLayoutId id="2147483664" r:id="rId4"/>
+    <p:sldLayoutId id="2147483665" r:id="rId5"/>
+    <p:sldLayoutId id="2147483666" r:id="rId6"/>
+    <p:sldLayoutId id="2147483667" r:id="rId7"/>
+    <p:sldLayoutId id="2147483668" r:id="rId8"/>
+    <p:sldLayoutId id="2147483669" r:id="rId9"/>
+    <p:sldLayoutId id="2147483670" r:id="rId10"/>
+    <p:sldLayoutId id="2147483671" r:id="rId11"/>
+    <p:sldLayoutId id="2147483672" r:id="rId12"/>
+    <p:sldLayoutId id="2147483673" r:id="rId13"/>
+    <p:sldLayoutId id="2147483674" r:id="rId14"/>
+    <p:sldLayoutId id="2147483675" r:id="rId15"/>
+    <p:sldLayoutId id="2147483676" r:id="rId16"/>
+    <p:sldLayoutId id="2147483677" r:id="rId17"/>
   </p:sldLayoutIdLst>
   <p:txStyles>
     <p:titleStyle>
-      <a:lvl1pPr algn="l" defTabSz="914400" rtl="0" eaLnBrk="1" latinLnBrk="0" hangingPunct="1">
-        <a:lnSpc>
-          <a:spcPct val="90000"/>
-        </a:lnSpc>
+      <a:lvl1pPr algn="ctr" defTabSz="457200" rtl="0" eaLnBrk="1" latinLnBrk="0" hangingPunct="1">
         <a:spcBef>
           <a:spcPct val="0"/>
         </a:spcBef>
         <a:buNone/>
-        <a:defRPr sz="4400" kern="1200">
+        <a:defRPr sz="4000" kern="1200">
+          <a:ln>
+            <a:solidFill>
+              <a:schemeClr val="bg1">
+                <a:lumMod val="75000"/>
+                <a:lumOff val="25000"/>
+                <a:alpha val="10000"/>
+              </a:schemeClr>
+            </a:solidFill>
+          </a:ln>
           <a:solidFill>
-            <a:schemeClr val="tx1"/>
+            <a:schemeClr val="tx2"/>
           </a:solidFill>
+          <a:effectLst>
+            <a:outerShdw blurRad="9525" dist="25400" dir="14640000" algn="tl" rotWithShape="0">
+              <a:schemeClr val="bg1">
+                <a:alpha val="30000"/>
+              </a:schemeClr>
+            </a:outerShdw>
+          </a:effectLst>
           <a:latin typeface="+mj-lt"/>
           <a:ea typeface="+mj-ea"/>
-          <a:cs typeface="+mj-cs"/>
+          <a:cs typeface="Trebuchet MS"/>
         </a:defRPr>
       </a:lvl1pPr>
+      <a:lvl2pPr eaLnBrk="1" hangingPunct="1">
+        <a:defRPr>
+          <a:solidFill>
+            <a:schemeClr val="tx2"/>
+          </a:solidFill>
+        </a:defRPr>
+      </a:lvl2pPr>
+      <a:lvl3pPr eaLnBrk="1" hangingPunct="1">
+        <a:defRPr>
+          <a:solidFill>
+            <a:schemeClr val="tx2"/>
+          </a:solidFill>
+        </a:defRPr>
+      </a:lvl3pPr>
+      <a:lvl4pPr eaLnBrk="1" hangingPunct="1">
+        <a:defRPr>
+          <a:solidFill>
+            <a:schemeClr val="tx2"/>
+          </a:solidFill>
+        </a:defRPr>
+      </a:lvl4pPr>
+      <a:lvl5pPr eaLnBrk="1" hangingPunct="1">
+        <a:defRPr>
+          <a:solidFill>
+            <a:schemeClr val="tx2"/>
+          </a:solidFill>
+        </a:defRPr>
+      </a:lvl5pPr>
+      <a:lvl6pPr eaLnBrk="1" hangingPunct="1">
+        <a:defRPr>
+          <a:solidFill>
+            <a:schemeClr val="tx2"/>
+          </a:solidFill>
+        </a:defRPr>
+      </a:lvl6pPr>
+      <a:lvl7pPr eaLnBrk="1" hangingPunct="1">
+        <a:defRPr>
+          <a:solidFill>
+            <a:schemeClr val="tx2"/>
+          </a:solidFill>
+        </a:defRPr>
+      </a:lvl7pPr>
+      <a:lvl8pPr eaLnBrk="1" hangingPunct="1">
+        <a:defRPr>
+          <a:solidFill>
+            <a:schemeClr val="tx2"/>
+          </a:solidFill>
+        </a:defRPr>
+      </a:lvl8pPr>
+      <a:lvl9pPr eaLnBrk="1" hangingPunct="1">
+        <a:defRPr>
+          <a:solidFill>
+            <a:schemeClr val="tx2"/>
+          </a:solidFill>
+        </a:defRPr>
+      </a:lvl9pPr>
     </p:titleStyle>
     <p:bodyStyle>
-      <a:lvl1pPr marL="228600" indent="-228600" algn="l" defTabSz="914400" rtl="0" eaLnBrk="1" latinLnBrk="0" hangingPunct="1">
-        <a:lnSpc>
-          <a:spcPct val="90000"/>
-        </a:lnSpc>
+      <a:lvl1pPr marL="342900" indent="-306000" algn="l" defTabSz="457200" rtl="0" eaLnBrk="1" latinLnBrk="0" hangingPunct="1">
         <a:spcBef>
-          <a:spcPts val="1000"/>
+          <a:spcPct val="20000"/>
         </a:spcBef>
-        <a:buFont typeface="Arial" panose="020B0604020202020204" pitchFamily="34" charset="0"/>
-        <a:buChar char="•"/>
-        <a:defRPr sz="2800" kern="1200">
+        <a:spcAft>
+          <a:spcPts val="600"/>
+        </a:spcAft>
+        <a:buClr>
+          <a:schemeClr val="tx2"/>
+        </a:buClr>
+        <a:buSzPct val="70000"/>
+        <a:buFont typeface="Wingdings 2" charset="2"/>
+        <a:buChar char=""/>
+        <a:defRPr sz="2000" kern="1200">
+          <a:ln>
+            <a:solidFill>
+              <a:schemeClr val="bg1">
+                <a:lumMod val="75000"/>
+                <a:lumOff val="25000"/>
+                <a:alpha val="10000"/>
+              </a:schemeClr>
+            </a:solidFill>
+          </a:ln>
           <a:solidFill>
-            <a:schemeClr val="tx1"/>
+            <a:schemeClr val="tx2"/>
           </a:solidFill>
+          <a:effectLst>
+            <a:outerShdw blurRad="9525" dist="25400" dir="14640000" algn="tl" rotWithShape="0">
+              <a:schemeClr val="bg1">
+                <a:alpha val="30000"/>
+              </a:schemeClr>
+            </a:outerShdw>
+          </a:effectLst>
           <a:latin typeface="+mn-lt"/>
           <a:ea typeface="+mn-ea"/>
           <a:cs typeface="+mn-cs"/>
         </a:defRPr>
       </a:lvl1pPr>
-      <a:lvl2pPr marL="685800" indent="-228600" algn="l" defTabSz="914400" rtl="0" eaLnBrk="1" latinLnBrk="0" hangingPunct="1">
-        <a:lnSpc>
-          <a:spcPct val="90000"/>
-        </a:lnSpc>
+      <a:lvl2pPr marL="720000" indent="-270000" algn="l" defTabSz="457200" rtl="0" eaLnBrk="1" latinLnBrk="0" hangingPunct="1">
         <a:spcBef>
-          <a:spcPts val="500"/>
+          <a:spcPct val="20000"/>
         </a:spcBef>
-        <a:buFont typeface="Arial" panose="020B0604020202020204" pitchFamily="34" charset="0"/>
-        <a:buChar char="•"/>
-        <a:defRPr sz="2400" kern="1200">
+        <a:spcAft>
+          <a:spcPts val="600"/>
+        </a:spcAft>
+        <a:buClr>
+          <a:schemeClr val="tx2"/>
+        </a:buClr>
+        <a:buSzPct val="70000"/>
+        <a:buFont typeface="Wingdings 2" charset="2"/>
+        <a:buChar char=""/>
+        <a:defRPr sz="1800" kern="1200">
+          <a:ln>
+            <a:solidFill>
+              <a:schemeClr val="bg1">
+                <a:lumMod val="75000"/>
+                <a:lumOff val="25000"/>
+                <a:alpha val="10000"/>
+              </a:schemeClr>
+            </a:solidFill>
+          </a:ln>
           <a:solidFill>
-            <a:schemeClr val="tx1"/>
+            <a:schemeClr val="tx2"/>
           </a:solidFill>
+          <a:effectLst>
+            <a:outerShdw blurRad="9525" dist="25400" dir="14640000" algn="tl" rotWithShape="0">
+              <a:schemeClr val="bg1">
+                <a:alpha val="30000"/>
+              </a:schemeClr>
+            </a:outerShdw>
+          </a:effectLst>
           <a:latin typeface="+mn-lt"/>
           <a:ea typeface="+mn-ea"/>
           <a:cs typeface="+mn-cs"/>
         </a:defRPr>
       </a:lvl2pPr>
-      <a:lvl3pPr marL="1143000" indent="-228600" algn="l" defTabSz="914400" rtl="0" eaLnBrk="1" latinLnBrk="0" hangingPunct="1">
-        <a:lnSpc>
-          <a:spcPct val="90000"/>
-        </a:lnSpc>
+      <a:lvl3pPr marL="1026000" indent="-216000" algn="l" defTabSz="457200" rtl="0" eaLnBrk="1" latinLnBrk="0" hangingPunct="1">
         <a:spcBef>
-          <a:spcPts val="500"/>
+          <a:spcPct val="20000"/>
         </a:spcBef>
-        <a:buFont typeface="Arial" panose="020B0604020202020204" pitchFamily="34" charset="0"/>
-        <a:buChar char="•"/>
-        <a:defRPr sz="2000" kern="1200">
+        <a:spcAft>
+          <a:spcPts val="600"/>
+        </a:spcAft>
+        <a:buClr>
+          <a:schemeClr val="tx2"/>
+        </a:buClr>
+        <a:buSzPct val="70000"/>
+        <a:buFont typeface="Wingdings 2" charset="2"/>
+        <a:buChar char=""/>
+        <a:defRPr sz="1600" kern="1200">
+          <a:ln>
+            <a:solidFill>
+              <a:schemeClr val="bg1">
+                <a:lumMod val="75000"/>
+                <a:lumOff val="25000"/>
+                <a:alpha val="10000"/>
+              </a:schemeClr>
+            </a:solidFill>
+          </a:ln>
           <a:solidFill>
-            <a:schemeClr val="tx1"/>
+            <a:schemeClr val="tx2"/>
           </a:solidFill>
+          <a:effectLst>
+            <a:outerShdw blurRad="9525" dist="25400" dir="14640000" algn="tl" rotWithShape="0">
+              <a:schemeClr val="bg1">
+                <a:alpha val="30000"/>
+              </a:schemeClr>
+            </a:outerShdw>
+          </a:effectLst>
           <a:latin typeface="+mn-lt"/>
           <a:ea typeface="+mn-ea"/>
           <a:cs typeface="+mn-cs"/>
         </a:defRPr>
       </a:lvl3pPr>
-      <a:lvl4pPr marL="1600200" indent="-228600" algn="l" defTabSz="914400" rtl="0" eaLnBrk="1" latinLnBrk="0" hangingPunct="1">
-        <a:lnSpc>
-          <a:spcPct val="90000"/>
-        </a:lnSpc>
+      <a:lvl4pPr marL="1386000" indent="-216000" algn="l" defTabSz="457200" rtl="0" eaLnBrk="1" latinLnBrk="0" hangingPunct="1">
         <a:spcBef>
-          <a:spcPts val="500"/>
+          <a:spcPct val="20000"/>
         </a:spcBef>
-        <a:buFont typeface="Arial" panose="020B0604020202020204" pitchFamily="34" charset="0"/>
-        <a:buChar char="•"/>
-        <a:defRPr sz="1800" kern="1200">
+        <a:spcAft>
+          <a:spcPts val="600"/>
+        </a:spcAft>
+        <a:buClr>
+          <a:schemeClr val="tx2"/>
+        </a:buClr>
+        <a:buSzPct val="70000"/>
+        <a:buFont typeface="Wingdings 2" charset="2"/>
+        <a:buChar char=""/>
+        <a:defRPr sz="1400" kern="1200">
+          <a:ln>
+            <a:solidFill>
+              <a:schemeClr val="bg1">
+                <a:lumMod val="75000"/>
+                <a:lumOff val="25000"/>
+                <a:alpha val="10000"/>
+              </a:schemeClr>
+            </a:solidFill>
+          </a:ln>
           <a:solidFill>
-            <a:schemeClr val="tx1"/>
+            <a:schemeClr val="tx2"/>
           </a:solidFill>
+          <a:effectLst>
+            <a:outerShdw blurRad="9525" dist="25400" dir="14640000" algn="tl" rotWithShape="0">
+              <a:schemeClr val="bg1">
+                <a:alpha val="30000"/>
+              </a:schemeClr>
+            </a:outerShdw>
+          </a:effectLst>
           <a:latin typeface="+mn-lt"/>
           <a:ea typeface="+mn-ea"/>
           <a:cs typeface="+mn-cs"/>
         </a:defRPr>
       </a:lvl4pPr>
-      <a:lvl5pPr marL="2057400" indent="-228600" algn="l" defTabSz="914400" rtl="0" eaLnBrk="1" latinLnBrk="0" hangingPunct="1">
-        <a:lnSpc>
-          <a:spcPct val="90000"/>
-        </a:lnSpc>
+      <a:lvl5pPr marL="1674000" indent="-216000" algn="l" defTabSz="457200" rtl="0" eaLnBrk="1" latinLnBrk="0" hangingPunct="1">
         <a:spcBef>
-          <a:spcPts val="500"/>
+          <a:spcPct val="20000"/>
         </a:spcBef>
-        <a:buFont typeface="Arial" panose="020B0604020202020204" pitchFamily="34" charset="0"/>
-        <a:buChar char="•"/>
-        <a:defRPr sz="1800" kern="1200">
+        <a:spcAft>
+          <a:spcPts val="600"/>
+        </a:spcAft>
+        <a:buClr>
+          <a:schemeClr val="tx2"/>
+        </a:buClr>
+        <a:buSzPct val="70000"/>
+        <a:buFont typeface="Wingdings 2" charset="2"/>
+        <a:buChar char=""/>
+        <a:defRPr sz="1400" kern="1200">
+          <a:ln>
+            <a:solidFill>
+              <a:schemeClr val="bg1">
+                <a:lumMod val="75000"/>
+                <a:lumOff val="25000"/>
+                <a:alpha val="10000"/>
+              </a:schemeClr>
+            </a:solidFill>
+          </a:ln>
           <a:solidFill>
-            <a:schemeClr val="tx1"/>
+            <a:schemeClr val="tx2"/>
           </a:solidFill>
+          <a:effectLst>
+            <a:outerShdw blurRad="9525" dist="25400" dir="14640000" algn="tl" rotWithShape="0">
+              <a:schemeClr val="bg1">
+                <a:alpha val="30000"/>
+              </a:schemeClr>
+            </a:outerShdw>
+          </a:effectLst>
           <a:latin typeface="+mn-lt"/>
           <a:ea typeface="+mn-ea"/>
           <a:cs typeface="+mn-cs"/>
         </a:defRPr>
       </a:lvl5pPr>
-      <a:lvl6pPr marL="2514600" indent="-228600" algn="l" defTabSz="914400" rtl="0" eaLnBrk="1" latinLnBrk="0" hangingPunct="1">
-        <a:lnSpc>
-          <a:spcPct val="90000"/>
-        </a:lnSpc>
+      <a:lvl6pPr marL="2014600" indent="-228600" algn="l" defTabSz="457200" rtl="0" eaLnBrk="1" latinLnBrk="0" hangingPunct="1">
         <a:spcBef>
-          <a:spcPts val="500"/>
+          <a:spcPct val="20000"/>
         </a:spcBef>
-        <a:buFont typeface="Arial" panose="020B0604020202020204" pitchFamily="34" charset="0"/>
-        <a:buChar char="•"/>
-        <a:defRPr sz="1800" kern="1200">
+        <a:spcAft>
+          <a:spcPts val="600"/>
+        </a:spcAft>
+        <a:buClr>
+          <a:schemeClr val="tx2"/>
+        </a:buClr>
+        <a:buSzPct val="70000"/>
+        <a:buFont typeface="Wingdings 2" charset="2"/>
+        <a:buChar char=""/>
+        <a:defRPr sz="1400" kern="1200">
+          <a:ln>
+            <a:solidFill>
+              <a:schemeClr val="bg1">
+                <a:lumMod val="75000"/>
+                <a:lumOff val="25000"/>
+                <a:alpha val="10000"/>
+              </a:schemeClr>
+            </a:solidFill>
+          </a:ln>
           <a:solidFill>
-            <a:schemeClr val="tx1"/>
+            <a:schemeClr val="tx2"/>
           </a:solidFill>
+          <a:effectLst>
+            <a:outerShdw blurRad="9525" dist="25400" dir="14640000" algn="tl" rotWithShape="0">
+              <a:schemeClr val="bg1">
+                <a:alpha val="30000"/>
+              </a:schemeClr>
+            </a:outerShdw>
+          </a:effectLst>
           <a:latin typeface="+mn-lt"/>
           <a:ea typeface="+mn-ea"/>
           <a:cs typeface="+mn-cs"/>
         </a:defRPr>
       </a:lvl6pPr>
-      <a:lvl7pPr marL="2971800" indent="-228600" algn="l" defTabSz="914400" rtl="0" eaLnBrk="1" latinLnBrk="0" hangingPunct="1">
-        <a:lnSpc>
-          <a:spcPct val="90000"/>
-        </a:lnSpc>
+      <a:lvl7pPr marL="2401800" indent="-228600" algn="l" defTabSz="457200" rtl="0" eaLnBrk="1" latinLnBrk="0" hangingPunct="1">
         <a:spcBef>
-          <a:spcPts val="500"/>
+          <a:spcPct val="20000"/>
         </a:spcBef>
-        <a:buFont typeface="Arial" panose="020B0604020202020204" pitchFamily="34" charset="0"/>
-        <a:buChar char="•"/>
-        <a:defRPr sz="1800" kern="1200">
+        <a:spcAft>
+          <a:spcPts val="600"/>
+        </a:spcAft>
+        <a:buClr>
+          <a:schemeClr val="tx2"/>
+        </a:buClr>
+        <a:buSzPct val="70000"/>
+        <a:buFont typeface="Wingdings 2" charset="2"/>
+        <a:buChar char=""/>
+        <a:defRPr sz="1400" kern="1200">
+          <a:ln>
+            <a:solidFill>
+              <a:schemeClr val="bg1">
+                <a:lumMod val="75000"/>
+                <a:lumOff val="25000"/>
+                <a:alpha val="10000"/>
+              </a:schemeClr>
+            </a:solidFill>
+          </a:ln>
           <a:solidFill>
-            <a:schemeClr val="tx1"/>
+            <a:schemeClr val="tx2"/>
           </a:solidFill>
+          <a:effectLst>
+            <a:outerShdw blurRad="9525" dist="25400" dir="14640000" algn="tl" rotWithShape="0">
+              <a:schemeClr val="bg1">
+                <a:alpha val="30000"/>
+              </a:schemeClr>
+            </a:outerShdw>
+          </a:effectLst>
           <a:latin typeface="+mn-lt"/>
           <a:ea typeface="+mn-ea"/>
           <a:cs typeface="+mn-cs"/>
         </a:defRPr>
       </a:lvl7pPr>
-      <a:lvl8pPr marL="3429000" indent="-228600" algn="l" defTabSz="914400" rtl="0" eaLnBrk="1" latinLnBrk="0" hangingPunct="1">
-        <a:lnSpc>
-          <a:spcPct val="90000"/>
-        </a:lnSpc>
+      <a:lvl8pPr marL="2789000" indent="-228600" algn="l" defTabSz="457200" rtl="0" eaLnBrk="1" latinLnBrk="0" hangingPunct="1">
         <a:spcBef>
-          <a:spcPts val="500"/>
+          <a:spcPct val="20000"/>
         </a:spcBef>
-        <a:buFont typeface="Arial" panose="020B0604020202020204" pitchFamily="34" charset="0"/>
-        <a:buChar char="•"/>
-        <a:defRPr sz="1800" kern="1200">
+        <a:spcAft>
+          <a:spcPts val="600"/>
+        </a:spcAft>
+        <a:buClr>
+          <a:schemeClr val="tx2"/>
+        </a:buClr>
+        <a:buSzPct val="70000"/>
+        <a:buFont typeface="Wingdings 2" charset="2"/>
+        <a:buChar char=""/>
+        <a:defRPr sz="1400" kern="1200">
+          <a:ln>
+            <a:solidFill>
+              <a:schemeClr val="bg1">
+                <a:lumMod val="75000"/>
+                <a:lumOff val="25000"/>
+                <a:alpha val="10000"/>
+              </a:schemeClr>
+            </a:solidFill>
+          </a:ln>
           <a:solidFill>
-            <a:schemeClr val="tx1"/>
+            <a:schemeClr val="tx2"/>
           </a:solidFill>
+          <a:effectLst>
+            <a:outerShdw blurRad="9525" dist="25400" dir="14640000" algn="tl" rotWithShape="0">
+              <a:schemeClr val="bg1">
+                <a:alpha val="30000"/>
+              </a:schemeClr>
+            </a:outerShdw>
+          </a:effectLst>
           <a:latin typeface="+mn-lt"/>
           <a:ea typeface="+mn-ea"/>
           <a:cs typeface="+mn-cs"/>
         </a:defRPr>
       </a:lvl8pPr>
-      <a:lvl9pPr marL="3886200" indent="-228600" algn="l" defTabSz="914400" rtl="0" eaLnBrk="1" latinLnBrk="0" hangingPunct="1">
-        <a:lnSpc>
-          <a:spcPct val="90000"/>
-        </a:lnSpc>
+      <a:lvl9pPr marL="3106200" indent="-228600" algn="l" defTabSz="457200" rtl="0" eaLnBrk="1" latinLnBrk="0" hangingPunct="1">
         <a:spcBef>
-          <a:spcPts val="500"/>
+          <a:spcPct val="20000"/>
         </a:spcBef>
-        <a:buFont typeface="Arial" panose="020B0604020202020204" pitchFamily="34" charset="0"/>
-        <a:buChar char="•"/>
-        <a:defRPr sz="1800" kern="1200">
+        <a:spcAft>
+          <a:spcPts val="600"/>
+        </a:spcAft>
+        <a:buClr>
+          <a:schemeClr val="tx2"/>
+        </a:buClr>
+        <a:buSzPct val="70000"/>
+        <a:buFont typeface="Wingdings 2" charset="2"/>
+        <a:buChar char=""/>
+        <a:defRPr sz="1400" kern="1200">
+          <a:ln>
+            <a:solidFill>
+              <a:schemeClr val="bg1">
+                <a:lumMod val="75000"/>
+                <a:lumOff val="25000"/>
+                <a:alpha val="10000"/>
+              </a:schemeClr>
+            </a:solidFill>
+          </a:ln>
           <a:solidFill>
-            <a:schemeClr val="tx1"/>
+            <a:schemeClr val="tx2"/>
           </a:solidFill>
+          <a:effectLst>
+            <a:outerShdw blurRad="9525" dist="25400" dir="14640000" algn="tl" rotWithShape="0">
+              <a:schemeClr val="bg1">
+                <a:alpha val="30000"/>
+              </a:schemeClr>
+            </a:outerShdw>
+          </a:effectLst>
           <a:latin typeface="+mn-lt"/>
           <a:ea typeface="+mn-ea"/>
           <a:cs typeface="+mn-cs"/>
@@ -2852,7 +5907,7 @@
       <a:defPPr>
         <a:defRPr lang="en-US"/>
       </a:defPPr>
-      <a:lvl1pPr marL="0" algn="l" defTabSz="914400" rtl="0" eaLnBrk="1" latinLnBrk="0" hangingPunct="1">
+      <a:lvl1pPr marL="0" algn="l" defTabSz="457200" rtl="0" eaLnBrk="1" latinLnBrk="0" hangingPunct="1">
         <a:defRPr sz="1800" kern="1200">
           <a:solidFill>
             <a:schemeClr val="tx1"/>
@@ -2862,7 +5917,7 @@
           <a:cs typeface="+mn-cs"/>
         </a:defRPr>
       </a:lvl1pPr>
-      <a:lvl2pPr marL="457200" algn="l" defTabSz="914400" rtl="0" eaLnBrk="1" latinLnBrk="0" hangingPunct="1">
+      <a:lvl2pPr marL="457200" algn="l" defTabSz="457200" rtl="0" eaLnBrk="1" latinLnBrk="0" hangingPunct="1">
         <a:defRPr sz="1800" kern="1200">
           <a:solidFill>
             <a:schemeClr val="tx1"/>
@@ -2872,7 +5927,7 @@
           <a:cs typeface="+mn-cs"/>
         </a:defRPr>
       </a:lvl2pPr>
-      <a:lvl3pPr marL="914400" algn="l" defTabSz="914400" rtl="0" eaLnBrk="1" latinLnBrk="0" hangingPunct="1">
+      <a:lvl3pPr marL="914400" algn="l" defTabSz="457200" rtl="0" eaLnBrk="1" latinLnBrk="0" hangingPunct="1">
         <a:defRPr sz="1800" kern="1200">
           <a:solidFill>
             <a:schemeClr val="tx1"/>
@@ -2882,7 +5937,7 @@
           <a:cs typeface="+mn-cs"/>
         </a:defRPr>
       </a:lvl3pPr>
-      <a:lvl4pPr marL="1371600" algn="l" defTabSz="914400" rtl="0" eaLnBrk="1" latinLnBrk="0" hangingPunct="1">
+      <a:lvl4pPr marL="1371600" algn="l" defTabSz="457200" rtl="0" eaLnBrk="1" latinLnBrk="0" hangingPunct="1">
         <a:defRPr sz="1800" kern="1200">
           <a:solidFill>
             <a:schemeClr val="tx1"/>
@@ -2892,7 +5947,7 @@
           <a:cs typeface="+mn-cs"/>
         </a:defRPr>
       </a:lvl4pPr>
-      <a:lvl5pPr marL="1828800" algn="l" defTabSz="914400" rtl="0" eaLnBrk="1" latinLnBrk="0" hangingPunct="1">
+      <a:lvl5pPr marL="1828800" algn="l" defTabSz="457200" rtl="0" eaLnBrk="1" latinLnBrk="0" hangingPunct="1">
         <a:defRPr sz="1800" kern="1200">
           <a:solidFill>
             <a:schemeClr val="tx1"/>
@@ -2902,7 +5957,7 @@
           <a:cs typeface="+mn-cs"/>
         </a:defRPr>
       </a:lvl5pPr>
-      <a:lvl6pPr marL="2286000" algn="l" defTabSz="914400" rtl="0" eaLnBrk="1" latinLnBrk="0" hangingPunct="1">
+      <a:lvl6pPr marL="2286000" algn="l" defTabSz="457200" rtl="0" eaLnBrk="1" latinLnBrk="0" hangingPunct="1">
         <a:defRPr sz="1800" kern="1200">
           <a:solidFill>
             <a:schemeClr val="tx1"/>
@@ -2912,7 +5967,7 @@
           <a:cs typeface="+mn-cs"/>
         </a:defRPr>
       </a:lvl6pPr>
-      <a:lvl7pPr marL="2743200" algn="l" defTabSz="914400" rtl="0" eaLnBrk="1" latinLnBrk="0" hangingPunct="1">
+      <a:lvl7pPr marL="2743200" algn="l" defTabSz="457200" rtl="0" eaLnBrk="1" latinLnBrk="0" hangingPunct="1">
         <a:defRPr sz="1800" kern="1200">
           <a:solidFill>
             <a:schemeClr val="tx1"/>
@@ -2922,7 +5977,7 @@
           <a:cs typeface="+mn-cs"/>
         </a:defRPr>
       </a:lvl7pPr>
-      <a:lvl8pPr marL="3200400" algn="l" defTabSz="914400" rtl="0" eaLnBrk="1" latinLnBrk="0" hangingPunct="1">
+      <a:lvl8pPr marL="3200400" algn="l" defTabSz="457200" rtl="0" eaLnBrk="1" latinLnBrk="0" hangingPunct="1">
         <a:defRPr sz="1800" kern="1200">
           <a:solidFill>
             <a:schemeClr val="tx1"/>
@@ -2932,7 +5987,7 @@
           <a:cs typeface="+mn-cs"/>
         </a:defRPr>
       </a:lvl8pPr>
-      <a:lvl9pPr marL="3657600" algn="l" defTabSz="914400" rtl="0" eaLnBrk="1" latinLnBrk="0" hangingPunct="1">
+      <a:lvl9pPr marL="3657600" algn="l" defTabSz="457200" rtl="0" eaLnBrk="1" latinLnBrk="0" hangingPunct="1">
         <a:defRPr sz="1800" kern="1200">
           <a:solidFill>
             <a:schemeClr val="tx1"/>
@@ -2966,46 +6021,65 @@
       </p:grpSpPr>
       <p:sp>
         <p:nvSpPr>
-          <p:cNvPr id="2" name="Title 1"/>
-          <p:cNvSpPr>
-            <a:spLocks noGrp="1"/>
-          </p:cNvSpPr>
-          <p:nvPr>
-            <p:ph type="ctrTitle"/>
-          </p:nvPr>
-        </p:nvSpPr>
-        <p:spPr/>
+          <p:cNvPr id="3" name="Subtitle 2"/>
+          <p:cNvSpPr>
+            <a:spLocks noGrp="1"/>
+          </p:cNvSpPr>
+          <p:nvPr>
+            <p:ph type="subTitle" idx="1"/>
+          </p:nvPr>
+        </p:nvSpPr>
+        <p:spPr>
+          <a:xfrm>
+            <a:off x="1315274" y="4097102"/>
+            <a:ext cx="9440034" cy="1049867"/>
+          </a:xfrm>
+        </p:spPr>
         <p:txBody>
           <a:bodyPr/>
           <a:lstStyle/>
           <a:p>
             <a:r>
-              <a:rPr lang="en-GB"/>
-              <a:t>Smartwall</a:t>
-            </a:r>
-            <a:endParaRPr lang="en-GB"/>
-          </a:p>
-        </p:txBody>
-      </p:sp>
-      <p:sp>
-        <p:nvSpPr>
-          <p:cNvPr id="3" name="Subtitle 2"/>
-          <p:cNvSpPr>
-            <a:spLocks noGrp="1"/>
-          </p:cNvSpPr>
-          <p:nvPr>
-            <p:ph type="subTitle" idx="1"/>
-          </p:nvPr>
-        </p:nvSpPr>
-        <p:spPr/>
-        <p:txBody>
-          <a:bodyPr/>
-          <a:lstStyle/>
-          <a:p>
-            <a:endParaRPr lang="en-GB"/>
-          </a:p>
-        </p:txBody>
-      </p:sp>
+              <a:rPr lang="en-GB" dirty="0" err="1"/>
+              <a:t>IoT</a:t>
+            </a:r>
+            <a:r>
+              <a:rPr lang="en-GB" dirty="0"/>
+              <a:t> Security at Home</a:t>
+            </a:r>
+          </a:p>
+        </p:txBody>
+      </p:sp>
+      <p:pic>
+        <p:nvPicPr>
+          <p:cNvPr id="5" name="Picture 4"/>
+          <p:cNvPicPr>
+            <a:picLocks noChangeAspect="1"/>
+          </p:cNvPicPr>
+          <p:nvPr/>
+        </p:nvPicPr>
+        <p:blipFill>
+          <a:blip r:embed="rId2">
+            <a:extLst>
+              <a:ext uri="{28A0092B-C50C-407E-A947-70E740481C1C}">
+                <a14:useLocalDpi xmlns:a14="http://schemas.microsoft.com/office/drawing/2010/main" val="0"/>
+              </a:ext>
+            </a:extLst>
+          </a:blip>
+          <a:stretch>
+            <a:fillRect/>
+          </a:stretch>
+        </p:blipFill>
+        <p:spPr>
+          <a:xfrm>
+            <a:off x="3770645" y="1671782"/>
+            <a:ext cx="4381374" cy="2677100"/>
+          </a:xfrm>
+          <a:prstGeom prst="rect">
+            <a:avLst/>
+          </a:prstGeom>
+        </p:spPr>
+      </p:pic>
     </p:spTree>
     <p:extLst>
       <p:ext uri="{BB962C8B-B14F-4D97-AF65-F5344CB8AC3E}">
@@ -3020,9 +6094,9 @@
 </file>
 
 <file path=ppt/theme/theme1.xml><?xml version="1.0" encoding="utf-8"?>
-<a:theme xmlns:a="http://schemas.openxmlformats.org/drawingml/2006/main" name="Office Theme">
+<a:theme xmlns:a="http://schemas.openxmlformats.org/drawingml/2006/main" name="Slate">
   <a:themeElements>
-    <a:clrScheme name="Office">
+    <a:clrScheme name="Slate">
       <a:dk1>
         <a:sysClr val="windowText" lastClr="000000"/>
       </a:dk1>
@@ -3030,97 +6104,45 @@
         <a:sysClr val="window" lastClr="FFFFFF"/>
       </a:lt1>
       <a:dk2>
-        <a:srgbClr val="44546A"/>
+        <a:srgbClr val="212123"/>
       </a:dk2>
       <a:lt2>
-        <a:srgbClr val="E7E6E6"/>
+        <a:srgbClr val="DADADA"/>
       </a:lt2>
       <a:accent1>
-        <a:srgbClr val="4472C4"/>
+        <a:srgbClr val="BC451B"/>
       </a:accent1>
       <a:accent2>
-        <a:srgbClr val="ED7D31"/>
+        <a:srgbClr val="D3BA68"/>
       </a:accent2>
       <a:accent3>
-        <a:srgbClr val="A5A5A5"/>
+        <a:srgbClr val="BB8640"/>
       </a:accent3>
       <a:accent4>
-        <a:srgbClr val="FFC000"/>
+        <a:srgbClr val="AD9277"/>
       </a:accent4>
       <a:accent5>
-        <a:srgbClr val="5B9BD5"/>
+        <a:srgbClr val="A55A43"/>
       </a:accent5>
       <a:accent6>
-        <a:srgbClr val="70AD47"/>
+        <a:srgbClr val="AD9D7B"/>
       </a:accent6>
       <a:hlink>
-        <a:srgbClr val="0563C1"/>
+        <a:srgbClr val="E98052"/>
       </a:hlink>
       <a:folHlink>
-        <a:srgbClr val="954F72"/>
+        <a:srgbClr val="F4B69B"/>
       </a:folHlink>
     </a:clrScheme>
-    <a:fontScheme name="Office">
+    <a:fontScheme name="Slate">
       <a:majorFont>
-        <a:latin typeface="Calibri Light" panose="020F0302020204030204"/>
+        <a:latin typeface="Calisto MT" panose="02040603050505030304"/>
         <a:ea typeface=""/>
         <a:cs typeface=""/>
-        <a:font script="Jpan" typeface="游ゴシック Light"/>
-        <a:font script="Hang" typeface="맑은 고딕"/>
-        <a:font script="Hans" typeface="等线 Light"/>
-        <a:font script="Hant" typeface="新細明體"/>
-        <a:font script="Arab" typeface="Times New Roman"/>
-        <a:font script="Hebr" typeface="Times New Roman"/>
-        <a:font script="Thai" typeface="Angsana New"/>
-        <a:font script="Ethi" typeface="Nyala"/>
-        <a:font script="Beng" typeface="Vrinda"/>
-        <a:font script="Gujr" typeface="Shruti"/>
-        <a:font script="Khmr" typeface="MoolBoran"/>
-        <a:font script="Knda" typeface="Tunga"/>
-        <a:font script="Guru" typeface="Raavi"/>
-        <a:font script="Cans" typeface="Euphemia"/>
-        <a:font script="Cher" typeface="Plantagenet Cherokee"/>
-        <a:font script="Yiii" typeface="Microsoft Yi Baiti"/>
-        <a:font script="Tibt" typeface="Microsoft Himalaya"/>
-        <a:font script="Thaa" typeface="MV Boli"/>
-        <a:font script="Deva" typeface="Mangal"/>
-        <a:font script="Telu" typeface="Gautami"/>
-        <a:font script="Taml" typeface="Latha"/>
-        <a:font script="Syrc" typeface="Estrangelo Edessa"/>
-        <a:font script="Orya" typeface="Kalinga"/>
-        <a:font script="Mlym" typeface="Kartika"/>
-        <a:font script="Laoo" typeface="DokChampa"/>
-        <a:font script="Sinh" typeface="Iskoola Pota"/>
-        <a:font script="Mong" typeface="Mongolian Baiti"/>
-        <a:font script="Viet" typeface="Times New Roman"/>
-        <a:font script="Uigh" typeface="Microsoft Uighur"/>
-        <a:font script="Geor" typeface="Sylfaen"/>
-        <a:font script="Armn" typeface="Arial"/>
-        <a:font script="Bugi" typeface="Leelawadee UI"/>
-        <a:font script="Bopo" typeface="Microsoft JhengHei"/>
-        <a:font script="Java" typeface="Javanese Text"/>
-        <a:font script="Lisu" typeface="Segoe UI"/>
-        <a:font script="Mymr" typeface="Myanmar Text"/>
-        <a:font script="Nkoo" typeface="Ebrima"/>
-        <a:font script="Olck" typeface="Nirmala UI"/>
-        <a:font script="Osma" typeface="Ebrima"/>
-        <a:font script="Phag" typeface="Phagspa"/>
-        <a:font script="Syrn" typeface="Estrangelo Edessa"/>
-        <a:font script="Syrj" typeface="Estrangelo Edessa"/>
-        <a:font script="Syre" typeface="Estrangelo Edessa"/>
-        <a:font script="Sora" typeface="Nirmala UI"/>
-        <a:font script="Tale" typeface="Microsoft Tai Le"/>
-        <a:font script="Talu" typeface="Microsoft New Tai Lue"/>
-        <a:font script="Tfng" typeface="Ebrima"/>
-      </a:majorFont>
-      <a:minorFont>
-        <a:latin typeface="Calibri" panose="020F0502020204030204"/>
-        <a:ea typeface=""/>
-        <a:cs typeface=""/>
-        <a:font script="Jpan" typeface="游ゴシック"/>
-        <a:font script="Hang" typeface="맑은 고딕"/>
-        <a:font script="Hans" typeface="等线"/>
-        <a:font script="Hant" typeface="新細明體"/>
+        <a:font script="Jpan" typeface="ＭＳ Ｐゴシック"/>
+        <a:font script="Hang" typeface="돋움"/>
+        <a:font script="Hans" typeface="方正舒体"/>
+        <a:font script="Hant" typeface="微軟正黑體"/>
         <a:font script="Arab" typeface="Arial"/>
         <a:font script="Hebr" typeface="Arial"/>
         <a:font script="Thai" typeface="Cordia New"/>
@@ -3147,26 +6169,44 @@
         <a:font script="Viet" typeface="Arial"/>
         <a:font script="Uigh" typeface="Microsoft Uighur"/>
         <a:font script="Geor" typeface="Sylfaen"/>
-        <a:font script="Armn" typeface="Arial"/>
-        <a:font script="Bugi" typeface="Leelawadee UI"/>
-        <a:font script="Bopo" typeface="Microsoft JhengHei"/>
-        <a:font script="Java" typeface="Javanese Text"/>
-        <a:font script="Lisu" typeface="Segoe UI"/>
-        <a:font script="Mymr" typeface="Myanmar Text"/>
-        <a:font script="Nkoo" typeface="Ebrima"/>
-        <a:font script="Olck" typeface="Nirmala UI"/>
-        <a:font script="Osma" typeface="Ebrima"/>
-        <a:font script="Phag" typeface="Phagspa"/>
-        <a:font script="Syrn" typeface="Estrangelo Edessa"/>
-        <a:font script="Syrj" typeface="Estrangelo Edessa"/>
-        <a:font script="Syre" typeface="Estrangelo Edessa"/>
-        <a:font script="Sora" typeface="Nirmala UI"/>
-        <a:font script="Tale" typeface="Microsoft Tai Le"/>
-        <a:font script="Talu" typeface="Microsoft New Tai Lue"/>
-        <a:font script="Tfng" typeface="Ebrima"/>
+      </a:majorFont>
+      <a:minorFont>
+        <a:latin typeface="Calisto MT" panose="02040603050505030304"/>
+        <a:ea typeface=""/>
+        <a:cs typeface=""/>
+        <a:font script="Jpan" typeface="ＭＳ Ｐゴシック"/>
+        <a:font script="Hang" typeface="돋움"/>
+        <a:font script="Hans" typeface="方正舒体"/>
+        <a:font script="Hant" typeface="微軟正黑體"/>
+        <a:font script="Arab" typeface="Arial"/>
+        <a:font script="Hebr" typeface="Arial"/>
+        <a:font script="Thai" typeface="Cordia New"/>
+        <a:font script="Ethi" typeface="Nyala"/>
+        <a:font script="Beng" typeface="Vrinda"/>
+        <a:font script="Gujr" typeface="Shruti"/>
+        <a:font script="Khmr" typeface="DaunPenh"/>
+        <a:font script="Knda" typeface="Tunga"/>
+        <a:font script="Guru" typeface="Raavi"/>
+        <a:font script="Cans" typeface="Euphemia"/>
+        <a:font script="Cher" typeface="Plantagenet Cherokee"/>
+        <a:font script="Yiii" typeface="Microsoft Yi Baiti"/>
+        <a:font script="Tibt" typeface="Microsoft Himalaya"/>
+        <a:font script="Thaa" typeface="MV Boli"/>
+        <a:font script="Deva" typeface="Mangal"/>
+        <a:font script="Telu" typeface="Gautami"/>
+        <a:font script="Taml" typeface="Latha"/>
+        <a:font script="Syrc" typeface="Estrangelo Edessa"/>
+        <a:font script="Orya" typeface="Kalinga"/>
+        <a:font script="Mlym" typeface="Kartika"/>
+        <a:font script="Laoo" typeface="DokChampa"/>
+        <a:font script="Sinh" typeface="Iskoola Pota"/>
+        <a:font script="Mong" typeface="Mongolian Baiti"/>
+        <a:font script="Viet" typeface="Arial"/>
+        <a:font script="Uigh" typeface="Microsoft Uighur"/>
+        <a:font script="Geor" typeface="Sylfaen"/>
       </a:minorFont>
     </a:fontScheme>
-    <a:fmtScheme name="Office">
+    <a:fmtScheme name="Slate">
       <a:fillStyleLst>
         <a:solidFill>
           <a:schemeClr val="phClr"/>
@@ -3175,23 +6215,13 @@
           <a:gsLst>
             <a:gs pos="0">
               <a:schemeClr val="phClr">
+                <a:tint val="60000"/>
                 <a:lumMod val="110000"/>
-                <a:satMod val="105000"/>
-                <a:tint val="67000"/>
-              </a:schemeClr>
-            </a:gs>
-            <a:gs pos="50000">
-              <a:schemeClr val="phClr">
-                <a:lumMod val="105000"/>
-                <a:satMod val="103000"/>
-                <a:tint val="73000"/>
               </a:schemeClr>
             </a:gs>
             <a:gs pos="100000">
               <a:schemeClr val="phClr">
-                <a:lumMod val="105000"/>
-                <a:satMod val="109000"/>
-                <a:tint val="81000"/>
+                <a:tint val="88000"/>
               </a:schemeClr>
             </a:gs>
           </a:gsLst>
@@ -3201,23 +6231,14 @@
           <a:gsLst>
             <a:gs pos="0">
               <a:schemeClr val="phClr">
-                <a:satMod val="103000"/>
-                <a:lumMod val="102000"/>
-                <a:tint val="94000"/>
-              </a:schemeClr>
-            </a:gs>
-            <a:gs pos="50000">
-              <a:schemeClr val="phClr">
-                <a:satMod val="110000"/>
-                <a:lumMod val="100000"/>
-                <a:shade val="100000"/>
+                <a:tint val="96000"/>
+                <a:lumMod val="104000"/>
               </a:schemeClr>
             </a:gs>
             <a:gs pos="100000">
               <a:schemeClr val="phClr">
-                <a:lumMod val="99000"/>
-                <a:satMod val="120000"/>
-                <a:shade val="78000"/>
+                <a:shade val="90000"/>
+                <a:lumMod val="90000"/>
               </a:schemeClr>
             </a:gs>
           </a:gsLst>
@@ -3225,26 +6246,25 @@
         </a:gradFill>
       </a:fillStyleLst>
       <a:lnStyleLst>
-        <a:ln w="6350" cap="flat" cmpd="sng" algn="ctr">
+        <a:ln w="9525" cap="rnd" cmpd="sng" algn="ctr">
+          <a:solidFill>
+            <a:schemeClr val="phClr">
+              <a:shade val="90000"/>
+            </a:schemeClr>
+          </a:solidFill>
+          <a:prstDash val="solid"/>
+        </a:ln>
+        <a:ln w="15875" cap="rnd" cmpd="sng" algn="ctr">
           <a:solidFill>
             <a:schemeClr val="phClr"/>
           </a:solidFill>
           <a:prstDash val="solid"/>
-          <a:miter lim="800000"/>
         </a:ln>
-        <a:ln w="12700" cap="flat" cmpd="sng" algn="ctr">
+        <a:ln w="25400" cap="rnd" cmpd="sng" algn="ctr">
           <a:solidFill>
             <a:schemeClr val="phClr"/>
           </a:solidFill>
           <a:prstDash val="solid"/>
-          <a:miter lim="800000"/>
-        </a:ln>
-        <a:ln w="19050" cap="flat" cmpd="sng" algn="ctr">
-          <a:solidFill>
-            <a:schemeClr val="phClr"/>
-          </a:solidFill>
-          <a:prstDash val="solid"/>
-          <a:miter lim="800000"/>
         </a:ln>
       </a:lnStyleLst>
       <a:effectStyleLst>
@@ -3252,16 +6272,33 @@
           <a:effectLst/>
         </a:effectStyle>
         <a:effectStyle>
-          <a:effectLst/>
+          <a:effectLst>
+            <a:outerShdw blurRad="63500" dist="25400" dir="5400000" rotWithShape="0">
+              <a:srgbClr val="000000">
+                <a:alpha val="60000"/>
+              </a:srgbClr>
+            </a:outerShdw>
+          </a:effectLst>
         </a:effectStyle>
         <a:effectStyle>
           <a:effectLst>
-            <a:outerShdw blurRad="57150" dist="19050" dir="5400000" algn="ctr" rotWithShape="0">
+            <a:outerShdw blurRad="76200" dist="38100" dir="5400000" rotWithShape="0">
               <a:srgbClr val="000000">
-                <a:alpha val="63000"/>
+                <a:alpha val="75000"/>
               </a:srgbClr>
             </a:outerShdw>
           </a:effectLst>
+          <a:scene3d>
+            <a:camera prst="orthographicFront">
+              <a:rot lat="0" lon="0" rev="0"/>
+            </a:camera>
+            <a:lightRig rig="threePt" dir="t">
+              <a:rot lat="0" lon="0" rev="1200000"/>
+            </a:lightRig>
+          </a:scene3d>
+          <a:sp3d>
+            <a:bevelT w="63500" h="25400" prst="hardEdge"/>
+          </a:sp3d>
         </a:effectStyle>
       </a:effectStyleLst>
       <a:bgFillStyleLst>
@@ -3269,38 +6306,22 @@
           <a:schemeClr val="phClr"/>
         </a:solidFill>
         <a:solidFill>
-          <a:schemeClr val="phClr">
-            <a:tint val="95000"/>
-            <a:satMod val="170000"/>
-          </a:schemeClr>
+          <a:schemeClr val="phClr"/>
         </a:solidFill>
-        <a:gradFill rotWithShape="1">
-          <a:gsLst>
-            <a:gs pos="0">
+        <a:blipFill rotWithShape="1">
+          <a:blip xmlns:r="http://schemas.openxmlformats.org/officeDocument/2006/relationships" r:embed="rId1">
+            <a:duotone>
               <a:schemeClr val="phClr">
-                <a:tint val="93000"/>
-                <a:satMod val="150000"/>
-                <a:shade val="98000"/>
-                <a:lumMod val="102000"/>
+                <a:shade val="80000"/>
+                <a:lumMod val="80000"/>
               </a:schemeClr>
-            </a:gs>
-            <a:gs pos="50000">
               <a:schemeClr val="phClr">
                 <a:tint val="98000"/>
-                <a:satMod val="130000"/>
-                <a:shade val="90000"/>
-                <a:lumMod val="103000"/>
               </a:schemeClr>
-            </a:gs>
-            <a:gs pos="100000">
-              <a:schemeClr val="phClr">
-                <a:shade val="63000"/>
-                <a:satMod val="120000"/>
-              </a:schemeClr>
-            </a:gs>
-          </a:gsLst>
-          <a:lin ang="5400000" scaled="0"/>
-        </a:gradFill>
+            </a:duotone>
+          </a:blip>
+          <a:stretch/>
+        </a:blipFill>
       </a:bgFillStyleLst>
     </a:fmtScheme>
   </a:themeElements>
@@ -3308,7 +6329,7 @@
   <a:extraClrSchemeLst/>
   <a:extLst>
     <a:ext uri="{05A4C25C-085E-4340-85A3-A5531E510DB2}">
-      <thm15:themeFamily xmlns:thm15="http://schemas.microsoft.com/office/thememl/2012/main" name="Office Theme" id="{62F939B6-93AF-4DB8-9C6B-D6C7DFDC589F}" vid="{4A3C46E8-61CC-4603-A589-7422A47A8E4A}"/>
+      <thm15:themeFamily xmlns:thm15="http://schemas.microsoft.com/office/thememl/2012/main" name="Slate" id="{C3F70B94-7CE9-428E-ADC1-3269CC2C3385}" vid="{3F2DE9A5-64E6-437C-A389-CC4477E817E8}"/>
     </a:ext>
   </a:extLst>
 </a:theme>

--- a/Demonstration/Smartwall.pptx
+++ b/Demonstration/Smartwall.pptx
@@ -6,6 +6,11 @@
   </p:sldMasterIdLst>
   <p:sldIdLst>
     <p:sldId id="256" r:id="rId2"/>
+    <p:sldId id="257" r:id="rId3"/>
+    <p:sldId id="258" r:id="rId4"/>
+    <p:sldId id="259" r:id="rId5"/>
+    <p:sldId id="260" r:id="rId6"/>
+    <p:sldId id="261" r:id="rId7"/>
   </p:sldIdLst>
   <p:sldSz cx="12192000" cy="6858000"/>
   <p:notesSz cx="6858000" cy="9144000"/>
@@ -6093,6 +6098,437 @@
 </p:sld>
 </file>
 
+<file path=ppt/slides/slide2.xml><?xml version="1.0" encoding="utf-8"?>
+<p:sld xmlns:a="http://schemas.openxmlformats.org/drawingml/2006/main" xmlns:r="http://schemas.openxmlformats.org/officeDocument/2006/relationships" xmlns:p="http://schemas.openxmlformats.org/presentationml/2006/main">
+  <p:cSld>
+    <p:spTree>
+      <p:nvGrpSpPr>
+        <p:cNvPr id="1" name=""/>
+        <p:cNvGrpSpPr/>
+        <p:nvPr/>
+      </p:nvGrpSpPr>
+      <p:grpSpPr>
+        <a:xfrm>
+          <a:off x="0" y="0"/>
+          <a:ext cx="0" cy="0"/>
+          <a:chOff x="0" y="0"/>
+          <a:chExt cx="0" cy="0"/>
+        </a:xfrm>
+      </p:grpSpPr>
+      <p:sp>
+        <p:nvSpPr>
+          <p:cNvPr id="2" name="Title 1"/>
+          <p:cNvSpPr>
+            <a:spLocks noGrp="1"/>
+          </p:cNvSpPr>
+          <p:nvPr>
+            <p:ph type="title"/>
+          </p:nvPr>
+        </p:nvSpPr>
+        <p:spPr/>
+        <p:txBody>
+          <a:bodyPr/>
+          <a:lstStyle/>
+          <a:p>
+            <a:r>
+              <a:rPr lang="en-GB" dirty="0"/>
+              <a:t>What is Smartwall?</a:t>
+            </a:r>
+          </a:p>
+        </p:txBody>
+      </p:sp>
+      <p:sp>
+        <p:nvSpPr>
+          <p:cNvPr id="6" name="Content Placeholder 5"/>
+          <p:cNvSpPr>
+            <a:spLocks noGrp="1"/>
+          </p:cNvSpPr>
+          <p:nvPr>
+            <p:ph idx="1"/>
+          </p:nvPr>
+        </p:nvSpPr>
+        <p:spPr/>
+        <p:txBody>
+          <a:bodyPr>
+            <a:normAutofit/>
+          </a:bodyPr>
+          <a:lstStyle/>
+          <a:p>
+            <a:r>
+              <a:rPr lang="en-GB" sz="3200" dirty="0"/>
+              <a:t>Package for OpenWRT</a:t>
+            </a:r>
+          </a:p>
+          <a:p>
+            <a:r>
+              <a:rPr lang="en-GB" sz="3200" dirty="0"/>
+              <a:t>Traffic logging in real time</a:t>
+            </a:r>
+          </a:p>
+          <a:p>
+            <a:r>
+              <a:rPr lang="en-GB" sz="3200" dirty="0"/>
+              <a:t>Intrusion detection and prevention on </a:t>
+            </a:r>
+            <a:r>
+              <a:rPr lang="en-GB" sz="3200" dirty="0" err="1"/>
+              <a:t>IoT</a:t>
+            </a:r>
+            <a:r>
+              <a:rPr lang="en-GB" sz="3200" dirty="0"/>
+              <a:t> devices</a:t>
+            </a:r>
+          </a:p>
+          <a:p>
+            <a:endParaRPr lang="en-GB" sz="3200" dirty="0"/>
+          </a:p>
+        </p:txBody>
+      </p:sp>
+    </p:spTree>
+    <p:extLst>
+      <p:ext uri="{BB962C8B-B14F-4D97-AF65-F5344CB8AC3E}">
+        <p14:creationId xmlns:p14="http://schemas.microsoft.com/office/powerpoint/2010/main" val="1222944153"/>
+      </p:ext>
+    </p:extLst>
+  </p:cSld>
+  <p:clrMapOvr>
+    <a:masterClrMapping/>
+  </p:clrMapOvr>
+</p:sld>
+</file>
+
+<file path=ppt/slides/slide3.xml><?xml version="1.0" encoding="utf-8"?>
+<p:sld xmlns:a="http://schemas.openxmlformats.org/drawingml/2006/main" xmlns:r="http://schemas.openxmlformats.org/officeDocument/2006/relationships" xmlns:p="http://schemas.openxmlformats.org/presentationml/2006/main">
+  <p:cSld>
+    <p:spTree>
+      <p:nvGrpSpPr>
+        <p:cNvPr id="1" name=""/>
+        <p:cNvGrpSpPr/>
+        <p:nvPr/>
+      </p:nvGrpSpPr>
+      <p:grpSpPr>
+        <a:xfrm>
+          <a:off x="0" y="0"/>
+          <a:ext cx="0" cy="0"/>
+          <a:chOff x="0" y="0"/>
+          <a:chExt cx="0" cy="0"/>
+        </a:xfrm>
+      </p:grpSpPr>
+      <p:sp>
+        <p:nvSpPr>
+          <p:cNvPr id="2" name="Title 1"/>
+          <p:cNvSpPr>
+            <a:spLocks noGrp="1"/>
+          </p:cNvSpPr>
+          <p:nvPr>
+            <p:ph type="title"/>
+          </p:nvPr>
+        </p:nvSpPr>
+        <p:spPr/>
+        <p:txBody>
+          <a:bodyPr/>
+          <a:lstStyle/>
+          <a:p>
+            <a:r>
+              <a:rPr lang="en-GB" dirty="0"/>
+              <a:t>What problem does it address?</a:t>
+            </a:r>
+          </a:p>
+        </p:txBody>
+      </p:sp>
+      <p:sp>
+        <p:nvSpPr>
+          <p:cNvPr id="3" name="Content Placeholder 2"/>
+          <p:cNvSpPr>
+            <a:spLocks noGrp="1"/>
+          </p:cNvSpPr>
+          <p:nvPr>
+            <p:ph idx="1"/>
+          </p:nvPr>
+        </p:nvSpPr>
+        <p:spPr>
+          <a:xfrm>
+            <a:off x="779929" y="1732449"/>
+            <a:ext cx="10641105" cy="4058751"/>
+          </a:xfrm>
+        </p:spPr>
+        <p:txBody>
+          <a:bodyPr>
+            <a:normAutofit/>
+          </a:bodyPr>
+          <a:lstStyle/>
+          <a:p>
+            <a:r>
+              <a:rPr lang="en-GB" sz="3200" dirty="0"/>
+              <a:t>Danger of low security </a:t>
+            </a:r>
+            <a:r>
+              <a:rPr lang="en-GB" sz="3200" dirty="0" err="1"/>
+              <a:t>IoT</a:t>
+            </a:r>
+            <a:r>
+              <a:rPr lang="en-GB" sz="3200" dirty="0"/>
+              <a:t> devices being compromised</a:t>
+            </a:r>
+          </a:p>
+          <a:p>
+            <a:r>
+              <a:rPr lang="en-GB" sz="3200" dirty="0"/>
+              <a:t>Lack of clarity on what a device is talking to internally and externally on a network.</a:t>
+            </a:r>
+          </a:p>
+          <a:p>
+            <a:r>
+              <a:rPr lang="en-GB" sz="3200" dirty="0"/>
+              <a:t>Risk of being exploited as part of a botnet attack (</a:t>
+            </a:r>
+            <a:r>
+              <a:rPr lang="en-GB" sz="3200" dirty="0" err="1"/>
+              <a:t>ie</a:t>
+            </a:r>
+            <a:r>
+              <a:rPr lang="en-GB" sz="3200" dirty="0"/>
+              <a:t> </a:t>
+            </a:r>
+            <a:r>
+              <a:rPr lang="en-GB" sz="3200" dirty="0" err="1"/>
+              <a:t>Mirai</a:t>
+            </a:r>
+            <a:r>
+              <a:rPr lang="en-GB" sz="3200" dirty="0"/>
+              <a:t>)</a:t>
+            </a:r>
+          </a:p>
+        </p:txBody>
+      </p:sp>
+    </p:spTree>
+    <p:extLst>
+      <p:ext uri="{BB962C8B-B14F-4D97-AF65-F5344CB8AC3E}">
+        <p14:creationId xmlns:p14="http://schemas.microsoft.com/office/powerpoint/2010/main" val="3635839948"/>
+      </p:ext>
+    </p:extLst>
+  </p:cSld>
+  <p:clrMapOvr>
+    <a:masterClrMapping/>
+  </p:clrMapOvr>
+</p:sld>
+</file>
+
+<file path=ppt/slides/slide4.xml><?xml version="1.0" encoding="utf-8"?>
+<p:sld xmlns:a="http://schemas.openxmlformats.org/drawingml/2006/main" xmlns:r="http://schemas.openxmlformats.org/officeDocument/2006/relationships" xmlns:p="http://schemas.openxmlformats.org/presentationml/2006/main">
+  <p:cSld>
+    <p:spTree>
+      <p:nvGrpSpPr>
+        <p:cNvPr id="1" name=""/>
+        <p:cNvGrpSpPr/>
+        <p:nvPr/>
+      </p:nvGrpSpPr>
+      <p:grpSpPr>
+        <a:xfrm>
+          <a:off x="0" y="0"/>
+          <a:ext cx="0" cy="0"/>
+          <a:chOff x="0" y="0"/>
+          <a:chExt cx="0" cy="0"/>
+        </a:xfrm>
+      </p:grpSpPr>
+      <p:sp>
+        <p:nvSpPr>
+          <p:cNvPr id="2" name="Title 1"/>
+          <p:cNvSpPr>
+            <a:spLocks noGrp="1"/>
+          </p:cNvSpPr>
+          <p:nvPr>
+            <p:ph type="title"/>
+          </p:nvPr>
+        </p:nvSpPr>
+        <p:spPr/>
+        <p:txBody>
+          <a:bodyPr/>
+          <a:lstStyle/>
+          <a:p>
+            <a:r>
+              <a:rPr lang="en-GB" dirty="0"/>
+              <a:t>How does it address these?</a:t>
+            </a:r>
+          </a:p>
+        </p:txBody>
+      </p:sp>
+      <p:sp>
+        <p:nvSpPr>
+          <p:cNvPr id="3" name="Content Placeholder 2"/>
+          <p:cNvSpPr>
+            <a:spLocks noGrp="1"/>
+          </p:cNvSpPr>
+          <p:nvPr>
+            <p:ph idx="1"/>
+          </p:nvPr>
+        </p:nvSpPr>
+        <p:spPr/>
+        <p:txBody>
+          <a:bodyPr/>
+          <a:lstStyle/>
+          <a:p>
+            <a:r>
+              <a:rPr lang="en-GB" sz="3200" dirty="0"/>
+              <a:t>Full home monitoring on connections in the home</a:t>
+            </a:r>
+          </a:p>
+          <a:p>
+            <a:r>
+              <a:rPr lang="en-GB" sz="3200" dirty="0"/>
+              <a:t>Direct control over devices’ allowed connections</a:t>
+            </a:r>
+          </a:p>
+          <a:p>
+            <a:r>
+              <a:rPr lang="en-GB" sz="3200" dirty="0"/>
+              <a:t>Behavioural based warnings </a:t>
+            </a:r>
+            <a:r>
+              <a:rPr lang="en-GB" sz="3200"/>
+              <a:t>on devices’ </a:t>
+            </a:r>
+            <a:r>
+              <a:rPr lang="en-GB" sz="3200" dirty="0"/>
+              <a:t>connections</a:t>
+            </a:r>
+          </a:p>
+          <a:p>
+            <a:endParaRPr lang="en-GB" dirty="0"/>
+          </a:p>
+        </p:txBody>
+      </p:sp>
+    </p:spTree>
+    <p:extLst>
+      <p:ext uri="{BB962C8B-B14F-4D97-AF65-F5344CB8AC3E}">
+        <p14:creationId xmlns:p14="http://schemas.microsoft.com/office/powerpoint/2010/main" val="3120616144"/>
+      </p:ext>
+    </p:extLst>
+  </p:cSld>
+  <p:clrMapOvr>
+    <a:masterClrMapping/>
+  </p:clrMapOvr>
+</p:sld>
+</file>
+
+<file path=ppt/slides/slide5.xml><?xml version="1.0" encoding="utf-8"?>
+<p:sld xmlns:a="http://schemas.openxmlformats.org/drawingml/2006/main" xmlns:r="http://schemas.openxmlformats.org/officeDocument/2006/relationships" xmlns:p="http://schemas.openxmlformats.org/presentationml/2006/main">
+  <p:cSld>
+    <p:spTree>
+      <p:nvGrpSpPr>
+        <p:cNvPr id="1" name=""/>
+        <p:cNvGrpSpPr/>
+        <p:nvPr/>
+      </p:nvGrpSpPr>
+      <p:grpSpPr>
+        <a:xfrm>
+          <a:off x="0" y="0"/>
+          <a:ext cx="0" cy="0"/>
+          <a:chOff x="0" y="0"/>
+          <a:chExt cx="0" cy="0"/>
+        </a:xfrm>
+      </p:grpSpPr>
+      <p:sp>
+        <p:nvSpPr>
+          <p:cNvPr id="2" name="Title 1"/>
+          <p:cNvSpPr>
+            <a:spLocks noGrp="1"/>
+          </p:cNvSpPr>
+          <p:nvPr>
+            <p:ph type="title"/>
+          </p:nvPr>
+        </p:nvSpPr>
+        <p:spPr>
+          <a:xfrm>
+            <a:off x="1057230" y="2720789"/>
+            <a:ext cx="10353762" cy="970450"/>
+          </a:xfrm>
+        </p:spPr>
+        <p:txBody>
+          <a:bodyPr>
+            <a:noAutofit/>
+          </a:bodyPr>
+          <a:lstStyle/>
+          <a:p>
+            <a:r>
+              <a:rPr lang="en-GB" sz="11500" dirty="0"/>
+              <a:t>Demonstration</a:t>
+            </a:r>
+          </a:p>
+        </p:txBody>
+      </p:sp>
+    </p:spTree>
+    <p:extLst>
+      <p:ext uri="{BB962C8B-B14F-4D97-AF65-F5344CB8AC3E}">
+        <p14:creationId xmlns:p14="http://schemas.microsoft.com/office/powerpoint/2010/main" val="2316336252"/>
+      </p:ext>
+    </p:extLst>
+  </p:cSld>
+  <p:clrMapOvr>
+    <a:masterClrMapping/>
+  </p:clrMapOvr>
+</p:sld>
+</file>
+
+<file path=ppt/slides/slide6.xml><?xml version="1.0" encoding="utf-8"?>
+<p:sld xmlns:a="http://schemas.openxmlformats.org/drawingml/2006/main" xmlns:r="http://schemas.openxmlformats.org/officeDocument/2006/relationships" xmlns:p="http://schemas.openxmlformats.org/presentationml/2006/main">
+  <p:cSld>
+    <p:spTree>
+      <p:nvGrpSpPr>
+        <p:cNvPr id="1" name=""/>
+        <p:cNvGrpSpPr/>
+        <p:nvPr/>
+      </p:nvGrpSpPr>
+      <p:grpSpPr>
+        <a:xfrm>
+          <a:off x="0" y="0"/>
+          <a:ext cx="0" cy="0"/>
+          <a:chOff x="0" y="0"/>
+          <a:chExt cx="0" cy="0"/>
+        </a:xfrm>
+      </p:grpSpPr>
+      <p:sp>
+        <p:nvSpPr>
+          <p:cNvPr id="2" name="Title 1"/>
+          <p:cNvSpPr>
+            <a:spLocks noGrp="1"/>
+          </p:cNvSpPr>
+          <p:nvPr>
+            <p:ph type="title"/>
+          </p:nvPr>
+        </p:nvSpPr>
+        <p:spPr>
+          <a:xfrm>
+            <a:off x="913795" y="2693907"/>
+            <a:ext cx="10353762" cy="970450"/>
+          </a:xfrm>
+        </p:spPr>
+        <p:txBody>
+          <a:bodyPr>
+            <a:noAutofit/>
+          </a:bodyPr>
+          <a:lstStyle/>
+          <a:p>
+            <a:r>
+              <a:rPr lang="en-GB" sz="11500" dirty="0"/>
+              <a:t>Questions?</a:t>
+            </a:r>
+          </a:p>
+        </p:txBody>
+      </p:sp>
+    </p:spTree>
+    <p:extLst>
+      <p:ext uri="{BB962C8B-B14F-4D97-AF65-F5344CB8AC3E}">
+        <p14:creationId xmlns:p14="http://schemas.microsoft.com/office/powerpoint/2010/main" val="343601121"/>
+      </p:ext>
+    </p:extLst>
+  </p:cSld>
+  <p:clrMapOvr>
+    <a:masterClrMapping/>
+  </p:clrMapOvr>
+</p:sld>
+</file>
+
 <file path=ppt/theme/theme1.xml><?xml version="1.0" encoding="utf-8"?>
 <a:theme xmlns:a="http://schemas.openxmlformats.org/drawingml/2006/main" name="Slate">
   <a:themeElements>
